--- a/AI Presentation.pptx
+++ b/AI Presentation.pptx
@@ -16,10 +16,14 @@
     <p:sldId id="264" r:id="rId10"/>
     <p:sldId id="265" r:id="rId11"/>
     <p:sldId id="267" r:id="rId12"/>
-    <p:sldId id="266" r:id="rId13"/>
-    <p:sldId id="268" r:id="rId14"/>
-    <p:sldId id="269" r:id="rId15"/>
-    <p:sldId id="270" r:id="rId16"/>
+    <p:sldId id="271" r:id="rId13"/>
+    <p:sldId id="272" r:id="rId14"/>
+    <p:sldId id="273" r:id="rId15"/>
+    <p:sldId id="274" r:id="rId16"/>
+    <p:sldId id="266" r:id="rId17"/>
+    <p:sldId id="268" r:id="rId18"/>
+    <p:sldId id="269" r:id="rId19"/>
+    <p:sldId id="270" r:id="rId20"/>
   </p:sldIdLst>
   <p:sldSz cx="12192000" cy="6858000"/>
   <p:notesSz cx="6858000" cy="9144000"/>
@@ -118,25 +122,111 @@
       </a:defRPr>
     </a:lvl9pPr>
   </p:defaultTextStyle>
-  <p:extLst>
-    <p:ext uri="{EFAFB233-063F-42B5-8137-9DF3F51BA10A}">
-      <p15:sldGuideLst xmlns:p15="http://schemas.microsoft.com/office/powerpoint/2012/main"/>
-    </p:ext>
-  </p:extLst>
 </p:presentation>
 </file>
 
 <file path=ppt/revisionInfo.xml><?xml version="1.0" encoding="utf-8"?>
 <p1510:revInfo xmlns:a="http://schemas.openxmlformats.org/drawingml/2006/main" xmlns:r="http://schemas.openxmlformats.org/officeDocument/2006/relationships" xmlns:p1510="http://schemas.microsoft.com/office/powerpoint/2015/10/main">
   <p1510:revLst>
-    <p1510:client id="{2C5FBD5A-2083-0282-68D4-5F40BDA7D0A6}" v="7" dt="2025-12-05T20:50:55.564"/>
-    <p1510:client id="{78576D00-BDF1-6C3C-242D-A2DCABA6BB0D}" v="748" dt="2025-12-05T20:06:43.719"/>
+    <p1510:client id="{0774D7DE-4896-BFFE-6B4B-2984BF18C048}" v="104" dt="2025-12-09T12:08:23.363"/>
+    <p1510:client id="{149E05A0-2DA5-3481-FA37-AC5863C6A18F}" v="2" dt="2025-12-09T11:08:20.420"/>
+    <p1510:client id="{20A20879-C6AA-5859-1F22-A7A413043758}" v="110" dt="2025-12-08T19:00:07.199"/>
+    <p1510:client id="{867EF111-3D19-6AC6-E53E-D9F2BA48D845}" v="211" dt="2025-12-08T19:30:47.149"/>
+    <p1510:client id="{D9FD39F6-3095-2BBA-56FC-81D16B5B0E6F}" v="146" dt="2025-12-07T22:34:37.834"/>
   </p1510:revLst>
 </p1510:revInfo>
 </file>
 
 <file path=ppt/changesInfos/changesInfo1.xml><?xml version="1.0" encoding="utf-8"?>
 <pc:chgInfo xmlns:a="http://schemas.openxmlformats.org/drawingml/2006/main" xmlns:r="http://schemas.openxmlformats.org/officeDocument/2006/relationships" xmlns:ac="http://schemas.microsoft.com/office/drawing/2013/main/command" xmlns:pc="http://schemas.microsoft.com/office/powerpoint/2013/main/command">
+  <pc:docChgLst>
+    <pc:chgData name="X00221555 Sean Kelly" userId="S::x00221555@mytudublin.ie::53b29c55-6005-4aa7-843a-d67c21753314" providerId="AD" clId="Web-{D9FD39F6-3095-2BBA-56FC-81D16B5B0E6F}"/>
+    <pc:docChg chg="modSld">
+      <pc:chgData name="X00221555 Sean Kelly" userId="S::x00221555@mytudublin.ie::53b29c55-6005-4aa7-843a-d67c21753314" providerId="AD" clId="Web-{D9FD39F6-3095-2BBA-56FC-81D16B5B0E6F}" dt="2025-12-07T22:34:10.224" v="141"/>
+      <pc:docMkLst>
+        <pc:docMk/>
+      </pc:docMkLst>
+      <pc:sldChg chg="modSp">
+        <pc:chgData name="X00221555 Sean Kelly" userId="S::x00221555@mytudublin.ie::53b29c55-6005-4aa7-843a-d67c21753314" providerId="AD" clId="Web-{D9FD39F6-3095-2BBA-56FC-81D16B5B0E6F}" dt="2025-12-07T22:34:10.224" v="141"/>
+        <pc:sldMkLst>
+          <pc:docMk/>
+          <pc:sldMk cId="1924060941" sldId="270"/>
+        </pc:sldMkLst>
+        <pc:graphicFrameChg chg="mod modGraphic">
+          <ac:chgData name="X00221555 Sean Kelly" userId="S::x00221555@mytudublin.ie::53b29c55-6005-4aa7-843a-d67c21753314" providerId="AD" clId="Web-{D9FD39F6-3095-2BBA-56FC-81D16B5B0E6F}" dt="2025-12-07T22:34:10.224" v="141"/>
+          <ac:graphicFrameMkLst>
+            <pc:docMk/>
+            <pc:sldMk cId="1924060941" sldId="270"/>
+            <ac:graphicFrameMk id="4" creationId="{4735D2F9-24CC-80E3-D490-988E02140218}"/>
+          </ac:graphicFrameMkLst>
+        </pc:graphicFrameChg>
+      </pc:sldChg>
+    </pc:docChg>
+  </pc:docChgLst>
+  <pc:docChgLst>
+    <pc:chgData name="X00221555 Sean Kelly" userId="S::x00221555@mytudublin.ie::53b29c55-6005-4aa7-843a-d67c21753314" providerId="AD" clId="Web-{20A20879-C6AA-5859-1F22-A7A413043758}"/>
+    <pc:docChg chg="modSld">
+      <pc:chgData name="X00221555 Sean Kelly" userId="S::x00221555@mytudublin.ie::53b29c55-6005-4aa7-843a-d67c21753314" providerId="AD" clId="Web-{20A20879-C6AA-5859-1F22-A7A413043758}" dt="2025-12-08T19:00:07.199" v="59" actId="20577"/>
+      <pc:docMkLst>
+        <pc:docMk/>
+      </pc:docMkLst>
+      <pc:sldChg chg="addSp delSp modSp">
+        <pc:chgData name="X00221555 Sean Kelly" userId="S::x00221555@mytudublin.ie::53b29c55-6005-4aa7-843a-d67c21753314" providerId="AD" clId="Web-{20A20879-C6AA-5859-1F22-A7A413043758}" dt="2025-12-08T19:00:07.199" v="59" actId="20577"/>
+        <pc:sldMkLst>
+          <pc:docMk/>
+          <pc:sldMk cId="3694143877" sldId="266"/>
+        </pc:sldMkLst>
+        <pc:spChg chg="add mod">
+          <ac:chgData name="X00221555 Sean Kelly" userId="S::x00221555@mytudublin.ie::53b29c55-6005-4aa7-843a-d67c21753314" providerId="AD" clId="Web-{20A20879-C6AA-5859-1F22-A7A413043758}" dt="2025-12-08T19:00:07.199" v="59" actId="20577"/>
+          <ac:spMkLst>
+            <pc:docMk/>
+            <pc:sldMk cId="3694143877" sldId="266"/>
+            <ac:spMk id="4" creationId="{0C544EEA-28DE-7897-0A2E-8BBB449A267D}"/>
+          </ac:spMkLst>
+        </pc:spChg>
+        <pc:spChg chg="del">
+          <ac:chgData name="X00221555 Sean Kelly" userId="S::x00221555@mytudublin.ie::53b29c55-6005-4aa7-843a-d67c21753314" providerId="AD" clId="Web-{20A20879-C6AA-5859-1F22-A7A413043758}" dt="2025-12-08T18:59:15.917" v="0"/>
+          <ac:spMkLst>
+            <pc:docMk/>
+            <pc:sldMk cId="3694143877" sldId="266"/>
+            <ac:spMk id="5" creationId="{09F8DB6B-5669-2AD6-EF64-C2FB2E9E4DB7}"/>
+          </ac:spMkLst>
+        </pc:spChg>
+        <pc:picChg chg="add mod ord">
+          <ac:chgData name="X00221555 Sean Kelly" userId="S::x00221555@mytudublin.ie::53b29c55-6005-4aa7-843a-d67c21753314" providerId="AD" clId="Web-{20A20879-C6AA-5859-1F22-A7A413043758}" dt="2025-12-08T18:59:19.573" v="2" actId="1076"/>
+          <ac:picMkLst>
+            <pc:docMk/>
+            <pc:sldMk cId="3694143877" sldId="266"/>
+            <ac:picMk id="3" creationId="{E4F4FF65-220F-8034-B8B9-112A46667752}"/>
+          </ac:picMkLst>
+        </pc:picChg>
+      </pc:sldChg>
+    </pc:docChg>
+  </pc:docChgLst>
+  <pc:docChgLst>
+    <pc:chgData name="X00226363 Daniel Alonso Garcia" userId="S::x00226363@mytudublin.ie::db58cc15-9920-45e3-a252-45261eb34a8a" providerId="AD" clId="Web-{149E05A0-2DA5-3481-FA37-AC5863C6A18F}"/>
+    <pc:docChg chg="modSld">
+      <pc:chgData name="X00226363 Daniel Alonso Garcia" userId="S::x00226363@mytudublin.ie::db58cc15-9920-45e3-a252-45261eb34a8a" providerId="AD" clId="Web-{149E05A0-2DA5-3481-FA37-AC5863C6A18F}" dt="2025-12-09T11:08:20.420" v="1" actId="1076"/>
+      <pc:docMkLst>
+        <pc:docMk/>
+      </pc:docMkLst>
+      <pc:sldChg chg="modSp">
+        <pc:chgData name="X00226363 Daniel Alonso Garcia" userId="S::x00226363@mytudublin.ie::db58cc15-9920-45e3-a252-45261eb34a8a" providerId="AD" clId="Web-{149E05A0-2DA5-3481-FA37-AC5863C6A18F}" dt="2025-12-09T11:08:20.420" v="1" actId="1076"/>
+        <pc:sldMkLst>
+          <pc:docMk/>
+          <pc:sldMk cId="2801036417" sldId="267"/>
+        </pc:sldMkLst>
+        <pc:picChg chg="mod">
+          <ac:chgData name="X00226363 Daniel Alonso Garcia" userId="S::x00226363@mytudublin.ie::db58cc15-9920-45e3-a252-45261eb34a8a" providerId="AD" clId="Web-{149E05A0-2DA5-3481-FA37-AC5863C6A18F}" dt="2025-12-09T11:08:20.420" v="1" actId="1076"/>
+          <ac:picMkLst>
+            <pc:docMk/>
+            <pc:sldMk cId="2801036417" sldId="267"/>
+            <ac:picMk id="6" creationId="{C05279D0-C4CC-CF64-8136-D13C84A5C85E}"/>
+          </ac:picMkLst>
+        </pc:picChg>
+      </pc:sldChg>
+    </pc:docChg>
+  </pc:docChgLst>
   <pc:docChgLst>
     <pc:chgData name="X00221555 Sean Kelly" userId="S::x00221555@mytudublin.ie::53b29c55-6005-4aa7-843a-d67c21753314" providerId="AD" clId="Web-{2C5FBD5A-2083-0282-68D4-5F40BDA7D0A6}"/>
     <pc:docChg chg="modSld">
@@ -177,6 +267,586 @@
     </pc:docChg>
   </pc:docChgLst>
   <pc:docChgLst>
+    <pc:chgData name="X00229142 David Burgos" userId="S::x00229142@mytudublin.ie::7f8adce1-c802-4289-9a04-a325c955edfc" providerId="AD" clId="Web-{867EF111-3D19-6AC6-E53E-D9F2BA48D845}"/>
+    <pc:docChg chg="addSld modSld">
+      <pc:chgData name="X00229142 David Burgos" userId="S::x00229142@mytudublin.ie::7f8adce1-c802-4289-9a04-a325c955edfc" providerId="AD" clId="Web-{867EF111-3D19-6AC6-E53E-D9F2BA48D845}" dt="2025-12-08T19:30:47.149" v="227" actId="14100"/>
+      <pc:docMkLst>
+        <pc:docMk/>
+      </pc:docMkLst>
+      <pc:sldChg chg="addSp delSp modSp">
+        <pc:chgData name="X00229142 David Burgos" userId="S::x00229142@mytudublin.ie::7f8adce1-c802-4289-9a04-a325c955edfc" providerId="AD" clId="Web-{867EF111-3D19-6AC6-E53E-D9F2BA48D845}" dt="2025-12-08T19:30:47.149" v="227" actId="14100"/>
+        <pc:sldMkLst>
+          <pc:docMk/>
+          <pc:sldMk cId="3694143877" sldId="266"/>
+        </pc:sldMkLst>
+        <pc:spChg chg="add mod">
+          <ac:chgData name="X00229142 David Burgos" userId="S::x00229142@mytudublin.ie::7f8adce1-c802-4289-9a04-a325c955edfc" providerId="AD" clId="Web-{867EF111-3D19-6AC6-E53E-D9F2BA48D845}" dt="2025-12-08T18:41:54.910" v="0"/>
+          <ac:spMkLst>
+            <pc:docMk/>
+            <pc:sldMk cId="3694143877" sldId="266"/>
+            <ac:spMk id="5" creationId="{09F8DB6B-5669-2AD6-EF64-C2FB2E9E4DB7}"/>
+          </ac:spMkLst>
+        </pc:spChg>
+        <pc:picChg chg="mod modCrop">
+          <ac:chgData name="X00229142 David Burgos" userId="S::x00229142@mytudublin.ie::7f8adce1-c802-4289-9a04-a325c955edfc" providerId="AD" clId="Web-{867EF111-3D19-6AC6-E53E-D9F2BA48D845}" dt="2025-12-08T19:30:47.149" v="227" actId="14100"/>
+          <ac:picMkLst>
+            <pc:docMk/>
+            <pc:sldMk cId="3694143877" sldId="266"/>
+            <ac:picMk id="3" creationId="{E4F4FF65-220F-8034-B8B9-112A46667752}"/>
+          </ac:picMkLst>
+        </pc:picChg>
+        <pc:picChg chg="del">
+          <ac:chgData name="X00229142 David Burgos" userId="S::x00229142@mytudublin.ie::7f8adce1-c802-4289-9a04-a325c955edfc" providerId="AD" clId="Web-{867EF111-3D19-6AC6-E53E-D9F2BA48D845}" dt="2025-12-08T18:41:54.910" v="0"/>
+          <ac:picMkLst>
+            <pc:docMk/>
+            <pc:sldMk cId="3694143877" sldId="266"/>
+            <ac:picMk id="4" creationId="{A7D7EFDB-D360-B8EE-EC22-438EA716D656}"/>
+          </ac:picMkLst>
+        </pc:picChg>
+      </pc:sldChg>
+      <pc:sldChg chg="addSp delSp modSp new mod setBg">
+        <pc:chgData name="X00229142 David Burgos" userId="S::x00229142@mytudublin.ie::7f8adce1-c802-4289-9a04-a325c955edfc" providerId="AD" clId="Web-{867EF111-3D19-6AC6-E53E-D9F2BA48D845}" dt="2025-12-08T18:59:47.377" v="89" actId="20577"/>
+        <pc:sldMkLst>
+          <pc:docMk/>
+          <pc:sldMk cId="864951642" sldId="271"/>
+        </pc:sldMkLst>
+        <pc:spChg chg="mod">
+          <ac:chgData name="X00229142 David Burgos" userId="S::x00229142@mytudublin.ie::7f8adce1-c802-4289-9a04-a325c955edfc" providerId="AD" clId="Web-{867EF111-3D19-6AC6-E53E-D9F2BA48D845}" dt="2025-12-08T18:59:47.377" v="89" actId="20577"/>
+          <ac:spMkLst>
+            <pc:docMk/>
+            <pc:sldMk cId="864951642" sldId="271"/>
+            <ac:spMk id="2" creationId="{465A6DBF-0ED0-FB21-0E91-AEE18C64B6F8}"/>
+          </ac:spMkLst>
+        </pc:spChg>
+        <pc:spChg chg="mod ord">
+          <ac:chgData name="X00229142 David Burgos" userId="S::x00229142@mytudublin.ie::7f8adce1-c802-4289-9a04-a325c955edfc" providerId="AD" clId="Web-{867EF111-3D19-6AC6-E53E-D9F2BA48D845}" dt="2025-12-08T18:58:20.731" v="33"/>
+          <ac:spMkLst>
+            <pc:docMk/>
+            <pc:sldMk cId="864951642" sldId="271"/>
+            <ac:spMk id="3" creationId="{16323EC7-6935-D56A-0541-E788C7D8825F}"/>
+          </ac:spMkLst>
+        </pc:spChg>
+        <pc:spChg chg="add del">
+          <ac:chgData name="X00229142 David Burgos" userId="S::x00229142@mytudublin.ie::7f8adce1-c802-4289-9a04-a325c955edfc" providerId="AD" clId="Web-{867EF111-3D19-6AC6-E53E-D9F2BA48D845}" dt="2025-12-08T18:58:08.339" v="22"/>
+          <ac:spMkLst>
+            <pc:docMk/>
+            <pc:sldMk cId="864951642" sldId="271"/>
+            <ac:spMk id="9" creationId="{2550BE34-C2B8-49B8-8519-67A8CAD51AE9}"/>
+          </ac:spMkLst>
+        </pc:spChg>
+        <pc:spChg chg="add del">
+          <ac:chgData name="X00229142 David Burgos" userId="S::x00229142@mytudublin.ie::7f8adce1-c802-4289-9a04-a325c955edfc" providerId="AD" clId="Web-{867EF111-3D19-6AC6-E53E-D9F2BA48D845}" dt="2025-12-08T18:58:08.339" v="22"/>
+          <ac:spMkLst>
+            <pc:docMk/>
+            <pc:sldMk cId="864951642" sldId="271"/>
+            <ac:spMk id="11" creationId="{A7457DD9-5A45-400A-AB4B-4B4EDECA25F1}"/>
+          </ac:spMkLst>
+        </pc:spChg>
+        <pc:spChg chg="add del">
+          <ac:chgData name="X00229142 David Burgos" userId="S::x00229142@mytudublin.ie::7f8adce1-c802-4289-9a04-a325c955edfc" providerId="AD" clId="Web-{867EF111-3D19-6AC6-E53E-D9F2BA48D845}" dt="2025-12-08T18:58:08.339" v="22"/>
+          <ac:spMkLst>
+            <pc:docMk/>
+            <pc:sldMk cId="864951642" sldId="271"/>
+            <ac:spMk id="13" creationId="{441CF7D6-A660-431A-B0BB-140A0D5556B6}"/>
+          </ac:spMkLst>
+        </pc:spChg>
+        <pc:spChg chg="add del">
+          <ac:chgData name="X00229142 David Burgos" userId="S::x00229142@mytudublin.ie::7f8adce1-c802-4289-9a04-a325c955edfc" providerId="AD" clId="Web-{867EF111-3D19-6AC6-E53E-D9F2BA48D845}" dt="2025-12-08T18:58:08.339" v="22"/>
+          <ac:spMkLst>
+            <pc:docMk/>
+            <pc:sldMk cId="864951642" sldId="271"/>
+            <ac:spMk id="15" creationId="{0570A85B-3810-4F95-97B0-CBF4CCDB381C}"/>
+          </ac:spMkLst>
+        </pc:spChg>
+        <pc:spChg chg="add del">
+          <ac:chgData name="X00229142 David Burgos" userId="S::x00229142@mytudublin.ie::7f8adce1-c802-4289-9a04-a325c955edfc" providerId="AD" clId="Web-{867EF111-3D19-6AC6-E53E-D9F2BA48D845}" dt="2025-12-08T18:58:10.183" v="24"/>
+          <ac:spMkLst>
+            <pc:docMk/>
+            <pc:sldMk cId="864951642" sldId="271"/>
+            <ac:spMk id="17" creationId="{1A95671B-3CC6-4792-9114-B74FAEA224E6}"/>
+          </ac:spMkLst>
+        </pc:spChg>
+        <pc:spChg chg="add del">
+          <ac:chgData name="X00229142 David Burgos" userId="S::x00229142@mytudublin.ie::7f8adce1-c802-4289-9a04-a325c955edfc" providerId="AD" clId="Web-{867EF111-3D19-6AC6-E53E-D9F2BA48D845}" dt="2025-12-08T18:58:12.558" v="26"/>
+          <ac:spMkLst>
+            <pc:docMk/>
+            <pc:sldMk cId="864951642" sldId="271"/>
+            <ac:spMk id="19" creationId="{058A14AF-9FB5-4CC7-BA35-E8E85D3EDF0E}"/>
+          </ac:spMkLst>
+        </pc:spChg>
+        <pc:spChg chg="add del">
+          <ac:chgData name="X00229142 David Burgos" userId="S::x00229142@mytudublin.ie::7f8adce1-c802-4289-9a04-a325c955edfc" providerId="AD" clId="Web-{867EF111-3D19-6AC6-E53E-D9F2BA48D845}" dt="2025-12-08T18:58:12.558" v="26"/>
+          <ac:spMkLst>
+            <pc:docMk/>
+            <pc:sldMk cId="864951642" sldId="271"/>
+            <ac:spMk id="20" creationId="{3A9A4357-BD1D-4622-A4FE-766E6AB8DE84}"/>
+          </ac:spMkLst>
+        </pc:spChg>
+        <pc:spChg chg="add del">
+          <ac:chgData name="X00229142 David Burgos" userId="S::x00229142@mytudublin.ie::7f8adce1-c802-4289-9a04-a325c955edfc" providerId="AD" clId="Web-{867EF111-3D19-6AC6-E53E-D9F2BA48D845}" dt="2025-12-08T18:58:12.558" v="26"/>
+          <ac:spMkLst>
+            <pc:docMk/>
+            <pc:sldMk cId="864951642" sldId="271"/>
+            <ac:spMk id="21" creationId="{E659831F-0D9A-4C63-9EBB-8435B85A440F}"/>
+          </ac:spMkLst>
+        </pc:spChg>
+        <pc:spChg chg="add del">
+          <ac:chgData name="X00229142 David Burgos" userId="S::x00229142@mytudublin.ie::7f8adce1-c802-4289-9a04-a325c955edfc" providerId="AD" clId="Web-{867EF111-3D19-6AC6-E53E-D9F2BA48D845}" dt="2025-12-08T18:58:12.558" v="26"/>
+          <ac:spMkLst>
+            <pc:docMk/>
+            <pc:sldMk cId="864951642" sldId="271"/>
+            <ac:spMk id="22" creationId="{E6995CE5-F890-4ABA-82A2-26507CE8D2A3}"/>
+          </ac:spMkLst>
+        </pc:spChg>
+        <pc:spChg chg="add del">
+          <ac:chgData name="X00229142 David Burgos" userId="S::x00229142@mytudublin.ie::7f8adce1-c802-4289-9a04-a325c955edfc" providerId="AD" clId="Web-{867EF111-3D19-6AC6-E53E-D9F2BA48D845}" dt="2025-12-08T18:58:15.902" v="28"/>
+          <ac:spMkLst>
+            <pc:docMk/>
+            <pc:sldMk cId="864951642" sldId="271"/>
+            <ac:spMk id="24" creationId="{2596F992-698C-48C0-9D89-70DA4CE927EF}"/>
+          </ac:spMkLst>
+        </pc:spChg>
+        <pc:spChg chg="add del">
+          <ac:chgData name="X00229142 David Burgos" userId="S::x00229142@mytudublin.ie::7f8adce1-c802-4289-9a04-a325c955edfc" providerId="AD" clId="Web-{867EF111-3D19-6AC6-E53E-D9F2BA48D845}" dt="2025-12-08T18:58:15.902" v="28"/>
+          <ac:spMkLst>
+            <pc:docMk/>
+            <pc:sldMk cId="864951642" sldId="271"/>
+            <ac:spMk id="25" creationId="{E7BFF8DC-0AE7-4AD2-9B28-2E5F26D62C30}"/>
+          </ac:spMkLst>
+        </pc:spChg>
+        <pc:spChg chg="add del">
+          <ac:chgData name="X00229142 David Burgos" userId="S::x00229142@mytudublin.ie::7f8adce1-c802-4289-9a04-a325c955edfc" providerId="AD" clId="Web-{867EF111-3D19-6AC6-E53E-D9F2BA48D845}" dt="2025-12-08T18:58:15.902" v="28"/>
+          <ac:spMkLst>
+            <pc:docMk/>
+            <pc:sldMk cId="864951642" sldId="271"/>
+            <ac:spMk id="26" creationId="{7E0162AD-C6E5-4BF8-A453-76ADB36877D3}"/>
+          </ac:spMkLst>
+        </pc:spChg>
+        <pc:spChg chg="add del">
+          <ac:chgData name="X00229142 David Burgos" userId="S::x00229142@mytudublin.ie::7f8adce1-c802-4289-9a04-a325c955edfc" providerId="AD" clId="Web-{867EF111-3D19-6AC6-E53E-D9F2BA48D845}" dt="2025-12-08T18:58:17.387" v="30"/>
+          <ac:spMkLst>
+            <pc:docMk/>
+            <pc:sldMk cId="864951642" sldId="271"/>
+            <ac:spMk id="28" creationId="{1A95671B-3CC6-4792-9114-B74FAEA224E6}"/>
+          </ac:spMkLst>
+        </pc:spChg>
+        <pc:spChg chg="add del">
+          <ac:chgData name="X00229142 David Burgos" userId="S::x00229142@mytudublin.ie::7f8adce1-c802-4289-9a04-a325c955edfc" providerId="AD" clId="Web-{867EF111-3D19-6AC6-E53E-D9F2BA48D845}" dt="2025-12-08T18:58:20.715" v="32"/>
+          <ac:spMkLst>
+            <pc:docMk/>
+            <pc:sldMk cId="864951642" sldId="271"/>
+            <ac:spMk id="30" creationId="{8B3A2D1A-45FC-4F95-B150-1C13EF2F6D09}"/>
+          </ac:spMkLst>
+        </pc:spChg>
+        <pc:spChg chg="add del">
+          <ac:chgData name="X00229142 David Burgos" userId="S::x00229142@mytudublin.ie::7f8adce1-c802-4289-9a04-a325c955edfc" providerId="AD" clId="Web-{867EF111-3D19-6AC6-E53E-D9F2BA48D845}" dt="2025-12-08T18:58:20.715" v="32"/>
+          <ac:spMkLst>
+            <pc:docMk/>
+            <pc:sldMk cId="864951642" sldId="271"/>
+            <ac:spMk id="31" creationId="{39C3C864-C625-4883-B868-9A4C470F4DD5}"/>
+          </ac:spMkLst>
+        </pc:spChg>
+        <pc:spChg chg="add">
+          <ac:chgData name="X00229142 David Burgos" userId="S::x00229142@mytudublin.ie::7f8adce1-c802-4289-9a04-a325c955edfc" providerId="AD" clId="Web-{867EF111-3D19-6AC6-E53E-D9F2BA48D845}" dt="2025-12-08T18:58:20.731" v="33"/>
+          <ac:spMkLst>
+            <pc:docMk/>
+            <pc:sldMk cId="864951642" sldId="271"/>
+            <ac:spMk id="33" creationId="{2550BE34-C2B8-49B8-8519-67A8CAD51AE9}"/>
+          </ac:spMkLst>
+        </pc:spChg>
+        <pc:spChg chg="add">
+          <ac:chgData name="X00229142 David Burgos" userId="S::x00229142@mytudublin.ie::7f8adce1-c802-4289-9a04-a325c955edfc" providerId="AD" clId="Web-{867EF111-3D19-6AC6-E53E-D9F2BA48D845}" dt="2025-12-08T18:58:20.731" v="33"/>
+          <ac:spMkLst>
+            <pc:docMk/>
+            <pc:sldMk cId="864951642" sldId="271"/>
+            <ac:spMk id="34" creationId="{A7457DD9-5A45-400A-AB4B-4B4EDECA25F1}"/>
+          </ac:spMkLst>
+        </pc:spChg>
+        <pc:spChg chg="add">
+          <ac:chgData name="X00229142 David Burgos" userId="S::x00229142@mytudublin.ie::7f8adce1-c802-4289-9a04-a325c955edfc" providerId="AD" clId="Web-{867EF111-3D19-6AC6-E53E-D9F2BA48D845}" dt="2025-12-08T18:58:20.731" v="33"/>
+          <ac:spMkLst>
+            <pc:docMk/>
+            <pc:sldMk cId="864951642" sldId="271"/>
+            <ac:spMk id="35" creationId="{441CF7D6-A660-431A-B0BB-140A0D5556B6}"/>
+          </ac:spMkLst>
+        </pc:spChg>
+        <pc:spChg chg="add">
+          <ac:chgData name="X00229142 David Burgos" userId="S::x00229142@mytudublin.ie::7f8adce1-c802-4289-9a04-a325c955edfc" providerId="AD" clId="Web-{867EF111-3D19-6AC6-E53E-D9F2BA48D845}" dt="2025-12-08T18:58:20.731" v="33"/>
+          <ac:spMkLst>
+            <pc:docMk/>
+            <pc:sldMk cId="864951642" sldId="271"/>
+            <ac:spMk id="36" creationId="{0570A85B-3810-4F95-97B0-CBF4CCDB381C}"/>
+          </ac:spMkLst>
+        </pc:spChg>
+        <pc:picChg chg="add mod">
+          <ac:chgData name="X00229142 David Burgos" userId="S::x00229142@mytudublin.ie::7f8adce1-c802-4289-9a04-a325c955edfc" providerId="AD" clId="Web-{867EF111-3D19-6AC6-E53E-D9F2BA48D845}" dt="2025-12-08T18:58:20.731" v="33"/>
+          <ac:picMkLst>
+            <pc:docMk/>
+            <pc:sldMk cId="864951642" sldId="271"/>
+            <ac:picMk id="4" creationId="{F7D504C6-F406-7539-C40A-B5BE485F059B}"/>
+          </ac:picMkLst>
+        </pc:picChg>
+      </pc:sldChg>
+      <pc:sldChg chg="addSp delSp modSp new mod setBg">
+        <pc:chgData name="X00229142 David Burgos" userId="S::x00229142@mytudublin.ie::7f8adce1-c802-4289-9a04-a325c955edfc" providerId="AD" clId="Web-{867EF111-3D19-6AC6-E53E-D9F2BA48D845}" dt="2025-12-08T19:15:55.212" v="141" actId="1076"/>
+        <pc:sldMkLst>
+          <pc:docMk/>
+          <pc:sldMk cId="3166724691" sldId="272"/>
+        </pc:sldMkLst>
+        <pc:spChg chg="mod">
+          <ac:chgData name="X00229142 David Burgos" userId="S::x00229142@mytudublin.ie::7f8adce1-c802-4289-9a04-a325c955edfc" providerId="AD" clId="Web-{867EF111-3D19-6AC6-E53E-D9F2BA48D845}" dt="2025-12-08T19:15:55.212" v="141" actId="1076"/>
+          <ac:spMkLst>
+            <pc:docMk/>
+            <pc:sldMk cId="3166724691" sldId="272"/>
+            <ac:spMk id="2" creationId="{75C1124A-411A-BD46-6CF3-45770B1922DE}"/>
+          </ac:spMkLst>
+        </pc:spChg>
+        <pc:spChg chg="del mod">
+          <ac:chgData name="X00229142 David Burgos" userId="S::x00229142@mytudublin.ie::7f8adce1-c802-4289-9a04-a325c955edfc" providerId="AD" clId="Web-{867EF111-3D19-6AC6-E53E-D9F2BA48D845}" dt="2025-12-08T19:01:38.258" v="112"/>
+          <ac:spMkLst>
+            <pc:docMk/>
+            <pc:sldMk cId="3166724691" sldId="272"/>
+            <ac:spMk id="3" creationId="{0F34F152-3712-DAB3-70DF-E13E23CBFD30}"/>
+          </ac:spMkLst>
+        </pc:spChg>
+        <pc:spChg chg="add mod ord">
+          <ac:chgData name="X00229142 David Burgos" userId="S::x00229142@mytudublin.ie::7f8adce1-c802-4289-9a04-a325c955edfc" providerId="AD" clId="Web-{867EF111-3D19-6AC6-E53E-D9F2BA48D845}" dt="2025-12-08T19:15:48.711" v="140" actId="20577"/>
+          <ac:spMkLst>
+            <pc:docMk/>
+            <pc:sldMk cId="3166724691" sldId="272"/>
+            <ac:spMk id="6" creationId="{D97902F1-5A9D-0ACA-3A1D-22F105B53707}"/>
+          </ac:spMkLst>
+        </pc:spChg>
+        <pc:spChg chg="add del">
+          <ac:chgData name="X00229142 David Burgos" userId="S::x00229142@mytudublin.ie::7f8adce1-c802-4289-9a04-a325c955edfc" providerId="AD" clId="Web-{867EF111-3D19-6AC6-E53E-D9F2BA48D845}" dt="2025-12-08T19:15:15.099" v="129"/>
+          <ac:spMkLst>
+            <pc:docMk/>
+            <pc:sldMk cId="3166724691" sldId="272"/>
+            <ac:spMk id="11" creationId="{32AEEBC8-9D30-42EF-95F2-386C2653FBF0}"/>
+          </ac:spMkLst>
+        </pc:spChg>
+        <pc:spChg chg="add del">
+          <ac:chgData name="X00229142 David Burgos" userId="S::x00229142@mytudublin.ie::7f8adce1-c802-4289-9a04-a325c955edfc" providerId="AD" clId="Web-{867EF111-3D19-6AC6-E53E-D9F2BA48D845}" dt="2025-12-08T19:15:15.099" v="129"/>
+          <ac:spMkLst>
+            <pc:docMk/>
+            <pc:sldMk cId="3166724691" sldId="272"/>
+            <ac:spMk id="13" creationId="{2E92FA66-67D7-4CB4-94D3-E643A9AD4757}"/>
+          </ac:spMkLst>
+        </pc:spChg>
+        <pc:spChg chg="add del">
+          <ac:chgData name="X00229142 David Burgos" userId="S::x00229142@mytudublin.ie::7f8adce1-c802-4289-9a04-a325c955edfc" providerId="AD" clId="Web-{867EF111-3D19-6AC6-E53E-D9F2BA48D845}" dt="2025-12-08T19:15:26.819" v="134"/>
+          <ac:spMkLst>
+            <pc:docMk/>
+            <pc:sldMk cId="3166724691" sldId="272"/>
+            <ac:spMk id="18" creationId="{04695F26-39DB-450E-B464-9C76CD233B36}"/>
+          </ac:spMkLst>
+        </pc:spChg>
+        <pc:spChg chg="add del">
+          <ac:chgData name="X00229142 David Burgos" userId="S::x00229142@mytudublin.ie::7f8adce1-c802-4289-9a04-a325c955edfc" providerId="AD" clId="Web-{867EF111-3D19-6AC6-E53E-D9F2BA48D845}" dt="2025-12-08T19:15:26.819" v="134"/>
+          <ac:spMkLst>
+            <pc:docMk/>
+            <pc:sldMk cId="3166724691" sldId="272"/>
+            <ac:spMk id="20" creationId="{2F42E55F-A297-474F-AF2D-6D3A15822BCA}"/>
+          </ac:spMkLst>
+        </pc:spChg>
+        <pc:spChg chg="add del">
+          <ac:chgData name="X00229142 David Burgos" userId="S::x00229142@mytudublin.ie::7f8adce1-c802-4289-9a04-a325c955edfc" providerId="AD" clId="Web-{867EF111-3D19-6AC6-E53E-D9F2BA48D845}" dt="2025-12-08T19:15:26.819" v="133"/>
+          <ac:spMkLst>
+            <pc:docMk/>
+            <pc:sldMk cId="3166724691" sldId="272"/>
+            <ac:spMk id="31" creationId="{A2679492-7988-4050-9056-542444452411}"/>
+          </ac:spMkLst>
+        </pc:spChg>
+        <pc:spChg chg="add del">
+          <ac:chgData name="X00229142 David Burgos" userId="S::x00229142@mytudublin.ie::7f8adce1-c802-4289-9a04-a325c955edfc" providerId="AD" clId="Web-{867EF111-3D19-6AC6-E53E-D9F2BA48D845}" dt="2025-12-08T19:15:26.819" v="133"/>
+          <ac:spMkLst>
+            <pc:docMk/>
+            <pc:sldMk cId="3166724691" sldId="272"/>
+            <ac:spMk id="33" creationId="{B5ABDEAA-B248-4182-B67C-A925338E772D}"/>
+          </ac:spMkLst>
+        </pc:spChg>
+        <pc:spChg chg="add del">
+          <ac:chgData name="X00229142 David Burgos" userId="S::x00229142@mytudublin.ie::7f8adce1-c802-4289-9a04-a325c955edfc" providerId="AD" clId="Web-{867EF111-3D19-6AC6-E53E-D9F2BA48D845}" dt="2025-12-08T19:15:26.819" v="133"/>
+          <ac:spMkLst>
+            <pc:docMk/>
+            <pc:sldMk cId="3166724691" sldId="272"/>
+            <ac:spMk id="35" creationId="{B091B163-7D61-4891-ABCF-5C13D9C418D0}"/>
+          </ac:spMkLst>
+        </pc:spChg>
+        <pc:spChg chg="add">
+          <ac:chgData name="X00229142 David Burgos" userId="S::x00229142@mytudublin.ie::7f8adce1-c802-4289-9a04-a325c955edfc" providerId="AD" clId="Web-{867EF111-3D19-6AC6-E53E-D9F2BA48D845}" dt="2025-12-08T19:15:26.819" v="134"/>
+          <ac:spMkLst>
+            <pc:docMk/>
+            <pc:sldMk cId="3166724691" sldId="272"/>
+            <ac:spMk id="39" creationId="{7E6D2D34-4BB4-460B-8844-027610FB21F5}"/>
+          </ac:spMkLst>
+        </pc:spChg>
+        <pc:grpChg chg="add del">
+          <ac:chgData name="X00229142 David Burgos" userId="S::x00229142@mytudublin.ie::7f8adce1-c802-4289-9a04-a325c955edfc" providerId="AD" clId="Web-{867EF111-3D19-6AC6-E53E-D9F2BA48D845}" dt="2025-12-08T19:15:26.819" v="134"/>
+          <ac:grpSpMkLst>
+            <pc:docMk/>
+            <pc:sldMk cId="3166724691" sldId="272"/>
+            <ac:grpSpMk id="22" creationId="{972070F7-E065-4D60-8938-9FB8CDB8ACB0}"/>
+          </ac:grpSpMkLst>
+        </pc:grpChg>
+        <pc:grpChg chg="add">
+          <ac:chgData name="X00229142 David Burgos" userId="S::x00229142@mytudublin.ie::7f8adce1-c802-4289-9a04-a325c955edfc" providerId="AD" clId="Web-{867EF111-3D19-6AC6-E53E-D9F2BA48D845}" dt="2025-12-08T19:15:26.819" v="134"/>
+          <ac:grpSpMkLst>
+            <pc:docMk/>
+            <pc:sldMk cId="3166724691" sldId="272"/>
+            <ac:grpSpMk id="40" creationId="{C5314570-9B06-4D37-8CBD-EDD67C2FA205}"/>
+          </ac:grpSpMkLst>
+        </pc:grpChg>
+        <pc:picChg chg="add del mod ord">
+          <ac:chgData name="X00229142 David Burgos" userId="S::x00229142@mytudublin.ie::7f8adce1-c802-4289-9a04-a325c955edfc" providerId="AD" clId="Web-{867EF111-3D19-6AC6-E53E-D9F2BA48D845}" dt="2025-12-08T19:14:59.848" v="126"/>
+          <ac:picMkLst>
+            <pc:docMk/>
+            <pc:sldMk cId="3166724691" sldId="272"/>
+            <ac:picMk id="4" creationId="{DD7A8BBE-0DF1-56FE-1C51-EE8477B7124E}"/>
+          </ac:picMkLst>
+        </pc:picChg>
+        <pc:picChg chg="add mod ord">
+          <ac:chgData name="X00229142 David Burgos" userId="S::x00229142@mytudublin.ie::7f8adce1-c802-4289-9a04-a325c955edfc" providerId="AD" clId="Web-{867EF111-3D19-6AC6-E53E-D9F2BA48D845}" dt="2025-12-08T19:15:40.820" v="138" actId="1076"/>
+          <ac:picMkLst>
+            <pc:docMk/>
+            <pc:sldMk cId="3166724691" sldId="272"/>
+            <ac:picMk id="7" creationId="{A7AAAA94-2E7D-C45B-F1E2-41E5E5F1073A}"/>
+          </ac:picMkLst>
+        </pc:picChg>
+        <pc:picChg chg="add mod">
+          <ac:chgData name="X00229142 David Burgos" userId="S::x00229142@mytudublin.ie::7f8adce1-c802-4289-9a04-a325c955edfc" providerId="AD" clId="Web-{867EF111-3D19-6AC6-E53E-D9F2BA48D845}" dt="2025-12-08T19:15:34.148" v="136" actId="1076"/>
+          <ac:picMkLst>
+            <pc:docMk/>
+            <pc:sldMk cId="3166724691" sldId="272"/>
+            <ac:picMk id="8" creationId="{DC28CA0B-16DC-39FA-8EB4-BC4FEEF670A4}"/>
+          </ac:picMkLst>
+        </pc:picChg>
+      </pc:sldChg>
+      <pc:sldChg chg="addSp delSp modSp new mod setBg">
+        <pc:chgData name="X00229142 David Burgos" userId="S::x00229142@mytudublin.ie::7f8adce1-c802-4289-9a04-a325c955edfc" providerId="AD" clId="Web-{867EF111-3D19-6AC6-E53E-D9F2BA48D845}" dt="2025-12-08T19:25:07.016" v="217" actId="1076"/>
+        <pc:sldMkLst>
+          <pc:docMk/>
+          <pc:sldMk cId="4044989683" sldId="273"/>
+        </pc:sldMkLst>
+        <pc:spChg chg="mod">
+          <ac:chgData name="X00229142 David Burgos" userId="S::x00229142@mytudublin.ie::7f8adce1-c802-4289-9a04-a325c955edfc" providerId="AD" clId="Web-{867EF111-3D19-6AC6-E53E-D9F2BA48D845}" dt="2025-12-08T19:18:24.346" v="165"/>
+          <ac:spMkLst>
+            <pc:docMk/>
+            <pc:sldMk cId="4044989683" sldId="273"/>
+            <ac:spMk id="2" creationId="{0B5960C2-A261-D432-ECFE-6DF5856DC94B}"/>
+          </ac:spMkLst>
+        </pc:spChg>
+        <pc:spChg chg="mod">
+          <ac:chgData name="X00229142 David Burgos" userId="S::x00229142@mytudublin.ie::7f8adce1-c802-4289-9a04-a325c955edfc" providerId="AD" clId="Web-{867EF111-3D19-6AC6-E53E-D9F2BA48D845}" dt="2025-12-08T19:23:11.013" v="176" actId="20577"/>
+          <ac:spMkLst>
+            <pc:docMk/>
+            <pc:sldMk cId="4044989683" sldId="273"/>
+            <ac:spMk id="3" creationId="{CD6A48E8-C369-925A-85AD-BDB20F680AC4}"/>
+          </ac:spMkLst>
+        </pc:spChg>
+        <pc:spChg chg="add del">
+          <ac:chgData name="X00229142 David Burgos" userId="S::x00229142@mytudublin.ie::7f8adce1-c802-4289-9a04-a325c955edfc" providerId="AD" clId="Web-{867EF111-3D19-6AC6-E53E-D9F2BA48D845}" dt="2025-12-08T19:18:15.111" v="158"/>
+          <ac:spMkLst>
+            <pc:docMk/>
+            <pc:sldMk cId="4044989683" sldId="273"/>
+            <ac:spMk id="9" creationId="{F13C74B1-5B17-4795-BED0-7140497B445A}"/>
+          </ac:spMkLst>
+        </pc:spChg>
+        <pc:spChg chg="add del">
+          <ac:chgData name="X00229142 David Burgos" userId="S::x00229142@mytudublin.ie::7f8adce1-c802-4289-9a04-a325c955edfc" providerId="AD" clId="Web-{867EF111-3D19-6AC6-E53E-D9F2BA48D845}" dt="2025-12-08T19:18:15.111" v="158"/>
+          <ac:spMkLst>
+            <pc:docMk/>
+            <pc:sldMk cId="4044989683" sldId="273"/>
+            <ac:spMk id="11" creationId="{D4974D33-8DC5-464E-8C6D-BE58F0669C17}"/>
+          </ac:spMkLst>
+        </pc:spChg>
+        <pc:spChg chg="add del">
+          <ac:chgData name="X00229142 David Burgos" userId="S::x00229142@mytudublin.ie::7f8adce1-c802-4289-9a04-a325c955edfc" providerId="AD" clId="Web-{867EF111-3D19-6AC6-E53E-D9F2BA48D845}" dt="2025-12-08T19:18:17.049" v="160"/>
+          <ac:spMkLst>
+            <pc:docMk/>
+            <pc:sldMk cId="4044989683" sldId="273"/>
+            <ac:spMk id="13" creationId="{2B97F24A-32CE-4C1C-A50D-3016B394DCFB}"/>
+          </ac:spMkLst>
+        </pc:spChg>
+        <pc:spChg chg="add del">
+          <ac:chgData name="X00229142 David Burgos" userId="S::x00229142@mytudublin.ie::7f8adce1-c802-4289-9a04-a325c955edfc" providerId="AD" clId="Web-{867EF111-3D19-6AC6-E53E-D9F2BA48D845}" dt="2025-12-08T19:18:17.049" v="160"/>
+          <ac:spMkLst>
+            <pc:docMk/>
+            <pc:sldMk cId="4044989683" sldId="273"/>
+            <ac:spMk id="14" creationId="{CD8B4F24-440B-49E9-B85D-733523DC064B}"/>
+          </ac:spMkLst>
+        </pc:spChg>
+        <pc:spChg chg="add del">
+          <ac:chgData name="X00229142 David Burgos" userId="S::x00229142@mytudublin.ie::7f8adce1-c802-4289-9a04-a325c955edfc" providerId="AD" clId="Web-{867EF111-3D19-6AC6-E53E-D9F2BA48D845}" dt="2025-12-08T19:18:24.330" v="164"/>
+          <ac:spMkLst>
+            <pc:docMk/>
+            <pc:sldMk cId="4044989683" sldId="273"/>
+            <ac:spMk id="15" creationId="{E6995CE5-F890-4ABA-82A2-26507CE8D2A3}"/>
+          </ac:spMkLst>
+        </pc:spChg>
+        <pc:spChg chg="add del">
+          <ac:chgData name="X00229142 David Burgos" userId="S::x00229142@mytudublin.ie::7f8adce1-c802-4289-9a04-a325c955edfc" providerId="AD" clId="Web-{867EF111-3D19-6AC6-E53E-D9F2BA48D845}" dt="2025-12-08T19:18:21.377" v="162"/>
+          <ac:spMkLst>
+            <pc:docMk/>
+            <pc:sldMk cId="4044989683" sldId="273"/>
+            <ac:spMk id="16" creationId="{04812C46-200A-4DEB-A05E-3ED6C68C2387}"/>
+          </ac:spMkLst>
+        </pc:spChg>
+        <pc:spChg chg="add del">
+          <ac:chgData name="X00229142 David Burgos" userId="S::x00229142@mytudublin.ie::7f8adce1-c802-4289-9a04-a325c955edfc" providerId="AD" clId="Web-{867EF111-3D19-6AC6-E53E-D9F2BA48D845}" dt="2025-12-08T19:18:21.377" v="162"/>
+          <ac:spMkLst>
+            <pc:docMk/>
+            <pc:sldMk cId="4044989683" sldId="273"/>
+            <ac:spMk id="17" creationId="{D1EA859B-E555-4109-94F3-6700E046E008}"/>
+          </ac:spMkLst>
+        </pc:spChg>
+        <pc:spChg chg="add del">
+          <ac:chgData name="X00229142 David Burgos" userId="S::x00229142@mytudublin.ie::7f8adce1-c802-4289-9a04-a325c955edfc" providerId="AD" clId="Web-{867EF111-3D19-6AC6-E53E-D9F2BA48D845}" dt="2025-12-08T19:18:24.330" v="164"/>
+          <ac:spMkLst>
+            <pc:docMk/>
+            <pc:sldMk cId="4044989683" sldId="273"/>
+            <ac:spMk id="19" creationId="{058A14AF-9FB5-4CC7-BA35-E8E85D3EDF0E}"/>
+          </ac:spMkLst>
+        </pc:spChg>
+        <pc:spChg chg="add del">
+          <ac:chgData name="X00229142 David Burgos" userId="S::x00229142@mytudublin.ie::7f8adce1-c802-4289-9a04-a325c955edfc" providerId="AD" clId="Web-{867EF111-3D19-6AC6-E53E-D9F2BA48D845}" dt="2025-12-08T19:18:24.330" v="164"/>
+          <ac:spMkLst>
+            <pc:docMk/>
+            <pc:sldMk cId="4044989683" sldId="273"/>
+            <ac:spMk id="20" creationId="{3A9A4357-BD1D-4622-A4FE-766E6AB8DE84}"/>
+          </ac:spMkLst>
+        </pc:spChg>
+        <pc:spChg chg="add del">
+          <ac:chgData name="X00229142 David Burgos" userId="S::x00229142@mytudublin.ie::7f8adce1-c802-4289-9a04-a325c955edfc" providerId="AD" clId="Web-{867EF111-3D19-6AC6-E53E-D9F2BA48D845}" dt="2025-12-08T19:18:24.330" v="164"/>
+          <ac:spMkLst>
+            <pc:docMk/>
+            <pc:sldMk cId="4044989683" sldId="273"/>
+            <ac:spMk id="21" creationId="{E659831F-0D9A-4C63-9EBB-8435B85A440F}"/>
+          </ac:spMkLst>
+        </pc:spChg>
+        <pc:spChg chg="add">
+          <ac:chgData name="X00229142 David Burgos" userId="S::x00229142@mytudublin.ie::7f8adce1-c802-4289-9a04-a325c955edfc" providerId="AD" clId="Web-{867EF111-3D19-6AC6-E53E-D9F2BA48D845}" dt="2025-12-08T19:18:24.346" v="165"/>
+          <ac:spMkLst>
+            <pc:docMk/>
+            <pc:sldMk cId="4044989683" sldId="273"/>
+            <ac:spMk id="23" creationId="{2B97F24A-32CE-4C1C-A50D-3016B394DCFB}"/>
+          </ac:spMkLst>
+        </pc:spChg>
+        <pc:spChg chg="add">
+          <ac:chgData name="X00229142 David Burgos" userId="S::x00229142@mytudublin.ie::7f8adce1-c802-4289-9a04-a325c955edfc" providerId="AD" clId="Web-{867EF111-3D19-6AC6-E53E-D9F2BA48D845}" dt="2025-12-08T19:18:24.346" v="165"/>
+          <ac:spMkLst>
+            <pc:docMk/>
+            <pc:sldMk cId="4044989683" sldId="273"/>
+            <ac:spMk id="24" creationId="{6357EC4F-235E-4222-A36F-C7878ACE37F2}"/>
+          </ac:spMkLst>
+        </pc:spChg>
+        <pc:picChg chg="add mod ord modCrop">
+          <ac:chgData name="X00229142 David Burgos" userId="S::x00229142@mytudublin.ie::7f8adce1-c802-4289-9a04-a325c955edfc" providerId="AD" clId="Web-{867EF111-3D19-6AC6-E53E-D9F2BA48D845}" dt="2025-12-08T19:25:07.016" v="217" actId="1076"/>
+          <ac:picMkLst>
+            <pc:docMk/>
+            <pc:sldMk cId="4044989683" sldId="273"/>
+            <ac:picMk id="4" creationId="{6537825A-07A8-C34F-F2E2-A808DD542940}"/>
+          </ac:picMkLst>
+        </pc:picChg>
+      </pc:sldChg>
+      <pc:sldChg chg="addSp delSp modSp new mod setBg">
+        <pc:chgData name="X00229142 David Burgos" userId="S::x00229142@mytudublin.ie::7f8adce1-c802-4289-9a04-a325c955edfc" providerId="AD" clId="Web-{867EF111-3D19-6AC6-E53E-D9F2BA48D845}" dt="2025-12-08T19:24:54.624" v="212" actId="1076"/>
+        <pc:sldMkLst>
+          <pc:docMk/>
+          <pc:sldMk cId="4166608348" sldId="274"/>
+        </pc:sldMkLst>
+        <pc:spChg chg="mod">
+          <ac:chgData name="X00229142 David Burgos" userId="S::x00229142@mytudublin.ie::7f8adce1-c802-4289-9a04-a325c955edfc" providerId="AD" clId="Web-{867EF111-3D19-6AC6-E53E-D9F2BA48D845}" dt="2025-12-08T19:24:31.639" v="204"/>
+          <ac:spMkLst>
+            <pc:docMk/>
+            <pc:sldMk cId="4166608348" sldId="274"/>
+            <ac:spMk id="2" creationId="{A33F0C41-4BEE-4613-C1B0-600DAE411C96}"/>
+          </ac:spMkLst>
+        </pc:spChg>
+        <pc:spChg chg="mod ord">
+          <ac:chgData name="X00229142 David Burgos" userId="S::x00229142@mytudublin.ie::7f8adce1-c802-4289-9a04-a325c955edfc" providerId="AD" clId="Web-{867EF111-3D19-6AC6-E53E-D9F2BA48D845}" dt="2025-12-08T19:24:31.639" v="204"/>
+          <ac:spMkLst>
+            <pc:docMk/>
+            <pc:sldMk cId="4166608348" sldId="274"/>
+            <ac:spMk id="3" creationId="{A3A7D74C-8E66-32DF-1415-6358E9746E84}"/>
+          </ac:spMkLst>
+        </pc:spChg>
+        <pc:spChg chg="add del">
+          <ac:chgData name="X00229142 David Burgos" userId="S::x00229142@mytudublin.ie::7f8adce1-c802-4289-9a04-a325c955edfc" providerId="AD" clId="Web-{867EF111-3D19-6AC6-E53E-D9F2BA48D845}" dt="2025-12-08T19:24:22.764" v="201"/>
+          <ac:spMkLst>
+            <pc:docMk/>
+            <pc:sldMk cId="4166608348" sldId="274"/>
+            <ac:spMk id="9" creationId="{743AA782-23D1-4521-8CAD-47662984AA08}"/>
+          </ac:spMkLst>
+        </pc:spChg>
+        <pc:spChg chg="add del">
+          <ac:chgData name="X00229142 David Burgos" userId="S::x00229142@mytudublin.ie::7f8adce1-c802-4289-9a04-a325c955edfc" providerId="AD" clId="Web-{867EF111-3D19-6AC6-E53E-D9F2BA48D845}" dt="2025-12-08T19:24:22.764" v="201"/>
+          <ac:spMkLst>
+            <pc:docMk/>
+            <pc:sldMk cId="4166608348" sldId="274"/>
+            <ac:spMk id="11" creationId="{71877DBC-BB60-40F0-AC93-2ACDBAAE60CE}"/>
+          </ac:spMkLst>
+        </pc:spChg>
+        <pc:spChg chg="add del">
+          <ac:chgData name="X00229142 David Burgos" userId="S::x00229142@mytudublin.ie::7f8adce1-c802-4289-9a04-a325c955edfc" providerId="AD" clId="Web-{867EF111-3D19-6AC6-E53E-D9F2BA48D845}" dt="2025-12-08T19:24:31.639" v="203"/>
+          <ac:spMkLst>
+            <pc:docMk/>
+            <pc:sldMk cId="4166608348" sldId="274"/>
+            <ac:spMk id="13" creationId="{55A52C45-1FCB-4636-A80F-2849B8226C01}"/>
+          </ac:spMkLst>
+        </pc:spChg>
+        <pc:spChg chg="add del">
+          <ac:chgData name="X00229142 David Burgos" userId="S::x00229142@mytudublin.ie::7f8adce1-c802-4289-9a04-a325c955edfc" providerId="AD" clId="Web-{867EF111-3D19-6AC6-E53E-D9F2BA48D845}" dt="2025-12-08T19:24:31.639" v="203"/>
+          <ac:spMkLst>
+            <pc:docMk/>
+            <pc:sldMk cId="4166608348" sldId="274"/>
+            <ac:spMk id="14" creationId="{84ECDE7A-6944-466D-8FFE-149A29BA6BAE}"/>
+          </ac:spMkLst>
+        </pc:spChg>
+        <pc:spChg chg="add del">
+          <ac:chgData name="X00229142 David Burgos" userId="S::x00229142@mytudublin.ie::7f8adce1-c802-4289-9a04-a325c955edfc" providerId="AD" clId="Web-{867EF111-3D19-6AC6-E53E-D9F2BA48D845}" dt="2025-12-08T19:24:31.639" v="203"/>
+          <ac:spMkLst>
+            <pc:docMk/>
+            <pc:sldMk cId="4166608348" sldId="274"/>
+            <ac:spMk id="15" creationId="{768EB4DD-3704-43AD-92B3-C4E0C6EA92CB}"/>
+          </ac:spMkLst>
+        </pc:spChg>
+        <pc:spChg chg="add del">
+          <ac:chgData name="X00229142 David Burgos" userId="S::x00229142@mytudublin.ie::7f8adce1-c802-4289-9a04-a325c955edfc" providerId="AD" clId="Web-{867EF111-3D19-6AC6-E53E-D9F2BA48D845}" dt="2025-12-08T19:24:31.639" v="203"/>
+          <ac:spMkLst>
+            <pc:docMk/>
+            <pc:sldMk cId="4166608348" sldId="274"/>
+            <ac:spMk id="16" creationId="{B3420082-9415-44EC-802E-C77D71D59C57}"/>
+          </ac:spMkLst>
+        </pc:spChg>
+        <pc:spChg chg="add">
+          <ac:chgData name="X00229142 David Burgos" userId="S::x00229142@mytudublin.ie::7f8adce1-c802-4289-9a04-a325c955edfc" providerId="AD" clId="Web-{867EF111-3D19-6AC6-E53E-D9F2BA48D845}" dt="2025-12-08T19:24:31.639" v="204"/>
+          <ac:spMkLst>
+            <pc:docMk/>
+            <pc:sldMk cId="4166608348" sldId="274"/>
+            <ac:spMk id="18" creationId="{743AA782-23D1-4521-8CAD-47662984AA08}"/>
+          </ac:spMkLst>
+        </pc:spChg>
+        <pc:spChg chg="add">
+          <ac:chgData name="X00229142 David Burgos" userId="S::x00229142@mytudublin.ie::7f8adce1-c802-4289-9a04-a325c955edfc" providerId="AD" clId="Web-{867EF111-3D19-6AC6-E53E-D9F2BA48D845}" dt="2025-12-08T19:24:31.639" v="204"/>
+          <ac:spMkLst>
+            <pc:docMk/>
+            <pc:sldMk cId="4166608348" sldId="274"/>
+            <ac:spMk id="19" creationId="{71877DBC-BB60-40F0-AC93-2ACDBAAE60CE}"/>
+          </ac:spMkLst>
+        </pc:spChg>
+        <pc:picChg chg="add mod modCrop">
+          <ac:chgData name="X00229142 David Burgos" userId="S::x00229142@mytudublin.ie::7f8adce1-c802-4289-9a04-a325c955edfc" providerId="AD" clId="Web-{867EF111-3D19-6AC6-E53E-D9F2BA48D845}" dt="2025-12-08T19:24:54.624" v="212" actId="1076"/>
+          <ac:picMkLst>
+            <pc:docMk/>
+            <pc:sldMk cId="4166608348" sldId="274"/>
+            <ac:picMk id="4" creationId="{0AFB1A68-0EA5-E744-F470-25053EF088C3}"/>
+          </ac:picMkLst>
+        </pc:picChg>
+      </pc:sldChg>
+    </pc:docChg>
+  </pc:docChgLst>
+  <pc:docChgLst>
     <pc:chgData name="X00221555 Sean Kelly" userId="S::x00221555@mytudublin.ie::53b29c55-6005-4aa7-843a-d67c21753314" providerId="AD" clId="Web-{78576D00-BDF1-6C3C-242D-A2DCABA6BB0D}"/>
     <pc:docChg chg="mod addSld modSld addMainMaster delMainMaster">
       <pc:chgData name="X00221555 Sean Kelly" userId="S::x00221555@mytudublin.ie::53b29c55-6005-4aa7-843a-d67c21753314" providerId="AD" clId="Web-{78576D00-BDF1-6C3C-242D-A2DCABA6BB0D}" dt="2025-12-05T20:06:41.593" v="718"/>
@@ -203,22 +873,6 @@
             <pc:docMk/>
             <pc:sldMk cId="109857222" sldId="256"/>
             <ac:spMk id="3" creationId="{00000000-0000-0000-0000-000000000000}"/>
-          </ac:spMkLst>
-        </pc:spChg>
-        <pc:spChg chg="add del">
-          <ac:chgData name="X00221555 Sean Kelly" userId="S::x00221555@mytudublin.ie::53b29c55-6005-4aa7-843a-d67c21753314" providerId="AD" clId="Web-{78576D00-BDF1-6C3C-242D-A2DCABA6BB0D}" dt="2025-12-05T15:24:59.915" v="217"/>
-          <ac:spMkLst>
-            <pc:docMk/>
-            <pc:sldMk cId="109857222" sldId="256"/>
-            <ac:spMk id="9" creationId="{71B2258F-86CA-4D4D-8270-BC05FCDEBFB3}"/>
-          </ac:spMkLst>
-        </pc:spChg>
-        <pc:spChg chg="add del">
-          <ac:chgData name="X00221555 Sean Kelly" userId="S::x00221555@mytudublin.ie::53b29c55-6005-4aa7-843a-d67c21753314" providerId="AD" clId="Web-{78576D00-BDF1-6C3C-242D-A2DCABA6BB0D}" dt="2025-12-05T15:24:59.900" v="216"/>
-          <ac:spMkLst>
-            <pc:docMk/>
-            <pc:sldMk cId="109857222" sldId="256"/>
-            <ac:spMk id="14" creationId="{71B2258F-86CA-4D4D-8270-BC05FCDEBFB3}"/>
           </ac:spMkLst>
         </pc:spChg>
         <pc:spChg chg="add del">
@@ -266,14 +920,6 @@
             <pc:docMk/>
             <pc:sldMk cId="821841710" sldId="257"/>
             <ac:spMk id="2" creationId="{2576604F-FA84-3341-17E8-A2DAC9A58794}"/>
-          </ac:spMkLst>
-        </pc:spChg>
-        <pc:spChg chg="del mod">
-          <ac:chgData name="X00221555 Sean Kelly" userId="S::x00221555@mytudublin.ie::53b29c55-6005-4aa7-843a-d67c21753314" providerId="AD" clId="Web-{78576D00-BDF1-6C3C-242D-A2DCABA6BB0D}" dt="2025-12-05T15:25:38.167" v="221"/>
-          <ac:spMkLst>
-            <pc:docMk/>
-            <pc:sldMk cId="821841710" sldId="257"/>
-            <ac:spMk id="3" creationId="{C79E4DFA-7FAD-E2B1-6C87-DA106A6DE3C3}"/>
           </ac:spMkLst>
         </pc:spChg>
         <pc:spChg chg="add del">
@@ -329,14 +975,6 @@
             <pc:docMk/>
             <pc:sldMk cId="363183242" sldId="258"/>
             <ac:spMk id="2" creationId="{51EBCAA8-72B9-4CA2-F92F-C50933604E47}"/>
-          </ac:spMkLst>
-        </pc:spChg>
-        <pc:spChg chg="del mod">
-          <ac:chgData name="X00221555 Sean Kelly" userId="S::x00221555@mytudublin.ie::53b29c55-6005-4aa7-843a-d67c21753314" providerId="AD" clId="Web-{78576D00-BDF1-6C3C-242D-A2DCABA6BB0D}" dt="2025-12-05T15:25:50.605" v="222"/>
-          <ac:spMkLst>
-            <pc:docMk/>
-            <pc:sldMk cId="363183242" sldId="258"/>
-            <ac:spMk id="3" creationId="{4283E995-BB8E-71CE-B9C6-C71A6EE5AA21}"/>
           </ac:spMkLst>
         </pc:spChg>
         <pc:spChg chg="add del">
@@ -433,14 +1071,6 @@
             <ac:spMk id="2" creationId="{27C7C192-6D1B-3FE8-02A7-08056A417DD7}"/>
           </ac:spMkLst>
         </pc:spChg>
-        <pc:spChg chg="del">
-          <ac:chgData name="X00221555 Sean Kelly" userId="S::x00221555@mytudublin.ie::53b29c55-6005-4aa7-843a-d67c21753314" providerId="AD" clId="Web-{78576D00-BDF1-6C3C-242D-A2DCABA6BB0D}" dt="2025-12-05T14:54:24.568" v="134"/>
-          <ac:spMkLst>
-            <pc:docMk/>
-            <pc:sldMk cId="4128111318" sldId="260"/>
-            <ac:spMk id="3" creationId="{029651CA-9308-1F5C-5AAC-B19394188824}"/>
-          </ac:spMkLst>
-        </pc:spChg>
         <pc:spChg chg="add del">
           <ac:chgData name="X00221555 Sean Kelly" userId="S::x00221555@mytudublin.ie::53b29c55-6005-4aa7-843a-d67c21753314" providerId="AD" clId="Web-{78576D00-BDF1-6C3C-242D-A2DCABA6BB0D}" dt="2025-12-05T20:06:41.593" v="718"/>
           <ac:spMkLst>
@@ -470,46 +1100,6 @@
             <pc:docMk/>
             <pc:sldMk cId="449898417" sldId="261"/>
             <ac:spMk id="2" creationId="{FC4CBA64-893A-000B-1CE7-DC95679E018A}"/>
-          </ac:spMkLst>
-        </pc:spChg>
-        <pc:spChg chg="del">
-          <ac:chgData name="X00221555 Sean Kelly" userId="S::x00221555@mytudublin.ie::53b29c55-6005-4aa7-843a-d67c21753314" providerId="AD" clId="Web-{78576D00-BDF1-6C3C-242D-A2DCABA6BB0D}" dt="2025-12-05T14:50:55.249" v="107"/>
-          <ac:spMkLst>
-            <pc:docMk/>
-            <pc:sldMk cId="449898417" sldId="261"/>
-            <ac:spMk id="3" creationId="{E99951D5-02C8-E3D4-BDD9-D4381646D0B2}"/>
-          </ac:spMkLst>
-        </pc:spChg>
-        <pc:spChg chg="add del">
-          <ac:chgData name="X00221555 Sean Kelly" userId="S::x00221555@mytudublin.ie::53b29c55-6005-4aa7-843a-d67c21753314" providerId="AD" clId="Web-{78576D00-BDF1-6C3C-242D-A2DCABA6BB0D}" dt="2025-12-05T15:26:52.858" v="231"/>
-          <ac:spMkLst>
-            <pc:docMk/>
-            <pc:sldMk cId="449898417" sldId="261"/>
-            <ac:spMk id="8" creationId="{79E4B1CD-3995-04D4-FBA1-7937BEBBB3A4}"/>
-          </ac:spMkLst>
-        </pc:spChg>
-        <pc:spChg chg="add del">
-          <ac:chgData name="X00221555 Sean Kelly" userId="S::x00221555@mytudublin.ie::53b29c55-6005-4aa7-843a-d67c21753314" providerId="AD" clId="Web-{78576D00-BDF1-6C3C-242D-A2DCABA6BB0D}" dt="2025-12-05T14:51:19.704" v="116"/>
-          <ac:spMkLst>
-            <pc:docMk/>
-            <pc:sldMk cId="449898417" sldId="261"/>
-            <ac:spMk id="9" creationId="{A4AC5506-6312-4701-8D3C-40187889A947}"/>
-          </ac:spMkLst>
-        </pc:spChg>
-        <pc:spChg chg="add del">
-          <ac:chgData name="X00221555 Sean Kelly" userId="S::x00221555@mytudublin.ie::53b29c55-6005-4aa7-843a-d67c21753314" providerId="AD" clId="Web-{78576D00-BDF1-6C3C-242D-A2DCABA6BB0D}" dt="2025-12-05T15:26:52.858" v="231"/>
-          <ac:spMkLst>
-            <pc:docMk/>
-            <pc:sldMk cId="449898417" sldId="261"/>
-            <ac:spMk id="11" creationId="{2B97F24A-32CE-4C1C-A50D-3016B394DCFB}"/>
-          </ac:spMkLst>
-        </pc:spChg>
-        <pc:spChg chg="add del">
-          <ac:chgData name="X00221555 Sean Kelly" userId="S::x00221555@mytudublin.ie::53b29c55-6005-4aa7-843a-d67c21753314" providerId="AD" clId="Web-{78576D00-BDF1-6C3C-242D-A2DCABA6BB0D}" dt="2025-12-05T15:26:52.858" v="231"/>
-          <ac:spMkLst>
-            <pc:docMk/>
-            <pc:sldMk cId="449898417" sldId="261"/>
-            <ac:spMk id="13" creationId="{CD8B4F24-440B-49E9-B85D-733523DC064B}"/>
           </ac:spMkLst>
         </pc:spChg>
         <pc:spChg chg="add del">
@@ -543,14 +1133,6 @@
             <ac:spMk id="2" creationId="{7E23B5D7-1DD3-6F99-2981-51EFF0DA3D19}"/>
           </ac:spMkLst>
         </pc:spChg>
-        <pc:spChg chg="del">
-          <ac:chgData name="X00221555 Sean Kelly" userId="S::x00221555@mytudublin.ie::53b29c55-6005-4aa7-843a-d67c21753314" providerId="AD" clId="Web-{78576D00-BDF1-6C3C-242D-A2DCABA6BB0D}" dt="2025-12-05T14:58:05.197" v="141"/>
-          <ac:spMkLst>
-            <pc:docMk/>
-            <pc:sldMk cId="1827968133" sldId="262"/>
-            <ac:spMk id="3" creationId="{63DE7CB5-C2A6-2E4E-49CA-065C30999802}"/>
-          </ac:spMkLst>
-        </pc:spChg>
         <pc:spChg chg="add del">
           <ac:chgData name="X00221555 Sean Kelly" userId="S::x00221555@mytudublin.ie::53b29c55-6005-4aa7-843a-d67c21753314" providerId="AD" clId="Web-{78576D00-BDF1-6C3C-242D-A2DCABA6BB0D}" dt="2025-12-05T20:06:41.593" v="718"/>
           <ac:spMkLst>
@@ -582,14 +1164,6 @@
             <ac:spMk id="2" creationId="{61345DF6-EFFC-B2E3-1B15-3C384A663EDC}"/>
           </ac:spMkLst>
         </pc:spChg>
-        <pc:spChg chg="del">
-          <ac:chgData name="X00221555 Sean Kelly" userId="S::x00221555@mytudublin.ie::53b29c55-6005-4aa7-843a-d67c21753314" providerId="AD" clId="Web-{78576D00-BDF1-6C3C-242D-A2DCABA6BB0D}" dt="2025-12-05T14:59:21.011" v="157"/>
-          <ac:spMkLst>
-            <pc:docMk/>
-            <pc:sldMk cId="2421562224" sldId="263"/>
-            <ac:spMk id="3" creationId="{E212690B-7C25-CB4A-907D-91FE6924B8EE}"/>
-          </ac:spMkLst>
-        </pc:spChg>
         <pc:spChg chg="add del">
           <ac:chgData name="X00221555 Sean Kelly" userId="S::x00221555@mytudublin.ie::53b29c55-6005-4aa7-843a-d67c21753314" providerId="AD" clId="Web-{78576D00-BDF1-6C3C-242D-A2DCABA6BB0D}" dt="2025-12-05T20:06:41.593" v="718"/>
           <ac:spMkLst>
@@ -619,14 +1193,6 @@
             <pc:docMk/>
             <pc:sldMk cId="1033734731" sldId="264"/>
             <ac:spMk id="2" creationId="{6EB7AE50-77D6-AE69-72BF-939580A43442}"/>
-          </ac:spMkLst>
-        </pc:spChg>
-        <pc:spChg chg="del mod">
-          <ac:chgData name="X00221555 Sean Kelly" userId="S::x00221555@mytudublin.ie::53b29c55-6005-4aa7-843a-d67c21753314" providerId="AD" clId="Web-{78576D00-BDF1-6C3C-242D-A2DCABA6BB0D}" dt="2025-12-05T15:04:08.665" v="167"/>
-          <ac:spMkLst>
-            <pc:docMk/>
-            <pc:sldMk cId="1033734731" sldId="264"/>
-            <ac:spMk id="3" creationId="{4B2D95E8-0228-841F-495D-7FED7FC46D93}"/>
           </ac:spMkLst>
         </pc:spChg>
         <pc:spChg chg="add del">
@@ -707,14 +1273,6 @@
             <ac:spMk id="2" creationId="{B8A0F016-7725-95F8-1CE1-5A1C063EC543}"/>
           </ac:spMkLst>
         </pc:spChg>
-        <pc:spChg chg="del">
-          <ac:chgData name="X00221555 Sean Kelly" userId="S::x00221555@mytudublin.ie::53b29c55-6005-4aa7-843a-d67c21753314" providerId="AD" clId="Web-{78576D00-BDF1-6C3C-242D-A2DCABA6BB0D}" dt="2025-12-05T15:24:03.928" v="206"/>
-          <ac:spMkLst>
-            <pc:docMk/>
-            <pc:sldMk cId="3694143877" sldId="266"/>
-            <ac:spMk id="3" creationId="{2F1F3BDA-A2DA-5080-EC12-909D58C71EEA}"/>
-          </ac:spMkLst>
-        </pc:spChg>
         <pc:spChg chg="add del">
           <ac:chgData name="X00221555 Sean Kelly" userId="S::x00221555@mytudublin.ie::53b29c55-6005-4aa7-843a-d67c21753314" providerId="AD" clId="Web-{78576D00-BDF1-6C3C-242D-A2DCABA6BB0D}" dt="2025-12-05T20:06:41.593" v="718"/>
           <ac:spMkLst>
@@ -723,14 +1281,6 @@
             <ac:spMk id="9" creationId="{A4AC5506-6312-4701-8D3C-40187889A947}"/>
           </ac:spMkLst>
         </pc:spChg>
-        <pc:picChg chg="add mod ord">
-          <ac:chgData name="X00221555 Sean Kelly" userId="S::x00221555@mytudublin.ie::53b29c55-6005-4aa7-843a-d67c21753314" providerId="AD" clId="Web-{78576D00-BDF1-6C3C-242D-A2DCABA6BB0D}" dt="2025-12-05T20:06:41.593" v="718"/>
-          <ac:picMkLst>
-            <pc:docMk/>
-            <pc:sldMk cId="3694143877" sldId="266"/>
-            <ac:picMk id="4" creationId="{A7D7EFDB-D360-B8EE-EC22-438EA716D656}"/>
-          </ac:picMkLst>
-        </pc:picChg>
       </pc:sldChg>
       <pc:sldChg chg="addSp delSp modSp new mod setBg modClrScheme delDesignElem chgLayout">
         <pc:chgData name="X00221555 Sean Kelly" userId="S::x00221555@mytudublin.ie::53b29c55-6005-4aa7-843a-d67c21753314" providerId="AD" clId="Web-{78576D00-BDF1-6C3C-242D-A2DCABA6BB0D}" dt="2025-12-05T20:06:41.593" v="718"/>
@@ -744,14 +1294,6 @@
             <pc:docMk/>
             <pc:sldMk cId="2801036417" sldId="267"/>
             <ac:spMk id="2" creationId="{4F838B68-C15A-5893-283A-556B11CEBE49}"/>
-          </ac:spMkLst>
-        </pc:spChg>
-        <pc:spChg chg="del">
-          <ac:chgData name="X00221555 Sean Kelly" userId="S::x00221555@mytudublin.ie::53b29c55-6005-4aa7-843a-d67c21753314" providerId="AD" clId="Web-{78576D00-BDF1-6C3C-242D-A2DCABA6BB0D}" dt="2025-12-05T15:23:00.658" v="198"/>
-          <ac:spMkLst>
-            <pc:docMk/>
-            <pc:sldMk cId="2801036417" sldId="267"/>
-            <ac:spMk id="3" creationId="{B7E7E4A7-D09E-2B0F-5750-3AE5F3C30AFA}"/>
           </ac:spMkLst>
         </pc:spChg>
         <pc:spChg chg="add del">
@@ -802,14 +1344,6 @@
             <ac:picMk id="4" creationId="{A0892818-0882-519A-2943-492BD1478AC6}"/>
           </ac:picMkLst>
         </pc:picChg>
-        <pc:picChg chg="add del mod">
-          <ac:chgData name="X00221555 Sean Kelly" userId="S::x00221555@mytudublin.ie::53b29c55-6005-4aa7-843a-d67c21753314" providerId="AD" clId="Web-{78576D00-BDF1-6C3C-242D-A2DCABA6BB0D}" dt="2025-12-05T15:23:09.659" v="201"/>
-          <ac:picMkLst>
-            <pc:docMk/>
-            <pc:sldMk cId="2801036417" sldId="267"/>
-            <ac:picMk id="5" creationId="{0AF24608-6F27-D3CB-3F1F-B1B396D7BA23}"/>
-          </ac:picMkLst>
-        </pc:picChg>
         <pc:picChg chg="add mod">
           <ac:chgData name="X00221555 Sean Kelly" userId="S::x00221555@mytudublin.ie::53b29c55-6005-4aa7-843a-d67c21753314" providerId="AD" clId="Web-{78576D00-BDF1-6C3C-242D-A2DCABA6BB0D}" dt="2025-12-05T15:27:50.610" v="237"/>
           <ac:picMkLst>
@@ -831,14 +1365,6 @@
             <pc:docMk/>
             <pc:sldMk cId="1572447257" sldId="268"/>
             <ac:spMk id="2" creationId="{B8232E9D-8895-704F-FDD4-91B5877301D7}"/>
-          </ac:spMkLst>
-        </pc:spChg>
-        <pc:spChg chg="del mod">
-          <ac:chgData name="X00221555 Sean Kelly" userId="S::x00221555@mytudublin.ie::53b29c55-6005-4aa7-843a-d67c21753314" providerId="AD" clId="Web-{78576D00-BDF1-6C3C-242D-A2DCABA6BB0D}" dt="2025-12-05T20:05:41.558" v="713"/>
-          <ac:spMkLst>
-            <pc:docMk/>
-            <pc:sldMk cId="1572447257" sldId="268"/>
-            <ac:spMk id="3" creationId="{34A1A35C-46BE-FC41-71BF-1A3F38549DAF}"/>
           </ac:spMkLst>
         </pc:spChg>
         <pc:spChg chg="add del">
@@ -943,30 +1469,6 @@
             <ac:spMk id="2" creationId="{B32FF48A-4452-A455-A67A-455150CB3DA5}"/>
           </ac:spMkLst>
         </pc:spChg>
-        <pc:spChg chg="del">
-          <ac:chgData name="X00221555 Sean Kelly" userId="S::x00221555@mytudublin.ie::53b29c55-6005-4aa7-843a-d67c21753314" providerId="AD" clId="Web-{78576D00-BDF1-6C3C-242D-A2DCABA6BB0D}" dt="2025-12-05T15:37:10.375" v="253"/>
-          <ac:spMkLst>
-            <pc:docMk/>
-            <pc:sldMk cId="1924060941" sldId="270"/>
-            <ac:spMk id="3" creationId="{07AA3590-246C-62B8-8B83-BB12C57932FF}"/>
-          </ac:spMkLst>
-        </pc:spChg>
-        <pc:spChg chg="add del">
-          <ac:chgData name="X00221555 Sean Kelly" userId="S::x00221555@mytudublin.ie::53b29c55-6005-4aa7-843a-d67c21753314" providerId="AD" clId="Web-{78576D00-BDF1-6C3C-242D-A2DCABA6BB0D}" dt="2025-12-05T15:39:53.359" v="484"/>
-          <ac:spMkLst>
-            <pc:docMk/>
-            <pc:sldMk cId="1924060941" sldId="270"/>
-            <ac:spMk id="9" creationId="{A3363022-C969-41E9-8EB2-E4C94908C1FA}"/>
-          </ac:spMkLst>
-        </pc:spChg>
-        <pc:spChg chg="add del">
-          <ac:chgData name="X00221555 Sean Kelly" userId="S::x00221555@mytudublin.ie::53b29c55-6005-4aa7-843a-d67c21753314" providerId="AD" clId="Web-{78576D00-BDF1-6C3C-242D-A2DCABA6BB0D}" dt="2025-12-05T15:39:53.359" v="484"/>
-          <ac:spMkLst>
-            <pc:docMk/>
-            <pc:sldMk cId="1924060941" sldId="270"/>
-            <ac:spMk id="11" creationId="{8D1AD6B3-BE88-4CEB-BA17-790657CC4729}"/>
-          </ac:spMkLst>
-        </pc:spChg>
         <pc:spChg chg="add del">
           <ac:chgData name="X00221555 Sean Kelly" userId="S::x00221555@mytudublin.ie::53b29c55-6005-4aa7-843a-d67c21753314" providerId="AD" clId="Web-{78576D00-BDF1-6C3C-242D-A2DCABA6BB0D}" dt="2025-12-05T20:06:41.593" v="718"/>
           <ac:spMkLst>
@@ -999,14 +1501,6 @@
             <ac:spMk id="27" creationId="{063BBA22-50EA-4C4D-BE05-F1CE4E63AA56}"/>
           </ac:spMkLst>
         </pc:spChg>
-        <pc:grpChg chg="add del">
-          <ac:chgData name="X00221555 Sean Kelly" userId="S::x00221555@mytudublin.ie::53b29c55-6005-4aa7-843a-d67c21753314" providerId="AD" clId="Web-{78576D00-BDF1-6C3C-242D-A2DCABA6BB0D}" dt="2025-12-05T15:39:53.359" v="484"/>
-          <ac:grpSpMkLst>
-            <pc:docMk/>
-            <pc:sldMk cId="1924060941" sldId="270"/>
-            <ac:grpSpMk id="13" creationId="{89D1390B-7E13-4B4F-9CB2-391063412E54}"/>
-          </ac:grpSpMkLst>
-        </pc:grpChg>
         <pc:graphicFrameChg chg="add mod ord modGraphic">
           <ac:chgData name="X00221555 Sean Kelly" userId="S::x00221555@mytudublin.ie::53b29c55-6005-4aa7-843a-d67c21753314" providerId="AD" clId="Web-{78576D00-BDF1-6C3C-242D-A2DCABA6BB0D}" dt="2025-12-05T20:06:41.593" v="718"/>
           <ac:graphicFrameMkLst>
@@ -1111,196 +1605,45 @@
           </pc:sldLayoutMkLst>
         </pc:sldLayoutChg>
       </pc:sldMasterChg>
-      <pc:sldMasterChg chg="add del addSldLayout delSldLayout modSldLayout">
-        <pc:chgData name="X00221555 Sean Kelly" userId="S::x00221555@mytudublin.ie::53b29c55-6005-4aa7-843a-d67c21753314" providerId="AD" clId="Web-{78576D00-BDF1-6C3C-242D-A2DCABA6BB0D}" dt="2025-12-05T20:06:41.593" v="718"/>
-        <pc:sldMasterMkLst>
+    </pc:docChg>
+  </pc:docChgLst>
+  <pc:docChgLst>
+    <pc:chgData name="X00221555 Sean Kelly" userId="S::x00221555@mytudublin.ie::53b29c55-6005-4aa7-843a-d67c21753314" providerId="AD" clId="Web-{0774D7DE-4896-BFFE-6B4B-2984BF18C048}"/>
+    <pc:docChg chg="modSld">
+      <pc:chgData name="X00221555 Sean Kelly" userId="S::x00221555@mytudublin.ie::53b29c55-6005-4aa7-843a-d67c21753314" providerId="AD" clId="Web-{0774D7DE-4896-BFFE-6B4B-2984BF18C048}" dt="2025-12-09T12:08:23.363" v="202" actId="20577"/>
+      <pc:docMkLst>
+        <pc:docMk/>
+      </pc:docMkLst>
+      <pc:sldChg chg="modSp">
+        <pc:chgData name="X00221555 Sean Kelly" userId="S::x00221555@mytudublin.ie::53b29c55-6005-4aa7-843a-d67c21753314" providerId="AD" clId="Web-{0774D7DE-4896-BFFE-6B4B-2984BF18C048}" dt="2025-12-09T11:56:02.513" v="99" actId="20577"/>
+        <pc:sldMkLst>
           <pc:docMk/>
-          <pc:sldMasterMk cId="2767314596" sldId="2147483672"/>
-        </pc:sldMasterMkLst>
-        <pc:sldLayoutChg chg="add del mod replId">
-          <pc:chgData name="X00221555 Sean Kelly" userId="S::x00221555@mytudublin.ie::53b29c55-6005-4aa7-843a-d67c21753314" providerId="AD" clId="Web-{78576D00-BDF1-6C3C-242D-A2DCABA6BB0D}" dt="2025-12-05T20:06:41.593" v="718"/>
-          <pc:sldLayoutMkLst>
+          <pc:sldMk cId="363183242" sldId="258"/>
+        </pc:sldMkLst>
+        <pc:graphicFrameChg chg="modGraphic">
+          <ac:chgData name="X00221555 Sean Kelly" userId="S::x00221555@mytudublin.ie::53b29c55-6005-4aa7-843a-d67c21753314" providerId="AD" clId="Web-{0774D7DE-4896-BFFE-6B4B-2984BF18C048}" dt="2025-12-09T11:56:02.513" v="99" actId="20577"/>
+          <ac:graphicFrameMkLst>
             <pc:docMk/>
-            <pc:sldMasterMk cId="2767314596" sldId="2147483672"/>
-            <pc:sldLayoutMk cId="1846901314" sldId="2147483673"/>
-          </pc:sldLayoutMkLst>
-        </pc:sldLayoutChg>
-        <pc:sldLayoutChg chg="add del mod replId">
-          <pc:chgData name="X00221555 Sean Kelly" userId="S::x00221555@mytudublin.ie::53b29c55-6005-4aa7-843a-d67c21753314" providerId="AD" clId="Web-{78576D00-BDF1-6C3C-242D-A2DCABA6BB0D}" dt="2025-12-05T20:06:41.593" v="718"/>
-          <pc:sldLayoutMkLst>
+            <pc:sldMk cId="363183242" sldId="258"/>
+            <ac:graphicFrameMk id="5" creationId="{E2DB84A4-4979-3618-9EEE-AF903242F601}"/>
+          </ac:graphicFrameMkLst>
+        </pc:graphicFrameChg>
+      </pc:sldChg>
+      <pc:sldChg chg="modSp">
+        <pc:chgData name="X00221555 Sean Kelly" userId="S::x00221555@mytudublin.ie::53b29c55-6005-4aa7-843a-d67c21753314" providerId="AD" clId="Web-{0774D7DE-4896-BFFE-6B4B-2984BF18C048}" dt="2025-12-09T12:08:23.363" v="202" actId="20577"/>
+        <pc:sldMkLst>
+          <pc:docMk/>
+          <pc:sldMk cId="1341477173" sldId="269"/>
+        </pc:sldMkLst>
+        <pc:spChg chg="mod">
+          <ac:chgData name="X00221555 Sean Kelly" userId="S::x00221555@mytudublin.ie::53b29c55-6005-4aa7-843a-d67c21753314" providerId="AD" clId="Web-{0774D7DE-4896-BFFE-6B4B-2984BF18C048}" dt="2025-12-09T12:08:23.363" v="202" actId="20577"/>
+          <ac:spMkLst>
             <pc:docMk/>
-            <pc:sldMasterMk cId="2767314596" sldId="2147483672"/>
-            <pc:sldLayoutMk cId="2683026091" sldId="2147483674"/>
-          </pc:sldLayoutMkLst>
-        </pc:sldLayoutChg>
-        <pc:sldLayoutChg chg="add del mod replId">
-          <pc:chgData name="X00221555 Sean Kelly" userId="S::x00221555@mytudublin.ie::53b29c55-6005-4aa7-843a-d67c21753314" providerId="AD" clId="Web-{78576D00-BDF1-6C3C-242D-A2DCABA6BB0D}" dt="2025-12-05T20:06:41.593" v="718"/>
-          <pc:sldLayoutMkLst>
-            <pc:docMk/>
-            <pc:sldMasterMk cId="2767314596" sldId="2147483672"/>
-            <pc:sldLayoutMk cId="492208204" sldId="2147483675"/>
-          </pc:sldLayoutMkLst>
-        </pc:sldLayoutChg>
-        <pc:sldLayoutChg chg="add del mod replId">
-          <pc:chgData name="X00221555 Sean Kelly" userId="S::x00221555@mytudublin.ie::53b29c55-6005-4aa7-843a-d67c21753314" providerId="AD" clId="Web-{78576D00-BDF1-6C3C-242D-A2DCABA6BB0D}" dt="2025-12-05T20:06:41.593" v="718"/>
-          <pc:sldLayoutMkLst>
-            <pc:docMk/>
-            <pc:sldMasterMk cId="2767314596" sldId="2147483672"/>
-            <pc:sldLayoutMk cId="2146394173" sldId="2147483676"/>
-          </pc:sldLayoutMkLst>
-        </pc:sldLayoutChg>
-        <pc:sldLayoutChg chg="add del mod replId">
-          <pc:chgData name="X00221555 Sean Kelly" userId="S::x00221555@mytudublin.ie::53b29c55-6005-4aa7-843a-d67c21753314" providerId="AD" clId="Web-{78576D00-BDF1-6C3C-242D-A2DCABA6BB0D}" dt="2025-12-05T20:06:41.593" v="718"/>
-          <pc:sldLayoutMkLst>
-            <pc:docMk/>
-            <pc:sldMasterMk cId="2767314596" sldId="2147483672"/>
-            <pc:sldLayoutMk cId="999345990" sldId="2147483677"/>
-          </pc:sldLayoutMkLst>
-        </pc:sldLayoutChg>
-        <pc:sldLayoutChg chg="add del mod replId">
-          <pc:chgData name="X00221555 Sean Kelly" userId="S::x00221555@mytudublin.ie::53b29c55-6005-4aa7-843a-d67c21753314" providerId="AD" clId="Web-{78576D00-BDF1-6C3C-242D-A2DCABA6BB0D}" dt="2025-12-05T20:06:41.593" v="718"/>
-          <pc:sldLayoutMkLst>
-            <pc:docMk/>
-            <pc:sldMasterMk cId="2767314596" sldId="2147483672"/>
-            <pc:sldLayoutMk cId="3388323669" sldId="2147483678"/>
-          </pc:sldLayoutMkLst>
-        </pc:sldLayoutChg>
-        <pc:sldLayoutChg chg="add del mod replId">
-          <pc:chgData name="X00221555 Sean Kelly" userId="S::x00221555@mytudublin.ie::53b29c55-6005-4aa7-843a-d67c21753314" providerId="AD" clId="Web-{78576D00-BDF1-6C3C-242D-A2DCABA6BB0D}" dt="2025-12-05T20:06:41.593" v="718"/>
-          <pc:sldLayoutMkLst>
-            <pc:docMk/>
-            <pc:sldMasterMk cId="2767314596" sldId="2147483672"/>
-            <pc:sldLayoutMk cId="3245839242" sldId="2147483679"/>
-          </pc:sldLayoutMkLst>
-        </pc:sldLayoutChg>
-        <pc:sldLayoutChg chg="add del mod replId">
-          <pc:chgData name="X00221555 Sean Kelly" userId="S::x00221555@mytudublin.ie::53b29c55-6005-4aa7-843a-d67c21753314" providerId="AD" clId="Web-{78576D00-BDF1-6C3C-242D-A2DCABA6BB0D}" dt="2025-12-05T20:06:41.593" v="718"/>
-          <pc:sldLayoutMkLst>
-            <pc:docMk/>
-            <pc:sldMasterMk cId="2767314596" sldId="2147483672"/>
-            <pc:sldLayoutMk cId="1814077004" sldId="2147483680"/>
-          </pc:sldLayoutMkLst>
-        </pc:sldLayoutChg>
-        <pc:sldLayoutChg chg="add del mod replId">
-          <pc:chgData name="X00221555 Sean Kelly" userId="S::x00221555@mytudublin.ie::53b29c55-6005-4aa7-843a-d67c21753314" providerId="AD" clId="Web-{78576D00-BDF1-6C3C-242D-A2DCABA6BB0D}" dt="2025-12-05T20:06:41.593" v="718"/>
-          <pc:sldLayoutMkLst>
-            <pc:docMk/>
-            <pc:sldMasterMk cId="2767314596" sldId="2147483672"/>
-            <pc:sldLayoutMk cId="1052485600" sldId="2147483681"/>
-          </pc:sldLayoutMkLst>
-        </pc:sldLayoutChg>
-        <pc:sldLayoutChg chg="add del mod replId">
-          <pc:chgData name="X00221555 Sean Kelly" userId="S::x00221555@mytudublin.ie::53b29c55-6005-4aa7-843a-d67c21753314" providerId="AD" clId="Web-{78576D00-BDF1-6C3C-242D-A2DCABA6BB0D}" dt="2025-12-05T20:06:41.593" v="718"/>
-          <pc:sldLayoutMkLst>
-            <pc:docMk/>
-            <pc:sldMasterMk cId="2767314596" sldId="2147483672"/>
-            <pc:sldLayoutMk cId="1082378259" sldId="2147483682"/>
-          </pc:sldLayoutMkLst>
-        </pc:sldLayoutChg>
-        <pc:sldLayoutChg chg="add del mod replId">
-          <pc:chgData name="X00221555 Sean Kelly" userId="S::x00221555@mytudublin.ie::53b29c55-6005-4aa7-843a-d67c21753314" providerId="AD" clId="Web-{78576D00-BDF1-6C3C-242D-A2DCABA6BB0D}" dt="2025-12-05T20:06:41.593" v="718"/>
-          <pc:sldLayoutMkLst>
-            <pc:docMk/>
-            <pc:sldMasterMk cId="2767314596" sldId="2147483672"/>
-            <pc:sldLayoutMk cId="415763512" sldId="2147483683"/>
-          </pc:sldLayoutMkLst>
-        </pc:sldLayoutChg>
-      </pc:sldMasterChg>
-      <pc:sldMasterChg chg="add del addSldLayout delSldLayout modSldLayout">
-        <pc:chgData name="X00221555 Sean Kelly" userId="S::x00221555@mytudublin.ie::53b29c55-6005-4aa7-843a-d67c21753314" providerId="AD" clId="Web-{78576D00-BDF1-6C3C-242D-A2DCABA6BB0D}" dt="2025-12-05T20:06:40.156" v="717"/>
-        <pc:sldMasterMkLst>
-          <pc:docMk/>
-          <pc:sldMasterMk cId="158351481" sldId="2147483684"/>
-        </pc:sldMasterMkLst>
-        <pc:sldLayoutChg chg="add del mod replId">
-          <pc:chgData name="X00221555 Sean Kelly" userId="S::x00221555@mytudublin.ie::53b29c55-6005-4aa7-843a-d67c21753314" providerId="AD" clId="Web-{78576D00-BDF1-6C3C-242D-A2DCABA6BB0D}" dt="2025-12-05T20:06:40.156" v="717"/>
-          <pc:sldLayoutMkLst>
-            <pc:docMk/>
-            <pc:sldMasterMk cId="158351481" sldId="2147483684"/>
-            <pc:sldLayoutMk cId="3101820824" sldId="2147483685"/>
-          </pc:sldLayoutMkLst>
-        </pc:sldLayoutChg>
-        <pc:sldLayoutChg chg="add del mod replId">
-          <pc:chgData name="X00221555 Sean Kelly" userId="S::x00221555@mytudublin.ie::53b29c55-6005-4aa7-843a-d67c21753314" providerId="AD" clId="Web-{78576D00-BDF1-6C3C-242D-A2DCABA6BB0D}" dt="2025-12-05T20:06:40.156" v="717"/>
-          <pc:sldLayoutMkLst>
-            <pc:docMk/>
-            <pc:sldMasterMk cId="158351481" sldId="2147483684"/>
-            <pc:sldLayoutMk cId="3353408204" sldId="2147483686"/>
-          </pc:sldLayoutMkLst>
-        </pc:sldLayoutChg>
-        <pc:sldLayoutChg chg="add del mod replId">
-          <pc:chgData name="X00221555 Sean Kelly" userId="S::x00221555@mytudublin.ie::53b29c55-6005-4aa7-843a-d67c21753314" providerId="AD" clId="Web-{78576D00-BDF1-6C3C-242D-A2DCABA6BB0D}" dt="2025-12-05T20:06:40.156" v="717"/>
-          <pc:sldLayoutMkLst>
-            <pc:docMk/>
-            <pc:sldMasterMk cId="158351481" sldId="2147483684"/>
-            <pc:sldLayoutMk cId="3218425858" sldId="2147483687"/>
-          </pc:sldLayoutMkLst>
-        </pc:sldLayoutChg>
-        <pc:sldLayoutChg chg="add del mod replId">
-          <pc:chgData name="X00221555 Sean Kelly" userId="S::x00221555@mytudublin.ie::53b29c55-6005-4aa7-843a-d67c21753314" providerId="AD" clId="Web-{78576D00-BDF1-6C3C-242D-A2DCABA6BB0D}" dt="2025-12-05T20:06:40.156" v="717"/>
-          <pc:sldLayoutMkLst>
-            <pc:docMk/>
-            <pc:sldMasterMk cId="158351481" sldId="2147483684"/>
-            <pc:sldLayoutMk cId="617716857" sldId="2147483688"/>
-          </pc:sldLayoutMkLst>
-        </pc:sldLayoutChg>
-        <pc:sldLayoutChg chg="add del mod replId">
-          <pc:chgData name="X00221555 Sean Kelly" userId="S::x00221555@mytudublin.ie::53b29c55-6005-4aa7-843a-d67c21753314" providerId="AD" clId="Web-{78576D00-BDF1-6C3C-242D-A2DCABA6BB0D}" dt="2025-12-05T20:06:40.156" v="717"/>
-          <pc:sldLayoutMkLst>
-            <pc:docMk/>
-            <pc:sldMasterMk cId="158351481" sldId="2147483684"/>
-            <pc:sldLayoutMk cId="430540289" sldId="2147483689"/>
-          </pc:sldLayoutMkLst>
-        </pc:sldLayoutChg>
-        <pc:sldLayoutChg chg="add del mod replId">
-          <pc:chgData name="X00221555 Sean Kelly" userId="S::x00221555@mytudublin.ie::53b29c55-6005-4aa7-843a-d67c21753314" providerId="AD" clId="Web-{78576D00-BDF1-6C3C-242D-A2DCABA6BB0D}" dt="2025-12-05T20:06:40.156" v="717"/>
-          <pc:sldLayoutMkLst>
-            <pc:docMk/>
-            <pc:sldMasterMk cId="158351481" sldId="2147483684"/>
-            <pc:sldLayoutMk cId="2600080328" sldId="2147483690"/>
-          </pc:sldLayoutMkLst>
-        </pc:sldLayoutChg>
-        <pc:sldLayoutChg chg="add del mod replId">
-          <pc:chgData name="X00221555 Sean Kelly" userId="S::x00221555@mytudublin.ie::53b29c55-6005-4aa7-843a-d67c21753314" providerId="AD" clId="Web-{78576D00-BDF1-6C3C-242D-A2DCABA6BB0D}" dt="2025-12-05T20:06:40.156" v="717"/>
-          <pc:sldLayoutMkLst>
-            <pc:docMk/>
-            <pc:sldMasterMk cId="158351481" sldId="2147483684"/>
-            <pc:sldLayoutMk cId="868490990" sldId="2147483691"/>
-          </pc:sldLayoutMkLst>
-        </pc:sldLayoutChg>
-        <pc:sldLayoutChg chg="add del mod replId">
-          <pc:chgData name="X00221555 Sean Kelly" userId="S::x00221555@mytudublin.ie::53b29c55-6005-4aa7-843a-d67c21753314" providerId="AD" clId="Web-{78576D00-BDF1-6C3C-242D-A2DCABA6BB0D}" dt="2025-12-05T20:06:40.156" v="717"/>
-          <pc:sldLayoutMkLst>
-            <pc:docMk/>
-            <pc:sldMasterMk cId="158351481" sldId="2147483684"/>
-            <pc:sldLayoutMk cId="2678316006" sldId="2147483692"/>
-          </pc:sldLayoutMkLst>
-        </pc:sldLayoutChg>
-        <pc:sldLayoutChg chg="add del mod replId">
-          <pc:chgData name="X00221555 Sean Kelly" userId="S::x00221555@mytudublin.ie::53b29c55-6005-4aa7-843a-d67c21753314" providerId="AD" clId="Web-{78576D00-BDF1-6C3C-242D-A2DCABA6BB0D}" dt="2025-12-05T20:06:40.156" v="717"/>
-          <pc:sldLayoutMkLst>
-            <pc:docMk/>
-            <pc:sldMasterMk cId="158351481" sldId="2147483684"/>
-            <pc:sldLayoutMk cId="453534729" sldId="2147483693"/>
-          </pc:sldLayoutMkLst>
-        </pc:sldLayoutChg>
-        <pc:sldLayoutChg chg="add del mod replId">
-          <pc:chgData name="X00221555 Sean Kelly" userId="S::x00221555@mytudublin.ie::53b29c55-6005-4aa7-843a-d67c21753314" providerId="AD" clId="Web-{78576D00-BDF1-6C3C-242D-A2DCABA6BB0D}" dt="2025-12-05T20:06:40.156" v="717"/>
-          <pc:sldLayoutMkLst>
-            <pc:docMk/>
-            <pc:sldMasterMk cId="158351481" sldId="2147483684"/>
-            <pc:sldLayoutMk cId="196946759" sldId="2147483694"/>
-          </pc:sldLayoutMkLst>
-        </pc:sldLayoutChg>
-        <pc:sldLayoutChg chg="add del mod replId">
-          <pc:chgData name="X00221555 Sean Kelly" userId="S::x00221555@mytudublin.ie::53b29c55-6005-4aa7-843a-d67c21753314" providerId="AD" clId="Web-{78576D00-BDF1-6C3C-242D-A2DCABA6BB0D}" dt="2025-12-05T20:06:40.156" v="717"/>
-          <pc:sldLayoutMkLst>
-            <pc:docMk/>
-            <pc:sldMasterMk cId="158351481" sldId="2147483684"/>
-            <pc:sldLayoutMk cId="1894428917" sldId="2147483695"/>
-          </pc:sldLayoutMkLst>
-        </pc:sldLayoutChg>
-      </pc:sldMasterChg>
+            <pc:sldMk cId="1341477173" sldId="269"/>
+            <ac:spMk id="3" creationId="{894B8D57-F9D7-85B2-095A-CC1E3AAB3827}"/>
+          </ac:spMkLst>
+        </pc:spChg>
+      </pc:sldChg>
     </pc:docChg>
   </pc:docChgLst>
 </pc:chgInfo>
@@ -3789,6 +4132,11 @@
         <a:bodyPr/>
         <a:lstStyle/>
         <a:p>
+          <a:pPr>
+            <a:lnSpc>
+              <a:spcPct val="100000"/>
+            </a:lnSpc>
+          </a:pPr>
           <a:r>
             <a:rPr lang="en-US"/>
             <a:t>The dataset in which we have chosen is a luxury watch pricing dataset. The criteria in which this dataset contains includes brands, models, prices, cases, straps, movements, water resistance, case diameter, case thickness, band width, dial color, crystal material, complications and power reserves. </a:t>
@@ -3814,6 +4162,11 @@
         <a:bodyPr/>
         <a:lstStyle/>
         <a:p>
+          <a:pPr>
+            <a:lnSpc>
+              <a:spcPct val="100000"/>
+            </a:lnSpc>
+          </a:pPr>
           <a:endParaRPr lang="en-US"/>
         </a:p>
       </dgm:t>
@@ -3825,6 +4178,11 @@
         <a:bodyPr/>
         <a:lstStyle/>
         <a:p>
+          <a:pPr>
+            <a:lnSpc>
+              <a:spcPct val="100000"/>
+            </a:lnSpc>
+          </a:pPr>
           <a:r>
             <a:rPr lang="en-US"/>
             <a:t>The dataset has 14 columns and 508 rows. It is a publicly available dataset available on Kaggle. https://www.kaggle.com/datasets/rkiattisak/luxury-watches-price-dataset/data</a:t>
@@ -3850,6 +4208,11 @@
         <a:bodyPr/>
         <a:lstStyle/>
         <a:p>
+          <a:pPr>
+            <a:lnSpc>
+              <a:spcPct val="100000"/>
+            </a:lnSpc>
+          </a:pPr>
           <a:endParaRPr lang="en-US"/>
         </a:p>
       </dgm:t>
@@ -3861,6 +4224,11 @@
         <a:bodyPr/>
         <a:lstStyle/>
         <a:p>
+          <a:pPr>
+            <a:lnSpc>
+              <a:spcPct val="100000"/>
+            </a:lnSpc>
+          </a:pPr>
           <a:r>
             <a:rPr lang="en-US"/>
             <a:t>This dataset is useful for Businesses, Resellers, enthusiasts and individuals wishing to further expand their knowledge in the expertise</a:t>
@@ -4107,7 +4475,7 @@
 <dgm:dataModel xmlns:dgm="http://schemas.openxmlformats.org/drawingml/2006/diagram" xmlns:a="http://schemas.openxmlformats.org/drawingml/2006/main">
   <dgm:ptLst>
     <dgm:pt modelId="{104A7F23-16A5-42BE-AC70-E95AA2B1F16C}" type="doc">
-      <dgm:prSet loTypeId="urn:microsoft.com/office/officeart/2005/8/layout/hierarchy1" loCatId="hierarchy" qsTypeId="urn:microsoft.com/office/officeart/2005/8/quickstyle/simple1" qsCatId="simple" csTypeId="urn:microsoft.com/office/officeart/2005/8/colors/colorful2" csCatId="colorful"/>
+      <dgm:prSet loTypeId="urn:microsoft.com/office/officeart/2005/8/layout/hierarchy1" loCatId="hierarchy" qsTypeId="urn:microsoft.com/office/officeart/2005/8/quickstyle/simple1" qsCatId="simple" csTypeId="urn:microsoft.com/office/officeart/2005/8/colors/colorful2" csCatId="colorful" phldr="1"/>
       <dgm:spPr/>
       <dgm:t>
         <a:bodyPr/>
@@ -4124,9 +4492,50 @@
         <a:bodyPr/>
         <a:lstStyle/>
         <a:p>
+          <a:pPr algn="ctr">
+            <a:lnSpc>
+              <a:spcPct val="90000"/>
+            </a:lnSpc>
+          </a:pPr>
           <a:r>
-            <a:rPr lang="en-US"/>
-            <a:t>The Objective of this project is to evaluate and provide statistics on the pricing of these watches compared to the prestige of their branding and the condition they are in. We believe that these categories are important to compare as branding significantly influences the perceived value and resale potential of a luxury watch, aswell as the condition greatly affecting the collectability aswell as longevity of the singular watch itself.</a:t>
+            <a:rPr lang="en-US" sz="1700">
+              <a:latin typeface="Aptos" panose="020B0004020202020204"/>
+              <a:ea typeface="+mn-ea"/>
+              <a:cs typeface="+mn-cs"/>
+            </a:rPr>
+            <a:t>The Objective of this project is to evaluate and provide statistics on the pricing of these watches compared to the prestige of their branding and the condition they are in. We believe that these categories are important to compare as branding significantly influences the perceived value and resale potential of a luxury watch, </a:t>
+          </a:r>
+          <a:r>
+            <a:rPr lang="en-US" sz="1700" err="1">
+              <a:latin typeface="Aptos" panose="020B0004020202020204"/>
+              <a:ea typeface="+mn-ea"/>
+              <a:cs typeface="+mn-cs"/>
+            </a:rPr>
+            <a:t>aswell</a:t>
+          </a:r>
+          <a:r>
+            <a:rPr lang="en-US" sz="1700">
+              <a:latin typeface="Aptos" panose="020B0004020202020204"/>
+              <a:ea typeface="+mn-ea"/>
+              <a:cs typeface="+mn-cs"/>
+            </a:rPr>
+            <a:t> as the condition greatly affecting the collectability </a:t>
+          </a:r>
+          <a:r>
+            <a:rPr lang="en-US" sz="1700" err="1">
+              <a:latin typeface="Aptos" panose="020B0004020202020204"/>
+              <a:ea typeface="+mn-ea"/>
+              <a:cs typeface="+mn-cs"/>
+            </a:rPr>
+            <a:t>aswell</a:t>
+          </a:r>
+          <a:r>
+            <a:rPr lang="en-US" sz="1700">
+              <a:latin typeface="Aptos" panose="020B0004020202020204"/>
+              <a:ea typeface="+mn-ea"/>
+              <a:cs typeface="+mn-cs"/>
+            </a:rPr>
+            <a:t> as longevity of the singular watch itself.</a:t>
           </a:r>
         </a:p>
       </dgm:t>
@@ -4160,9 +4569,34 @@
         <a:bodyPr/>
         <a:lstStyle/>
         <a:p>
+          <a:pPr algn="ctr" rtl="0">
+            <a:lnSpc>
+              <a:spcPct val="90000"/>
+            </a:lnSpc>
+          </a:pPr>
           <a:r>
-            <a:rPr lang="en-US"/>
-            <a:t>Our Solution can be used to understand the pricing compared to the watch quality generally. Another way to do this would be to visit an actual jewellery shop although this could involve bias based on the products they have available.</a:t>
+            <a:rPr lang="en-US" sz="1700">
+              <a:latin typeface="Aptos"/>
+              <a:ea typeface="+mn-ea"/>
+              <a:cs typeface="+mn-cs"/>
+            </a:rPr>
+            <a:t>Our Solution can be used to understand the pricing compared to the watch quality generally. Another way to do this would be to visit an actual </a:t>
+          </a:r>
+          <a:r>
+            <a:rPr lang="en-US" sz="1700" err="1">
+              <a:latin typeface="Aptos"/>
+              <a:ea typeface="+mn-ea"/>
+              <a:cs typeface="+mn-cs"/>
+            </a:rPr>
+            <a:t>jewellery</a:t>
+          </a:r>
+          <a:r>
+            <a:rPr lang="en-US" sz="1700">
+              <a:latin typeface="Aptos"/>
+              <a:ea typeface="+mn-ea"/>
+              <a:cs typeface="+mn-cs"/>
+            </a:rPr>
+            <a:t> shop although this could involve bias based on the products they have available. Some limitations we faced include the lack of some aspects in the dataset, age, retail vs resell and availability</a:t>
           </a:r>
         </a:p>
       </dgm:t>
@@ -4251,21 +4685,21 @@
     </dgm:pt>
   </dgm:ptLst>
   <dgm:cxnLst>
-    <dgm:cxn modelId="{0A78F87E-AD1A-490B-A718-852247FA72C4}" type="presOf" srcId="{6335EF49-9F41-475A-914F-08AA4F27D1AF}" destId="{7935F993-2898-4D68-BC1D-1396EE83A8C3}" srcOrd="0" destOrd="0" presId="urn:microsoft.com/office/officeart/2005/8/layout/hierarchy1"/>
+    <dgm:cxn modelId="{8ECA2538-B85B-47FB-A084-FAA2C6C7D60C}" type="presOf" srcId="{6335EF49-9F41-475A-914F-08AA4F27D1AF}" destId="{7935F993-2898-4D68-BC1D-1396EE83A8C3}" srcOrd="0" destOrd="0" presId="urn:microsoft.com/office/officeart/2005/8/layout/hierarchy1"/>
+    <dgm:cxn modelId="{C50BA73E-EA1E-4266-91C8-8FAB4ED29036}" type="presOf" srcId="{476234CA-9231-47A7-B272-A593D7213649}" destId="{8A0F7188-3469-4585-BDCC-E380B11C8538}" srcOrd="0" destOrd="0" presId="urn:microsoft.com/office/officeart/2005/8/layout/hierarchy1"/>
     <dgm:cxn modelId="{7D5E6595-66DF-443C-A176-CD824398AF8A}" srcId="{104A7F23-16A5-42BE-AC70-E95AA2B1F16C}" destId="{476234CA-9231-47A7-B272-A593D7213649}" srcOrd="1" destOrd="0" parTransId="{94D5723F-5414-4B38-813B-78A76BABC93B}" sibTransId="{C4FFBDF2-56B8-434B-A47B-40B14DCD1FEC}"/>
     <dgm:cxn modelId="{90338AA4-B074-463B-B264-1EC8FFBD0E92}" srcId="{104A7F23-16A5-42BE-AC70-E95AA2B1F16C}" destId="{6335EF49-9F41-475A-914F-08AA4F27D1AF}" srcOrd="0" destOrd="0" parTransId="{5B4E4C7D-8903-4A88-ACF8-4F34E8E24479}" sibTransId="{710DC482-2CE4-4795-8FDD-302EBB66255D}"/>
     <dgm:cxn modelId="{3A764AFA-FEF1-4F07-9558-C535B66DABCF}" type="presOf" srcId="{104A7F23-16A5-42BE-AC70-E95AA2B1F16C}" destId="{41B0CCA5-413A-4A1E-905D-591C5E179C11}" srcOrd="0" destOrd="0" presId="urn:microsoft.com/office/officeart/2005/8/layout/hierarchy1"/>
-    <dgm:cxn modelId="{9FB4AFFF-6F67-476A-AA7A-C0E40DA06F6D}" type="presOf" srcId="{476234CA-9231-47A7-B272-A593D7213649}" destId="{8A0F7188-3469-4585-BDCC-E380B11C8538}" srcOrd="0" destOrd="0" presId="urn:microsoft.com/office/officeart/2005/8/layout/hierarchy1"/>
-    <dgm:cxn modelId="{7543EAD7-98B8-4823-9054-1C610A70C131}" type="presParOf" srcId="{41B0CCA5-413A-4A1E-905D-591C5E179C11}" destId="{24783B19-FBBD-435E-941F-882B40A94FAE}" srcOrd="0" destOrd="0" presId="urn:microsoft.com/office/officeart/2005/8/layout/hierarchy1"/>
-    <dgm:cxn modelId="{2B18DC0B-BF4D-44E3-A6B8-3D566252F8E5}" type="presParOf" srcId="{24783B19-FBBD-435E-941F-882B40A94FAE}" destId="{40058C6E-1237-4065-9914-20515136CBE6}" srcOrd="0" destOrd="0" presId="urn:microsoft.com/office/officeart/2005/8/layout/hierarchy1"/>
-    <dgm:cxn modelId="{4426BC85-F376-49F6-A871-A22CD144C840}" type="presParOf" srcId="{40058C6E-1237-4065-9914-20515136CBE6}" destId="{C0901974-FDC5-4C2D-BB6C-36BD9AAC4D52}" srcOrd="0" destOrd="0" presId="urn:microsoft.com/office/officeart/2005/8/layout/hierarchy1"/>
-    <dgm:cxn modelId="{A1F60889-55F9-4557-91C6-6999F5550724}" type="presParOf" srcId="{40058C6E-1237-4065-9914-20515136CBE6}" destId="{7935F993-2898-4D68-BC1D-1396EE83A8C3}" srcOrd="1" destOrd="0" presId="urn:microsoft.com/office/officeart/2005/8/layout/hierarchy1"/>
-    <dgm:cxn modelId="{87E96B29-0184-4CA1-94F3-710C85443C84}" type="presParOf" srcId="{24783B19-FBBD-435E-941F-882B40A94FAE}" destId="{A890312B-D260-4AB9-AE7E-FBA034A27251}" srcOrd="1" destOrd="0" presId="urn:microsoft.com/office/officeart/2005/8/layout/hierarchy1"/>
-    <dgm:cxn modelId="{8F0AF651-F461-4E43-9AD0-249EAFD4024C}" type="presParOf" srcId="{41B0CCA5-413A-4A1E-905D-591C5E179C11}" destId="{AC1E6B65-1E1C-404B-873D-85CFB7BEE6B0}" srcOrd="1" destOrd="0" presId="urn:microsoft.com/office/officeart/2005/8/layout/hierarchy1"/>
-    <dgm:cxn modelId="{25075FAC-13F5-4161-BD82-357B7E7D7382}" type="presParOf" srcId="{AC1E6B65-1E1C-404B-873D-85CFB7BEE6B0}" destId="{CE2F323C-1AE9-47DA-8425-A4D49EF930B8}" srcOrd="0" destOrd="0" presId="urn:microsoft.com/office/officeart/2005/8/layout/hierarchy1"/>
-    <dgm:cxn modelId="{0E03A30E-BB7E-46DA-9EA1-0880D0259041}" type="presParOf" srcId="{CE2F323C-1AE9-47DA-8425-A4D49EF930B8}" destId="{53DC740B-089C-4B11-A8F2-6F9916A1360E}" srcOrd="0" destOrd="0" presId="urn:microsoft.com/office/officeart/2005/8/layout/hierarchy1"/>
-    <dgm:cxn modelId="{872D4D6D-6D07-430B-92CD-86F5C20A0DED}" type="presParOf" srcId="{CE2F323C-1AE9-47DA-8425-A4D49EF930B8}" destId="{8A0F7188-3469-4585-BDCC-E380B11C8538}" srcOrd="1" destOrd="0" presId="urn:microsoft.com/office/officeart/2005/8/layout/hierarchy1"/>
-    <dgm:cxn modelId="{32C6DD56-456B-45FD-9718-E3D83B6E80EE}" type="presParOf" srcId="{AC1E6B65-1E1C-404B-873D-85CFB7BEE6B0}" destId="{AB1AC4DF-4FB2-48F9-8EE2-D96FF2671EF1}" srcOrd="1" destOrd="0" presId="urn:microsoft.com/office/officeart/2005/8/layout/hierarchy1"/>
+    <dgm:cxn modelId="{44DC7DB2-C7F4-4A82-BA0A-2D49C48309D9}" type="presParOf" srcId="{41B0CCA5-413A-4A1E-905D-591C5E179C11}" destId="{24783B19-FBBD-435E-941F-882B40A94FAE}" srcOrd="0" destOrd="0" presId="urn:microsoft.com/office/officeart/2005/8/layout/hierarchy1"/>
+    <dgm:cxn modelId="{D0F7AD05-4643-43C8-8C9E-37E920D4872C}" type="presParOf" srcId="{24783B19-FBBD-435E-941F-882B40A94FAE}" destId="{40058C6E-1237-4065-9914-20515136CBE6}" srcOrd="0" destOrd="0" presId="urn:microsoft.com/office/officeart/2005/8/layout/hierarchy1"/>
+    <dgm:cxn modelId="{3D5DB0AD-AA37-43C4-A484-F7869BDEB28F}" type="presParOf" srcId="{40058C6E-1237-4065-9914-20515136CBE6}" destId="{C0901974-FDC5-4C2D-BB6C-36BD9AAC4D52}" srcOrd="0" destOrd="0" presId="urn:microsoft.com/office/officeart/2005/8/layout/hierarchy1"/>
+    <dgm:cxn modelId="{4B4188AB-6969-4EF9-AEB9-D73E5929BDE8}" type="presParOf" srcId="{40058C6E-1237-4065-9914-20515136CBE6}" destId="{7935F993-2898-4D68-BC1D-1396EE83A8C3}" srcOrd="1" destOrd="0" presId="urn:microsoft.com/office/officeart/2005/8/layout/hierarchy1"/>
+    <dgm:cxn modelId="{A5F9B600-58F4-4912-8987-CE3F49955B12}" type="presParOf" srcId="{24783B19-FBBD-435E-941F-882B40A94FAE}" destId="{A890312B-D260-4AB9-AE7E-FBA034A27251}" srcOrd="1" destOrd="0" presId="urn:microsoft.com/office/officeart/2005/8/layout/hierarchy1"/>
+    <dgm:cxn modelId="{092D425C-E468-417B-B63D-E0F855718D8E}" type="presParOf" srcId="{41B0CCA5-413A-4A1E-905D-591C5E179C11}" destId="{AC1E6B65-1E1C-404B-873D-85CFB7BEE6B0}" srcOrd="1" destOrd="0" presId="urn:microsoft.com/office/officeart/2005/8/layout/hierarchy1"/>
+    <dgm:cxn modelId="{28318F35-4658-469B-8E71-14CF1EF0D85A}" type="presParOf" srcId="{AC1E6B65-1E1C-404B-873D-85CFB7BEE6B0}" destId="{CE2F323C-1AE9-47DA-8425-A4D49EF930B8}" srcOrd="0" destOrd="0" presId="urn:microsoft.com/office/officeart/2005/8/layout/hierarchy1"/>
+    <dgm:cxn modelId="{F59743D8-3C91-44DA-B093-5D611C0B576F}" type="presParOf" srcId="{CE2F323C-1AE9-47DA-8425-A4D49EF930B8}" destId="{53DC740B-089C-4B11-A8F2-6F9916A1360E}" srcOrd="0" destOrd="0" presId="urn:microsoft.com/office/officeart/2005/8/layout/hierarchy1"/>
+    <dgm:cxn modelId="{733E97AB-F847-47FA-BD79-83E273129132}" type="presParOf" srcId="{CE2F323C-1AE9-47DA-8425-A4D49EF930B8}" destId="{8A0F7188-3469-4585-BDCC-E380B11C8538}" srcOrd="1" destOrd="0" presId="urn:microsoft.com/office/officeart/2005/8/layout/hierarchy1"/>
+    <dgm:cxn modelId="{E85EA534-8D6C-4823-9229-12B11A5C3EF6}" type="presParOf" srcId="{AC1E6B65-1E1C-404B-873D-85CFB7BEE6B0}" destId="{AB1AC4DF-4FB2-48F9-8EE2-D96FF2671EF1}" srcOrd="1" destOrd="0" presId="urn:microsoft.com/office/officeart/2005/8/layout/hierarchy1"/>
   </dgm:cxnLst>
   <dgm:bg/>
   <dgm:whole/>
@@ -4299,7 +4733,7 @@
         <a:lstStyle/>
         <a:p>
           <a:r>
-            <a:rPr lang="en-US" dirty="0"/>
+            <a:rPr lang="en-US"/>
             <a:t>Some of the limitations we discovered while completing this project included:</a:t>
           </a:r>
         </a:p>
@@ -4335,7 +4769,7 @@
         <a:lstStyle/>
         <a:p>
           <a:r>
-            <a:rPr lang="en-US" dirty="0"/>
+            <a:rPr lang="en-US"/>
             <a:t>The Strings within the dataset</a:t>
           </a:r>
         </a:p>
@@ -4371,7 +4805,7 @@
         <a:lstStyle/>
         <a:p>
           <a:r>
-            <a:rPr lang="en-US" dirty="0"/>
+            <a:rPr lang="en-US"/>
             <a:t>Missing Categories (Age, Availability, Retail vs Resell)</a:t>
           </a:r>
         </a:p>
@@ -4407,7 +4841,7 @@
         <a:lstStyle/>
         <a:p>
           <a:r>
-            <a:rPr lang="en-US" dirty="0"/>
+            <a:rPr lang="en-US"/>
             <a:t>Size of the Dataset</a:t>
           </a:r>
         </a:p>
@@ -4739,7 +5173,7 @@
         <a:p>
           <a:pPr marL="0" lvl="0" indent="0" algn="l" defTabSz="488950">
             <a:lnSpc>
-              <a:spcPct val="90000"/>
+              <a:spcPct val="100000"/>
             </a:lnSpc>
             <a:spcBef>
               <a:spcPct val="0"/>
@@ -4888,7 +5322,7 @@
         <a:p>
           <a:pPr marL="0" lvl="0" indent="0" algn="l" defTabSz="488950">
             <a:lnSpc>
-              <a:spcPct val="90000"/>
+              <a:spcPct val="100000"/>
             </a:lnSpc>
             <a:spcBef>
               <a:spcPct val="0"/>
@@ -5037,7 +5471,7 @@
         <a:p>
           <a:pPr marL="0" lvl="0" indent="0" algn="l" defTabSz="488950">
             <a:lnSpc>
-              <a:spcPct val="90000"/>
+              <a:spcPct val="100000"/>
             </a:lnSpc>
             <a:spcBef>
               <a:spcPct val="0"/>
@@ -5191,8 +5625,44 @@
             <a:buNone/>
           </a:pPr>
           <a:r>
-            <a:rPr lang="en-US" sz="1700" kern="1200"/>
-            <a:t>The Objective of this project is to evaluate and provide statistics on the pricing of these watches compared to the prestige of their branding and the condition they are in. We believe that these categories are important to compare as branding significantly influences the perceived value and resale potential of a luxury watch, aswell as the condition greatly affecting the collectability aswell as longevity of the singular watch itself.</a:t>
+            <a:rPr lang="en-US" sz="1700" kern="1200">
+              <a:latin typeface="Aptos" panose="020B0004020202020204"/>
+              <a:ea typeface="+mn-ea"/>
+              <a:cs typeface="+mn-cs"/>
+            </a:rPr>
+            <a:t>The Objective of this project is to evaluate and provide statistics on the pricing of these watches compared to the prestige of their branding and the condition they are in. We believe that these categories are important to compare as branding significantly influences the perceived value and resale potential of a luxury watch, </a:t>
+          </a:r>
+          <a:r>
+            <a:rPr lang="en-US" sz="1700" kern="1200" err="1">
+              <a:latin typeface="Aptos" panose="020B0004020202020204"/>
+              <a:ea typeface="+mn-ea"/>
+              <a:cs typeface="+mn-cs"/>
+            </a:rPr>
+            <a:t>aswell</a:t>
+          </a:r>
+          <a:r>
+            <a:rPr lang="en-US" sz="1700" kern="1200">
+              <a:latin typeface="Aptos" panose="020B0004020202020204"/>
+              <a:ea typeface="+mn-ea"/>
+              <a:cs typeface="+mn-cs"/>
+            </a:rPr>
+            <a:t> as the condition greatly affecting the collectability </a:t>
+          </a:r>
+          <a:r>
+            <a:rPr lang="en-US" sz="1700" kern="1200" err="1">
+              <a:latin typeface="Aptos" panose="020B0004020202020204"/>
+              <a:ea typeface="+mn-ea"/>
+              <a:cs typeface="+mn-cs"/>
+            </a:rPr>
+            <a:t>aswell</a:t>
+          </a:r>
+          <a:r>
+            <a:rPr lang="en-US" sz="1700" kern="1200">
+              <a:latin typeface="Aptos" panose="020B0004020202020204"/>
+              <a:ea typeface="+mn-ea"/>
+              <a:cs typeface="+mn-cs"/>
+            </a:rPr>
+            <a:t> as longevity of the singular watch itself.</a:t>
           </a:r>
         </a:p>
       </dsp:txBody>
@@ -5309,7 +5779,7 @@
         </a:bodyPr>
         <a:lstStyle/>
         <a:p>
-          <a:pPr marL="0" lvl="0" indent="0" algn="ctr" defTabSz="755650">
+          <a:pPr marL="0" lvl="0" indent="0" algn="ctr" defTabSz="755650" rtl="0">
             <a:lnSpc>
               <a:spcPct val="90000"/>
             </a:lnSpc>
@@ -5322,8 +5792,28 @@
             <a:buNone/>
           </a:pPr>
           <a:r>
-            <a:rPr lang="en-US" sz="1700" kern="1200"/>
-            <a:t>Our Solution can be used to understand the pricing compared to the watch quality generally. Another way to do this would be to visit an actual jewellery shop although this could involve bias based on the products they have available.</a:t>
+            <a:rPr lang="en-US" sz="1700" kern="1200">
+              <a:latin typeface="Aptos"/>
+              <a:ea typeface="+mn-ea"/>
+              <a:cs typeface="+mn-cs"/>
+            </a:rPr>
+            <a:t>Our Solution can be used to understand the pricing compared to the watch quality generally. Another way to do this would be to visit an actual </a:t>
+          </a:r>
+          <a:r>
+            <a:rPr lang="en-US" sz="1700" kern="1200" err="1">
+              <a:latin typeface="Aptos"/>
+              <a:ea typeface="+mn-ea"/>
+              <a:cs typeface="+mn-cs"/>
+            </a:rPr>
+            <a:t>jewellery</a:t>
+          </a:r>
+          <a:r>
+            <a:rPr lang="en-US" sz="1700" kern="1200">
+              <a:latin typeface="Aptos"/>
+              <a:ea typeface="+mn-ea"/>
+              <a:cs typeface="+mn-cs"/>
+            </a:rPr>
+            <a:t> shop although this could involve bias based on the products they have available. Some limitations we faced include the lack of some aspects in the dataset, age, retail vs resell and availability</a:t>
           </a:r>
         </a:p>
       </dsp:txBody>
@@ -5645,7 +6135,7 @@
             <a:buNone/>
           </a:pPr>
           <a:r>
-            <a:rPr lang="en-US" sz="1700" kern="1200" dirty="0"/>
+            <a:rPr lang="en-US" sz="1700" kern="1200"/>
             <a:t>Some of the limitations we discovered while completing this project included:</a:t>
           </a:r>
         </a:p>
@@ -5776,7 +6266,7 @@
             <a:buNone/>
           </a:pPr>
           <a:r>
-            <a:rPr lang="en-US" sz="1700" kern="1200" dirty="0"/>
+            <a:rPr lang="en-US" sz="1700" kern="1200"/>
             <a:t>The Strings within the dataset</a:t>
           </a:r>
         </a:p>
@@ -5907,7 +6397,7 @@
             <a:buNone/>
           </a:pPr>
           <a:r>
-            <a:rPr lang="en-US" sz="1700" kern="1200" dirty="0"/>
+            <a:rPr lang="en-US" sz="1700" kern="1200"/>
             <a:t>Missing Categories (Age, Availability, Retail vs Resell)</a:t>
           </a:r>
         </a:p>
@@ -6038,7 +6528,7 @@
             <a:buNone/>
           </a:pPr>
           <a:r>
-            <a:rPr lang="en-US" sz="1700" kern="1200" dirty="0"/>
+            <a:rPr lang="en-US" sz="1700" kern="1200"/>
             <a:t>Size of the Dataset</a:t>
           </a:r>
         </a:p>
@@ -10537,7 +11027,6 @@
               <a:rPr lang="en-US"/>
               <a:t>Click to edit Master title style</a:t>
             </a:r>
-            <a:endParaRPr lang="en-US" dirty="0"/>
           </a:p>
         </p:txBody>
       </p:sp>
@@ -10602,7 +11091,6 @@
               <a:rPr lang="en-US"/>
               <a:t>Click to edit Master subtitle style</a:t>
             </a:r>
-            <a:endParaRPr lang="en-US" dirty="0"/>
           </a:p>
         </p:txBody>
       </p:sp>
@@ -10623,7 +11111,7 @@
           <a:p>
             <a:fld id="{846CE7D5-CF57-46EF-B807-FDD0502418D4}" type="datetimeFigureOut">
               <a:rPr lang="en-US" smtClean="0"/>
-              <a:t>12/5/2025</a:t>
+              <a:t>12/9/2025</a:t>
             </a:fld>
             <a:endParaRPr lang="en-US"/>
           </a:p>
@@ -10720,7 +11208,6 @@
               <a:rPr lang="en-US"/>
               <a:t>Click to edit Master title style</a:t>
             </a:r>
-            <a:endParaRPr lang="en-US" dirty="0"/>
           </a:p>
         </p:txBody>
       </p:sp>
@@ -10772,7 +11259,6 @@
               <a:rPr lang="en-US"/>
               <a:t>Fifth level</a:t>
             </a:r>
-            <a:endParaRPr lang="en-US" dirty="0"/>
           </a:p>
         </p:txBody>
       </p:sp>
@@ -10793,7 +11279,7 @@
           <a:p>
             <a:fld id="{846CE7D5-CF57-46EF-B807-FDD0502418D4}" type="datetimeFigureOut">
               <a:rPr lang="en-US" smtClean="0"/>
-              <a:t>12/5/2025</a:t>
+              <a:t>12/9/2025</a:t>
             </a:fld>
             <a:endParaRPr lang="en-US"/>
           </a:p>
@@ -10895,7 +11381,6 @@
               <a:rPr lang="en-US"/>
               <a:t>Click to edit Master title style</a:t>
             </a:r>
-            <a:endParaRPr lang="en-US" dirty="0"/>
           </a:p>
         </p:txBody>
       </p:sp>
@@ -10952,7 +11437,6 @@
               <a:rPr lang="en-US"/>
               <a:t>Fifth level</a:t>
             </a:r>
-            <a:endParaRPr lang="en-US" dirty="0"/>
           </a:p>
         </p:txBody>
       </p:sp>
@@ -10973,7 +11457,7 @@
           <a:p>
             <a:fld id="{846CE7D5-CF57-46EF-B807-FDD0502418D4}" type="datetimeFigureOut">
               <a:rPr lang="en-US" smtClean="0"/>
-              <a:t>12/5/2025</a:t>
+              <a:t>12/9/2025</a:t>
             </a:fld>
             <a:endParaRPr lang="en-US"/>
           </a:p>
@@ -11070,7 +11554,6 @@
               <a:rPr lang="en-US"/>
               <a:t>Click to edit Master title style</a:t>
             </a:r>
-            <a:endParaRPr lang="en-US" dirty="0"/>
           </a:p>
         </p:txBody>
       </p:sp>
@@ -11122,7 +11605,6 @@
               <a:rPr lang="en-US"/>
               <a:t>Fifth level</a:t>
             </a:r>
-            <a:endParaRPr lang="en-US" dirty="0"/>
           </a:p>
         </p:txBody>
       </p:sp>
@@ -11143,7 +11625,7 @@
           <a:p>
             <a:fld id="{846CE7D5-CF57-46EF-B807-FDD0502418D4}" type="datetimeFigureOut">
               <a:rPr lang="en-US" smtClean="0"/>
-              <a:t>12/5/2025</a:t>
+              <a:t>12/9/2025</a:t>
             </a:fld>
             <a:endParaRPr lang="en-US"/>
           </a:p>
@@ -11249,7 +11731,6 @@
               <a:rPr lang="en-US"/>
               <a:t>Click to edit Master title style</a:t>
             </a:r>
-            <a:endParaRPr lang="en-US" dirty="0"/>
           </a:p>
         </p:txBody>
       </p:sp>
@@ -11389,7 +11870,7 @@
           <a:p>
             <a:fld id="{846CE7D5-CF57-46EF-B807-FDD0502418D4}" type="datetimeFigureOut">
               <a:rPr lang="en-US" smtClean="0"/>
-              <a:t>12/5/2025</a:t>
+              <a:t>12/9/2025</a:t>
             </a:fld>
             <a:endParaRPr lang="en-US"/>
           </a:p>
@@ -11486,7 +11967,6 @@
               <a:rPr lang="en-US"/>
               <a:t>Click to edit Master title style</a:t>
             </a:r>
-            <a:endParaRPr lang="en-US" dirty="0"/>
           </a:p>
         </p:txBody>
       </p:sp>
@@ -11543,7 +12023,6 @@
               <a:rPr lang="en-US"/>
               <a:t>Fifth level</a:t>
             </a:r>
-            <a:endParaRPr lang="en-US" dirty="0"/>
           </a:p>
         </p:txBody>
       </p:sp>
@@ -11600,7 +12079,6 @@
               <a:rPr lang="en-US"/>
               <a:t>Fifth level</a:t>
             </a:r>
-            <a:endParaRPr lang="en-US" dirty="0"/>
           </a:p>
         </p:txBody>
       </p:sp>
@@ -11621,7 +12099,7 @@
           <a:p>
             <a:fld id="{846CE7D5-CF57-46EF-B807-FDD0502418D4}" type="datetimeFigureOut">
               <a:rPr lang="en-US" smtClean="0"/>
-              <a:t>12/5/2025</a:t>
+              <a:t>12/9/2025</a:t>
             </a:fld>
             <a:endParaRPr lang="en-US"/>
           </a:p>
@@ -11723,7 +12201,6 @@
               <a:rPr lang="en-US"/>
               <a:t>Click to edit Master title style</a:t>
             </a:r>
-            <a:endParaRPr lang="en-US" dirty="0"/>
           </a:p>
         </p:txBody>
       </p:sp>
@@ -11845,7 +12322,6 @@
               <a:rPr lang="en-US"/>
               <a:t>Fifth level</a:t>
             </a:r>
-            <a:endParaRPr lang="en-US" dirty="0"/>
           </a:p>
         </p:txBody>
       </p:sp>
@@ -11967,7 +12443,6 @@
               <a:rPr lang="en-US"/>
               <a:t>Fifth level</a:t>
             </a:r>
-            <a:endParaRPr lang="en-US" dirty="0"/>
           </a:p>
         </p:txBody>
       </p:sp>
@@ -11988,7 +12463,7 @@
           <a:p>
             <a:fld id="{846CE7D5-CF57-46EF-B807-FDD0502418D4}" type="datetimeFigureOut">
               <a:rPr lang="en-US" smtClean="0"/>
-              <a:t>12/5/2025</a:t>
+              <a:t>12/9/2025</a:t>
             </a:fld>
             <a:endParaRPr lang="en-US"/>
           </a:p>
@@ -12085,7 +12560,6 @@
               <a:rPr lang="en-US"/>
               <a:t>Click to edit Master title style</a:t>
             </a:r>
-            <a:endParaRPr lang="en-US" dirty="0"/>
           </a:p>
         </p:txBody>
       </p:sp>
@@ -12106,7 +12580,7 @@
           <a:p>
             <a:fld id="{846CE7D5-CF57-46EF-B807-FDD0502418D4}" type="datetimeFigureOut">
               <a:rPr lang="en-US" smtClean="0"/>
-              <a:t>12/5/2025</a:t>
+              <a:t>12/9/2025</a:t>
             </a:fld>
             <a:endParaRPr lang="en-US"/>
           </a:p>
@@ -12201,7 +12675,7 @@
           <a:p>
             <a:fld id="{846CE7D5-CF57-46EF-B807-FDD0502418D4}" type="datetimeFigureOut">
               <a:rPr lang="en-US" smtClean="0"/>
-              <a:t>12/5/2025</a:t>
+              <a:t>12/9/2025</a:t>
             </a:fld>
             <a:endParaRPr lang="en-US"/>
           </a:p>
@@ -12307,7 +12781,6 @@
               <a:rPr lang="en-US"/>
               <a:t>Click to edit Master title style</a:t>
             </a:r>
-            <a:endParaRPr lang="en-US" dirty="0"/>
           </a:p>
         </p:txBody>
       </p:sp>
@@ -12392,7 +12865,6 @@
               <a:rPr lang="en-US"/>
               <a:t>Fifth level</a:t>
             </a:r>
-            <a:endParaRPr lang="en-US" dirty="0"/>
           </a:p>
         </p:txBody>
       </p:sp>
@@ -12478,7 +12950,7 @@
           <a:p>
             <a:fld id="{846CE7D5-CF57-46EF-B807-FDD0502418D4}" type="datetimeFigureOut">
               <a:rPr lang="en-US" smtClean="0"/>
-              <a:t>12/5/2025</a:t>
+              <a:t>12/9/2025</a:t>
             </a:fld>
             <a:endParaRPr lang="en-US"/>
           </a:p>
@@ -12584,7 +13056,6 @@
               <a:rPr lang="en-US"/>
               <a:t>Click to edit Master title style</a:t>
             </a:r>
-            <a:endParaRPr lang="en-US" dirty="0"/>
           </a:p>
         </p:txBody>
       </p:sp>
@@ -12649,7 +13120,6 @@
               <a:rPr lang="en-US"/>
               <a:t>Click icon to add picture</a:t>
             </a:r>
-            <a:endParaRPr lang="en-US" dirty="0"/>
           </a:p>
         </p:txBody>
       </p:sp>
@@ -12735,7 +13205,7 @@
           <a:p>
             <a:fld id="{846CE7D5-CF57-46EF-B807-FDD0502418D4}" type="datetimeFigureOut">
               <a:rPr lang="en-US" smtClean="0"/>
-              <a:t>12/5/2025</a:t>
+              <a:t>12/9/2025</a:t>
             </a:fld>
             <a:endParaRPr lang="en-US"/>
           </a:p>
@@ -12847,7 +13317,6 @@
               <a:rPr lang="en-US"/>
               <a:t>Click to edit Master title style</a:t>
             </a:r>
-            <a:endParaRPr lang="en-US" dirty="0"/>
           </a:p>
         </p:txBody>
       </p:sp>
@@ -12909,7 +13378,6 @@
               <a:rPr lang="en-US"/>
               <a:t>Fifth level</a:t>
             </a:r>
-            <a:endParaRPr lang="en-US" dirty="0"/>
           </a:p>
         </p:txBody>
       </p:sp>
@@ -12948,7 +13416,7 @@
           <a:p>
             <a:fld id="{846CE7D5-CF57-46EF-B807-FDD0502418D4}" type="datetimeFigureOut">
               <a:rPr lang="en-US" smtClean="0"/>
-              <a:t>12/5/2025</a:t>
+              <a:t>12/9/2025</a:t>
             </a:fld>
             <a:endParaRPr lang="en-US"/>
           </a:p>
@@ -13513,7 +13981,7 @@
           <a:lstStyle/>
           <a:p>
             <a:r>
-              <a:rPr lang="en-US" dirty="0">
+              <a:rPr lang="en-US">
                 <a:solidFill>
                   <a:schemeClr val="bg1"/>
                 </a:solidFill>
@@ -13521,7 +13989,7 @@
               </a:rPr>
               <a:t>Sean Kelly X00221555| David Burgos X00229142 | Daniel Alonso X00226363</a:t>
             </a:r>
-            <a:endParaRPr lang="en-US" dirty="0">
+            <a:endParaRPr lang="en-US">
               <a:solidFill>
                 <a:schemeClr val="bg1"/>
               </a:solidFill>
@@ -18123,7 +18591,7 @@
           <a:lstStyle/>
           <a:p>
             <a:pPr algn="ctr"/>
-            <a:endParaRPr lang="en-US" dirty="0"/>
+            <a:endParaRPr lang="en-US"/>
           </a:p>
         </p:txBody>
       </p:sp>
@@ -18342,6 +18810,2731 @@
           <a:chExt cx="0" cy="0"/>
         </a:xfrm>
       </p:grpSpPr>
+      <p:sp useBgFill="1">
+        <p:nvSpPr>
+          <p:cNvPr id="33" name="Rectangle 32">
+            <a:extLst>
+              <a:ext uri="{FF2B5EF4-FFF2-40B4-BE49-F238E27FC236}">
+                <a16:creationId xmlns:a16="http://schemas.microsoft.com/office/drawing/2014/main" id="{2550BE34-C2B8-49B8-8519-67A8CAD51AE9}"/>
+              </a:ext>
+              <a:ext uri="{C183D7F6-B498-43B3-948B-1728B52AA6E4}">
+                <adec:decorative xmlns:adec="http://schemas.microsoft.com/office/drawing/2017/decorative" val="1"/>
+              </a:ext>
+            </a:extLst>
+          </p:cNvPr>
+          <p:cNvSpPr>
+            <a:spLocks noGrp="1" noRot="1" noChangeAspect="1" noMove="1" noResize="1" noEditPoints="1" noAdjustHandles="1" noChangeArrowheads="1" noChangeShapeType="1" noTextEdit="1"/>
+          </p:cNvSpPr>
+          <p:nvPr>
+            <p:extLst>
+              <p:ext uri="{386F3935-93C4-4BCD-93E2-E3B085C9AB24}">
+                <p16:designElem xmlns:p16="http://schemas.microsoft.com/office/powerpoint/2015/main" val="1"/>
+              </p:ext>
+            </p:extLst>
+          </p:nvPr>
+        </p:nvSpPr>
+        <p:spPr>
+          <a:xfrm>
+            <a:off x="0" y="0"/>
+            <a:ext cx="12192000" cy="6858000"/>
+          </a:xfrm>
+          <a:prstGeom prst="rect">
+            <a:avLst/>
+          </a:prstGeom>
+          <a:ln>
+            <a:noFill/>
+          </a:ln>
+        </p:spPr>
+        <p:style>
+          <a:lnRef idx="2">
+            <a:schemeClr val="accent1">
+              <a:shade val="50000"/>
+            </a:schemeClr>
+          </a:lnRef>
+          <a:fillRef idx="1">
+            <a:schemeClr val="accent1"/>
+          </a:fillRef>
+          <a:effectRef idx="0">
+            <a:schemeClr val="accent1"/>
+          </a:effectRef>
+          <a:fontRef idx="minor">
+            <a:schemeClr val="lt1"/>
+          </a:fontRef>
+        </p:style>
+        <p:txBody>
+          <a:bodyPr rtlCol="0" anchor="ctr"/>
+          <a:lstStyle/>
+          <a:p>
+            <a:pPr algn="ctr"/>
+            <a:endParaRPr lang="en-US"/>
+          </a:p>
+        </p:txBody>
+      </p:sp>
+      <p:sp useBgFill="1">
+        <p:nvSpPr>
+          <p:cNvPr id="34" name="Rectangle 33">
+            <a:extLst>
+              <a:ext uri="{FF2B5EF4-FFF2-40B4-BE49-F238E27FC236}">
+                <a16:creationId xmlns:a16="http://schemas.microsoft.com/office/drawing/2014/main" id="{A7457DD9-5A45-400A-AB4B-4B4EDECA25F1}"/>
+              </a:ext>
+              <a:ext uri="{C183D7F6-B498-43B3-948B-1728B52AA6E4}">
+                <adec:decorative xmlns:adec="http://schemas.microsoft.com/office/drawing/2017/decorative" val="1"/>
+              </a:ext>
+            </a:extLst>
+          </p:cNvPr>
+          <p:cNvSpPr>
+            <a:spLocks noGrp="1" noRot="1" noChangeAspect="1" noMove="1" noResize="1" noEditPoints="1" noAdjustHandles="1" noChangeArrowheads="1" noChangeShapeType="1" noTextEdit="1"/>
+          </p:cNvSpPr>
+          <p:nvPr>
+            <p:extLst>
+              <p:ext uri="{386F3935-93C4-4BCD-93E2-E3B085C9AB24}">
+                <p16:designElem xmlns:p16="http://schemas.microsoft.com/office/powerpoint/2015/main" val="1"/>
+              </p:ext>
+            </p:extLst>
+          </p:nvPr>
+        </p:nvSpPr>
+        <p:spPr>
+          <a:xfrm>
+            <a:off x="554416" y="365125"/>
+            <a:ext cx="11167447" cy="2089317"/>
+          </a:xfrm>
+          <a:prstGeom prst="rect">
+            <a:avLst/>
+          </a:prstGeom>
+          <a:ln w="12700">
+            <a:solidFill>
+              <a:srgbClr val="DEDEDE"/>
+            </a:solidFill>
+          </a:ln>
+          <a:effectLst>
+            <a:outerShdw blurRad="50800" dist="38100" dir="2700000" algn="tl" rotWithShape="0">
+              <a:schemeClr val="bg2">
+                <a:lumMod val="85000"/>
+                <a:alpha val="50000"/>
+              </a:schemeClr>
+            </a:outerShdw>
+          </a:effectLst>
+        </p:spPr>
+        <p:style>
+          <a:lnRef idx="2">
+            <a:schemeClr val="accent1">
+              <a:shade val="50000"/>
+            </a:schemeClr>
+          </a:lnRef>
+          <a:fillRef idx="1">
+            <a:schemeClr val="accent1"/>
+          </a:fillRef>
+          <a:effectRef idx="0">
+            <a:schemeClr val="accent1"/>
+          </a:effectRef>
+          <a:fontRef idx="minor">
+            <a:schemeClr val="lt1"/>
+          </a:fontRef>
+        </p:style>
+        <p:txBody>
+          <a:bodyPr rtlCol="0" anchor="ctr"/>
+          <a:lstStyle/>
+          <a:p>
+            <a:pPr marL="0" marR="0" lvl="0" indent="0" algn="ctr" defTabSz="914400" rtl="0" eaLnBrk="1" fontAlgn="auto" latinLnBrk="0" hangingPunct="1">
+              <a:lnSpc>
+                <a:spcPct val="100000"/>
+              </a:lnSpc>
+              <a:spcBef>
+                <a:spcPts val="0"/>
+              </a:spcBef>
+              <a:spcAft>
+                <a:spcPts val="0"/>
+              </a:spcAft>
+              <a:buClrTx/>
+              <a:buSzTx/>
+              <a:buFontTx/>
+              <a:buNone/>
+              <a:tabLst/>
+              <a:defRPr/>
+            </a:pPr>
+            <a:endParaRPr kumimoji="0" lang="en-US" sz="1800" b="0" i="0" u="none" strike="noStrike" kern="1200" cap="none" spc="0" normalizeH="0" baseline="0" noProof="0">
+              <a:ln>
+                <a:noFill/>
+              </a:ln>
+              <a:solidFill>
+                <a:prstClr val="white"/>
+              </a:solidFill>
+              <a:effectLst/>
+              <a:uLnTx/>
+              <a:uFillTx/>
+              <a:latin typeface="Calibri" panose="020F0502020204030204"/>
+              <a:ea typeface="+mn-ea"/>
+              <a:cs typeface="+mn-cs"/>
+            </a:endParaRPr>
+          </a:p>
+        </p:txBody>
+      </p:sp>
+      <p:sp>
+        <p:nvSpPr>
+          <p:cNvPr id="2" name="Title 1">
+            <a:extLst>
+              <a:ext uri="{FF2B5EF4-FFF2-40B4-BE49-F238E27FC236}">
+                <a16:creationId xmlns:a16="http://schemas.microsoft.com/office/drawing/2014/main" id="{465A6DBF-0ED0-FB21-0E91-AEE18C64B6F8}"/>
+              </a:ext>
+            </a:extLst>
+          </p:cNvPr>
+          <p:cNvSpPr>
+            <a:spLocks noGrp="1"/>
+          </p:cNvSpPr>
+          <p:nvPr>
+            <p:ph type="title"/>
+          </p:nvPr>
+        </p:nvSpPr>
+        <p:spPr>
+          <a:xfrm>
+            <a:off x="1046746" y="586822"/>
+            <a:ext cx="3560252" cy="1645920"/>
+          </a:xfrm>
+        </p:spPr>
+        <p:txBody>
+          <a:bodyPr>
+            <a:normAutofit/>
+          </a:bodyPr>
+          <a:lstStyle/>
+          <a:p>
+            <a:r>
+              <a:rPr lang="en-GB" sz="3200"/>
+              <a:t>Models Training</a:t>
+            </a:r>
+          </a:p>
+        </p:txBody>
+      </p:sp>
+      <p:sp>
+        <p:nvSpPr>
+          <p:cNvPr id="35" name="Rectangle 34">
+            <a:extLst>
+              <a:ext uri="{FF2B5EF4-FFF2-40B4-BE49-F238E27FC236}">
+                <a16:creationId xmlns:a16="http://schemas.microsoft.com/office/drawing/2014/main" id="{441CF7D6-A660-431A-B0BB-140A0D5556B6}"/>
+              </a:ext>
+              <a:ext uri="{C183D7F6-B498-43B3-948B-1728B52AA6E4}">
+                <adec:decorative xmlns:adec="http://schemas.microsoft.com/office/drawing/2017/decorative" val="1"/>
+              </a:ext>
+            </a:extLst>
+          </p:cNvPr>
+          <p:cNvSpPr>
+            <a:spLocks noGrp="1" noRot="1" noChangeAspect="1" noMove="1" noResize="1" noEditPoints="1" noAdjustHandles="1" noChangeArrowheads="1" noChangeShapeType="1" noTextEdit="1"/>
+          </p:cNvSpPr>
+          <p:nvPr>
+            <p:extLst>
+              <p:ext uri="{386F3935-93C4-4BCD-93E2-E3B085C9AB24}">
+                <p16:designElem xmlns:p16="http://schemas.microsoft.com/office/powerpoint/2015/main" val="1"/>
+              </p:ext>
+            </p:extLst>
+          </p:nvPr>
+        </p:nvSpPr>
+        <p:spPr>
+          <a:xfrm>
+            <a:off x="490408" y="1057739"/>
+            <a:ext cx="128016" cy="704088"/>
+          </a:xfrm>
+          <a:prstGeom prst="rect">
+            <a:avLst/>
+          </a:prstGeom>
+          <a:solidFill>
+            <a:schemeClr val="accent2"/>
+          </a:solidFill>
+          <a:ln>
+            <a:noFill/>
+          </a:ln>
+        </p:spPr>
+        <p:style>
+          <a:lnRef idx="2">
+            <a:schemeClr val="accent1">
+              <a:shade val="50000"/>
+            </a:schemeClr>
+          </a:lnRef>
+          <a:fillRef idx="1">
+            <a:schemeClr val="accent1"/>
+          </a:fillRef>
+          <a:effectRef idx="0">
+            <a:schemeClr val="accent1"/>
+          </a:effectRef>
+          <a:fontRef idx="minor">
+            <a:schemeClr val="lt1"/>
+          </a:fontRef>
+        </p:style>
+        <p:txBody>
+          <a:bodyPr rtlCol="0" anchor="ctr"/>
+          <a:lstStyle/>
+          <a:p>
+            <a:pPr algn="ctr"/>
+            <a:endParaRPr lang="en-US">
+              <a:solidFill>
+                <a:prstClr val="white"/>
+              </a:solidFill>
+              <a:latin typeface="Calibri" panose="020F0502020204030204"/>
+            </a:endParaRPr>
+          </a:p>
+        </p:txBody>
+      </p:sp>
+      <p:sp>
+        <p:nvSpPr>
+          <p:cNvPr id="36" name="Rectangle 35">
+            <a:extLst>
+              <a:ext uri="{FF2B5EF4-FFF2-40B4-BE49-F238E27FC236}">
+                <a16:creationId xmlns:a16="http://schemas.microsoft.com/office/drawing/2014/main" id="{0570A85B-3810-4F95-97B0-CBF4CCDB381C}"/>
+              </a:ext>
+              <a:ext uri="{C183D7F6-B498-43B3-948B-1728B52AA6E4}">
+                <adec:decorative xmlns:adec="http://schemas.microsoft.com/office/drawing/2017/decorative" val="1"/>
+              </a:ext>
+            </a:extLst>
+          </p:cNvPr>
+          <p:cNvSpPr>
+            <a:spLocks noGrp="1" noRot="1" noChangeAspect="1" noMove="1" noResize="1" noEditPoints="1" noAdjustHandles="1" noChangeArrowheads="1" noChangeShapeType="1" noTextEdit="1"/>
+          </p:cNvSpPr>
+          <p:nvPr>
+            <p:extLst>
+              <p:ext uri="{386F3935-93C4-4BCD-93E2-E3B085C9AB24}">
+                <p16:designElem xmlns:p16="http://schemas.microsoft.com/office/powerpoint/2015/main" val="1"/>
+              </p:ext>
+            </p:extLst>
+          </p:nvPr>
+        </p:nvSpPr>
+        <p:spPr>
+          <a:xfrm rot="5400000">
+            <a:off x="4243541" y="1400638"/>
+            <a:ext cx="1463040" cy="18288"/>
+          </a:xfrm>
+          <a:prstGeom prst="rect">
+            <a:avLst/>
+          </a:prstGeom>
+          <a:solidFill>
+            <a:srgbClr val="D5D5D5"/>
+          </a:solidFill>
+          <a:ln w="3175">
+            <a:noFill/>
+          </a:ln>
+          <a:effectLst/>
+        </p:spPr>
+        <p:style>
+          <a:lnRef idx="2">
+            <a:schemeClr val="accent1">
+              <a:shade val="50000"/>
+            </a:schemeClr>
+          </a:lnRef>
+          <a:fillRef idx="1">
+            <a:schemeClr val="accent1"/>
+          </a:fillRef>
+          <a:effectRef idx="0">
+            <a:schemeClr val="accent1"/>
+          </a:effectRef>
+          <a:fontRef idx="minor">
+            <a:schemeClr val="lt1"/>
+          </a:fontRef>
+        </p:style>
+        <p:txBody>
+          <a:bodyPr rtlCol="0" anchor="ctr"/>
+          <a:lstStyle/>
+          <a:p>
+            <a:pPr algn="ctr"/>
+            <a:endParaRPr lang="en-US">
+              <a:solidFill>
+                <a:prstClr val="white"/>
+              </a:solidFill>
+              <a:latin typeface="Calibri" panose="020F0502020204030204"/>
+            </a:endParaRPr>
+          </a:p>
+        </p:txBody>
+      </p:sp>
+      <p:sp>
+        <p:nvSpPr>
+          <p:cNvPr id="3" name="Content Placeholder 2">
+            <a:extLst>
+              <a:ext uri="{FF2B5EF4-FFF2-40B4-BE49-F238E27FC236}">
+                <a16:creationId xmlns:a16="http://schemas.microsoft.com/office/drawing/2014/main" id="{16323EC7-6935-D56A-0541-E788C7D8825F}"/>
+              </a:ext>
+            </a:extLst>
+          </p:cNvPr>
+          <p:cNvSpPr>
+            <a:spLocks noGrp="1"/>
+          </p:cNvSpPr>
+          <p:nvPr>
+            <p:ph idx="1"/>
+          </p:nvPr>
+        </p:nvSpPr>
+        <p:spPr>
+          <a:xfrm>
+            <a:off x="5351164" y="586822"/>
+            <a:ext cx="6002636" cy="1645920"/>
+          </a:xfrm>
+        </p:spPr>
+        <p:txBody>
+          <a:bodyPr vert="horz" lIns="91440" tIns="45720" rIns="91440" bIns="45720" rtlCol="0" anchor="ctr">
+            <a:normAutofit/>
+          </a:bodyPr>
+          <a:lstStyle/>
+          <a:p>
+            <a:r>
+              <a:rPr lang="en-GB" sz="1800">
+                <a:ea typeface="+mn-lt"/>
+                <a:cs typeface="+mn-lt"/>
+              </a:rPr>
+              <a:t>To keep the price precise, we classify the watches in terms of the price with a simple function. It will also allow us to train classification models.</a:t>
+            </a:r>
+          </a:p>
+          <a:p>
+            <a:endParaRPr lang="en-GB" sz="1800"/>
+          </a:p>
+        </p:txBody>
+      </p:sp>
+      <p:pic>
+        <p:nvPicPr>
+          <p:cNvPr id="4" name="Picture 3" descr="A screenshot of a computer&#10;&#10;AI-generated content may be incorrect.">
+            <a:extLst>
+              <a:ext uri="{FF2B5EF4-FFF2-40B4-BE49-F238E27FC236}">
+                <a16:creationId xmlns:a16="http://schemas.microsoft.com/office/drawing/2014/main" id="{F7D504C6-F406-7539-C40A-B5BE485F059B}"/>
+              </a:ext>
+            </a:extLst>
+          </p:cNvPr>
+          <p:cNvPicPr>
+            <a:picLocks noChangeAspect="1"/>
+          </p:cNvPicPr>
+          <p:nvPr/>
+        </p:nvPicPr>
+        <p:blipFill>
+          <a:blip r:embed="rId2"/>
+          <a:stretch>
+            <a:fillRect/>
+          </a:stretch>
+        </p:blipFill>
+        <p:spPr>
+          <a:xfrm>
+            <a:off x="557784" y="3457198"/>
+            <a:ext cx="11164824" cy="2037580"/>
+          </a:xfrm>
+          <a:prstGeom prst="rect">
+            <a:avLst/>
+          </a:prstGeom>
+        </p:spPr>
+      </p:pic>
+    </p:spTree>
+    <p:extLst>
+      <p:ext uri="{BB962C8B-B14F-4D97-AF65-F5344CB8AC3E}">
+        <p14:creationId xmlns:p14="http://schemas.microsoft.com/office/powerpoint/2010/main" val="864951642"/>
+      </p:ext>
+    </p:extLst>
+  </p:cSld>
+  <p:clrMapOvr>
+    <a:masterClrMapping/>
+  </p:clrMapOvr>
+</p:sld>
+</file>
+
+<file path=ppt/slides/slide13.xml><?xml version="1.0" encoding="utf-8"?>
+<p:sld xmlns:a="http://schemas.openxmlformats.org/drawingml/2006/main" xmlns:r="http://schemas.openxmlformats.org/officeDocument/2006/relationships" xmlns:p="http://schemas.openxmlformats.org/presentationml/2006/main">
+  <p:cSld>
+    <p:bg>
+      <p:bgPr>
+        <a:solidFill>
+          <a:schemeClr val="bg1"/>
+        </a:solidFill>
+        <a:effectLst/>
+      </p:bgPr>
+    </p:bg>
+    <p:spTree>
+      <p:nvGrpSpPr>
+        <p:cNvPr id="1" name=""/>
+        <p:cNvGrpSpPr/>
+        <p:nvPr/>
+      </p:nvGrpSpPr>
+      <p:grpSpPr>
+        <a:xfrm>
+          <a:off x="0" y="0"/>
+          <a:ext cx="0" cy="0"/>
+          <a:chOff x="0" y="0"/>
+          <a:chExt cx="0" cy="0"/>
+        </a:xfrm>
+      </p:grpSpPr>
+      <p:sp useBgFill="1">
+        <p:nvSpPr>
+          <p:cNvPr id="39" name="Rectangle 38">
+            <a:extLst>
+              <a:ext uri="{FF2B5EF4-FFF2-40B4-BE49-F238E27FC236}">
+                <a16:creationId xmlns:a16="http://schemas.microsoft.com/office/drawing/2014/main" id="{7E6D2D34-4BB4-460B-8844-027610FB21F5}"/>
+              </a:ext>
+              <a:ext uri="{C183D7F6-B498-43B3-948B-1728B52AA6E4}">
+                <adec:decorative xmlns:adec="http://schemas.microsoft.com/office/drawing/2017/decorative" val="1"/>
+              </a:ext>
+            </a:extLst>
+          </p:cNvPr>
+          <p:cNvSpPr>
+            <a:spLocks noGrp="1" noRot="1" noChangeAspect="1" noMove="1" noResize="1" noEditPoints="1" noAdjustHandles="1" noChangeArrowheads="1" noChangeShapeType="1" noTextEdit="1"/>
+          </p:cNvSpPr>
+          <p:nvPr>
+            <p:extLst>
+              <p:ext uri="{386F3935-93C4-4BCD-93E2-E3B085C9AB24}">
+                <p16:designElem xmlns:p16="http://schemas.microsoft.com/office/powerpoint/2015/main" val="1"/>
+              </p:ext>
+            </p:extLst>
+          </p:nvPr>
+        </p:nvSpPr>
+        <p:spPr>
+          <a:xfrm>
+            <a:off x="0" y="0"/>
+            <a:ext cx="12191695" cy="6858000"/>
+          </a:xfrm>
+          <a:prstGeom prst="rect">
+            <a:avLst/>
+          </a:prstGeom>
+          <a:ln>
+            <a:noFill/>
+          </a:ln>
+        </p:spPr>
+        <p:style>
+          <a:lnRef idx="2">
+            <a:schemeClr val="accent1">
+              <a:shade val="50000"/>
+            </a:schemeClr>
+          </a:lnRef>
+          <a:fillRef idx="1">
+            <a:schemeClr val="accent1"/>
+          </a:fillRef>
+          <a:effectRef idx="0">
+            <a:schemeClr val="accent1"/>
+          </a:effectRef>
+          <a:fontRef idx="minor">
+            <a:schemeClr val="lt1"/>
+          </a:fontRef>
+        </p:style>
+        <p:txBody>
+          <a:bodyPr rtlCol="0" anchor="ctr"/>
+          <a:lstStyle/>
+          <a:p>
+            <a:pPr algn="ctr"/>
+            <a:endParaRPr lang="en-US"/>
+          </a:p>
+        </p:txBody>
+      </p:sp>
+      <p:sp>
+        <p:nvSpPr>
+          <p:cNvPr id="2" name="Title 1">
+            <a:extLst>
+              <a:ext uri="{FF2B5EF4-FFF2-40B4-BE49-F238E27FC236}">
+                <a16:creationId xmlns:a16="http://schemas.microsoft.com/office/drawing/2014/main" id="{75C1124A-411A-BD46-6CF3-45770B1922DE}"/>
+              </a:ext>
+            </a:extLst>
+          </p:cNvPr>
+          <p:cNvSpPr>
+            <a:spLocks noGrp="1"/>
+          </p:cNvSpPr>
+          <p:nvPr>
+            <p:ph type="title"/>
+          </p:nvPr>
+        </p:nvSpPr>
+        <p:spPr>
+          <a:xfrm>
+            <a:off x="7185619" y="720577"/>
+            <a:ext cx="4977976" cy="1455996"/>
+          </a:xfrm>
+        </p:spPr>
+        <p:txBody>
+          <a:bodyPr anchor="b">
+            <a:normAutofit/>
+          </a:bodyPr>
+          <a:lstStyle/>
+          <a:p>
+            <a:r>
+              <a:rPr lang="en-GB" sz="3600">
+                <a:solidFill>
+                  <a:schemeClr val="tx2"/>
+                </a:solidFill>
+              </a:rPr>
+              <a:t>Models Training</a:t>
+            </a:r>
+          </a:p>
+        </p:txBody>
+      </p:sp>
+      <p:pic>
+        <p:nvPicPr>
+          <p:cNvPr id="8" name="Picture 7" descr="A screen shot of a computer program&#10;&#10;AI-generated content may be incorrect.">
+            <a:extLst>
+              <a:ext uri="{FF2B5EF4-FFF2-40B4-BE49-F238E27FC236}">
+                <a16:creationId xmlns:a16="http://schemas.microsoft.com/office/drawing/2014/main" id="{DC28CA0B-16DC-39FA-8EB4-BC4FEEF670A4}"/>
+              </a:ext>
+            </a:extLst>
+          </p:cNvPr>
+          <p:cNvPicPr>
+            <a:picLocks noChangeAspect="1"/>
+          </p:cNvPicPr>
+          <p:nvPr/>
+        </p:nvPicPr>
+        <p:blipFill>
+          <a:blip r:embed="rId2"/>
+          <a:stretch>
+            <a:fillRect/>
+          </a:stretch>
+        </p:blipFill>
+        <p:spPr>
+          <a:xfrm>
+            <a:off x="495454" y="1087424"/>
+            <a:ext cx="5603365" cy="1894883"/>
+          </a:xfrm>
+          <a:prstGeom prst="rect">
+            <a:avLst/>
+          </a:prstGeom>
+        </p:spPr>
+      </p:pic>
+      <p:grpSp>
+        <p:nvGrpSpPr>
+          <p:cNvPr id="40" name="Group 39">
+            <a:extLst>
+              <a:ext uri="{FF2B5EF4-FFF2-40B4-BE49-F238E27FC236}">
+                <a16:creationId xmlns:a16="http://schemas.microsoft.com/office/drawing/2014/main" id="{C5314570-9B06-4D37-8CBD-EDD67C2FA205}"/>
+              </a:ext>
+              <a:ext uri="{C183D7F6-B498-43B3-948B-1728B52AA6E4}">
+                <adec:decorative xmlns:adec="http://schemas.microsoft.com/office/drawing/2017/decorative" val="1"/>
+              </a:ext>
+            </a:extLst>
+          </p:cNvPr>
+          <p:cNvGrpSpPr>
+            <a:grpSpLocks noGrp="1" noUngrp="1" noRot="1" noChangeAspect="1" noMove="1" noResize="1"/>
+          </p:cNvGrpSpPr>
+          <p:nvPr>
+            <p:extLst>
+              <p:ext uri="{386F3935-93C4-4BCD-93E2-E3B085C9AB24}">
+                <p16:designElem xmlns:p16="http://schemas.microsoft.com/office/powerpoint/2015/main" val="1"/>
+              </p:ext>
+            </p:extLst>
+          </p:nvPr>
+        </p:nvGrpSpPr>
+        <p:grpSpPr>
+          <a:xfrm flipH="1">
+            <a:off x="9676747" y="-4155"/>
+            <a:ext cx="2514948" cy="2174333"/>
+            <a:chOff x="-305" y="-4155"/>
+            <a:chExt cx="2514948" cy="2174333"/>
+          </a:xfrm>
+        </p:grpSpPr>
+        <p:sp>
+          <p:nvSpPr>
+            <p:cNvPr id="34" name="Freeform: Shape 33">
+              <a:extLst>
+                <a:ext uri="{FF2B5EF4-FFF2-40B4-BE49-F238E27FC236}">
+                  <a16:creationId xmlns:a16="http://schemas.microsoft.com/office/drawing/2014/main" id="{A204F55B-358D-4FB5-9979-6724C6415414}"/>
+                </a:ext>
+                <a:ext uri="{C183D7F6-B498-43B3-948B-1728B52AA6E4}">
+                  <adec:decorative xmlns:adec="http://schemas.microsoft.com/office/drawing/2017/decorative" val="1"/>
+                </a:ext>
+              </a:extLst>
+            </p:cNvPr>
+            <p:cNvSpPr/>
+            <p:nvPr>
+              <p:extLst>
+                <p:ext uri="{386F3935-93C4-4BCD-93E2-E3B085C9AB24}">
+                  <p16:designElem xmlns:p16="http://schemas.microsoft.com/office/powerpoint/2015/main" val="1"/>
+                </p:ext>
+              </p:extLst>
+            </p:nvPr>
+          </p:nvSpPr>
+          <p:spPr>
+            <a:xfrm>
+              <a:off x="-305" y="0"/>
+              <a:ext cx="2514948" cy="2170178"/>
+            </a:xfrm>
+            <a:custGeom>
+              <a:avLst/>
+              <a:gdLst>
+                <a:gd name="connsiteX0" fmla="*/ 2466091 w 2514948"/>
+                <a:gd name="connsiteY0" fmla="*/ 0 h 2170178"/>
+                <a:gd name="connsiteX1" fmla="*/ 2514948 w 2514948"/>
+                <a:gd name="connsiteY1" fmla="*/ 0 h 2170178"/>
+                <a:gd name="connsiteX2" fmla="*/ 2512286 w 2514948"/>
+                <a:gd name="connsiteY2" fmla="*/ 12375 h 2170178"/>
+                <a:gd name="connsiteX3" fmla="*/ 2394961 w 2514948"/>
+                <a:gd name="connsiteY3" fmla="*/ 368660 h 2170178"/>
+                <a:gd name="connsiteX4" fmla="*/ 2289734 w 2514948"/>
+                <a:gd name="connsiteY4" fmla="*/ 598078 h 2170178"/>
+                <a:gd name="connsiteX5" fmla="*/ 2163747 w 2514948"/>
+                <a:gd name="connsiteY5" fmla="*/ 819078 h 2170178"/>
+                <a:gd name="connsiteX6" fmla="*/ 1852241 w 2514948"/>
+                <a:gd name="connsiteY6" fmla="*/ 1228932 h 2170178"/>
+                <a:gd name="connsiteX7" fmla="*/ 1668235 w 2514948"/>
+                <a:gd name="connsiteY7" fmla="*/ 1413844 h 2170178"/>
+                <a:gd name="connsiteX8" fmla="*/ 1619510 w 2514948"/>
+                <a:gd name="connsiteY8" fmla="*/ 1457722 h 2170178"/>
+                <a:gd name="connsiteX9" fmla="*/ 1569835 w 2514948"/>
+                <a:gd name="connsiteY9" fmla="*/ 1500704 h 2170178"/>
+                <a:gd name="connsiteX10" fmla="*/ 1467169 w 2514948"/>
+                <a:gd name="connsiteY10" fmla="*/ 1583266 h 2170178"/>
+                <a:gd name="connsiteX11" fmla="*/ 1018393 w 2514948"/>
+                <a:gd name="connsiteY11" fmla="*/ 1867576 h 2170178"/>
+                <a:gd name="connsiteX12" fmla="*/ 255857 w 2514948"/>
+                <a:gd name="connsiteY12" fmla="*/ 2133049 h 2170178"/>
+                <a:gd name="connsiteX13" fmla="*/ 0 w 2514948"/>
+                <a:gd name="connsiteY13" fmla="*/ 2170178 h 2170178"/>
+                <a:gd name="connsiteX14" fmla="*/ 0 w 2514948"/>
+                <a:gd name="connsiteY14" fmla="*/ 1940056 h 2170178"/>
+                <a:gd name="connsiteX15" fmla="*/ 201609 w 2514948"/>
+                <a:gd name="connsiteY15" fmla="*/ 1902856 h 2170178"/>
+                <a:gd name="connsiteX16" fmla="*/ 440974 w 2514948"/>
+                <a:gd name="connsiteY16" fmla="*/ 1838472 h 2170178"/>
+                <a:gd name="connsiteX17" fmla="*/ 674558 w 2514948"/>
+                <a:gd name="connsiteY17" fmla="*/ 1756359 h 2170178"/>
+                <a:gd name="connsiteX18" fmla="*/ 901222 w 2514948"/>
+                <a:gd name="connsiteY18" fmla="*/ 1657142 h 2170178"/>
+                <a:gd name="connsiteX19" fmla="*/ 1330943 w 2514948"/>
+                <a:gd name="connsiteY19" fmla="*/ 1413396 h 2170178"/>
+                <a:gd name="connsiteX20" fmla="*/ 1432566 w 2514948"/>
+                <a:gd name="connsiteY20" fmla="*/ 1343193 h 2170178"/>
+                <a:gd name="connsiteX21" fmla="*/ 1482527 w 2514948"/>
+                <a:gd name="connsiteY21" fmla="*/ 1306926 h 2170178"/>
+                <a:gd name="connsiteX22" fmla="*/ 1531821 w 2514948"/>
+                <a:gd name="connsiteY22" fmla="*/ 1269765 h 2170178"/>
+                <a:gd name="connsiteX23" fmla="*/ 1721986 w 2514948"/>
+                <a:gd name="connsiteY23" fmla="*/ 1112073 h 2170178"/>
+                <a:gd name="connsiteX24" fmla="*/ 2061460 w 2514948"/>
+                <a:gd name="connsiteY24" fmla="*/ 754336 h 2170178"/>
+                <a:gd name="connsiteX25" fmla="*/ 2206218 w 2514948"/>
+                <a:gd name="connsiteY25" fmla="*/ 554827 h 2170178"/>
+                <a:gd name="connsiteX26" fmla="*/ 2329455 w 2514948"/>
+                <a:gd name="connsiteY26" fmla="*/ 341886 h 2170178"/>
+                <a:gd name="connsiteX27" fmla="*/ 2356757 w 2514948"/>
+                <a:gd name="connsiteY27" fmla="*/ 286815 h 2170178"/>
+                <a:gd name="connsiteX28" fmla="*/ 2370030 w 2514948"/>
+                <a:gd name="connsiteY28" fmla="*/ 259056 h 2170178"/>
+                <a:gd name="connsiteX29" fmla="*/ 2382637 w 2514948"/>
+                <a:gd name="connsiteY29" fmla="*/ 231028 h 2170178"/>
+                <a:gd name="connsiteX30" fmla="*/ 2406716 w 2514948"/>
+                <a:gd name="connsiteY30" fmla="*/ 174525 h 2170178"/>
+                <a:gd name="connsiteX31" fmla="*/ 2429278 w 2514948"/>
+                <a:gd name="connsiteY31" fmla="*/ 117393 h 2170178"/>
+              </a:gdLst>
+              <a:ahLst/>
+              <a:cxnLst>
+                <a:cxn ang="0">
+                  <a:pos x="connsiteX0" y="connsiteY0"/>
+                </a:cxn>
+                <a:cxn ang="0">
+                  <a:pos x="connsiteX1" y="connsiteY1"/>
+                </a:cxn>
+                <a:cxn ang="0">
+                  <a:pos x="connsiteX2" y="connsiteY2"/>
+                </a:cxn>
+                <a:cxn ang="0">
+                  <a:pos x="connsiteX3" y="connsiteY3"/>
+                </a:cxn>
+                <a:cxn ang="0">
+                  <a:pos x="connsiteX4" y="connsiteY4"/>
+                </a:cxn>
+                <a:cxn ang="0">
+                  <a:pos x="connsiteX5" y="connsiteY5"/>
+                </a:cxn>
+                <a:cxn ang="0">
+                  <a:pos x="connsiteX6" y="connsiteY6"/>
+                </a:cxn>
+                <a:cxn ang="0">
+                  <a:pos x="connsiteX7" y="connsiteY7"/>
+                </a:cxn>
+                <a:cxn ang="0">
+                  <a:pos x="connsiteX8" y="connsiteY8"/>
+                </a:cxn>
+                <a:cxn ang="0">
+                  <a:pos x="connsiteX9" y="connsiteY9"/>
+                </a:cxn>
+                <a:cxn ang="0">
+                  <a:pos x="connsiteX10" y="connsiteY10"/>
+                </a:cxn>
+                <a:cxn ang="0">
+                  <a:pos x="connsiteX11" y="connsiteY11"/>
+                </a:cxn>
+                <a:cxn ang="0">
+                  <a:pos x="connsiteX12" y="connsiteY12"/>
+                </a:cxn>
+                <a:cxn ang="0">
+                  <a:pos x="connsiteX13" y="connsiteY13"/>
+                </a:cxn>
+                <a:cxn ang="0">
+                  <a:pos x="connsiteX14" y="connsiteY14"/>
+                </a:cxn>
+                <a:cxn ang="0">
+                  <a:pos x="connsiteX15" y="connsiteY15"/>
+                </a:cxn>
+                <a:cxn ang="0">
+                  <a:pos x="connsiteX16" y="connsiteY16"/>
+                </a:cxn>
+                <a:cxn ang="0">
+                  <a:pos x="connsiteX17" y="connsiteY17"/>
+                </a:cxn>
+                <a:cxn ang="0">
+                  <a:pos x="connsiteX18" y="connsiteY18"/>
+                </a:cxn>
+                <a:cxn ang="0">
+                  <a:pos x="connsiteX19" y="connsiteY19"/>
+                </a:cxn>
+                <a:cxn ang="0">
+                  <a:pos x="connsiteX20" y="connsiteY20"/>
+                </a:cxn>
+                <a:cxn ang="0">
+                  <a:pos x="connsiteX21" y="connsiteY21"/>
+                </a:cxn>
+                <a:cxn ang="0">
+                  <a:pos x="connsiteX22" y="connsiteY22"/>
+                </a:cxn>
+                <a:cxn ang="0">
+                  <a:pos x="connsiteX23" y="connsiteY23"/>
+                </a:cxn>
+                <a:cxn ang="0">
+                  <a:pos x="connsiteX24" y="connsiteY24"/>
+                </a:cxn>
+                <a:cxn ang="0">
+                  <a:pos x="connsiteX25" y="connsiteY25"/>
+                </a:cxn>
+                <a:cxn ang="0">
+                  <a:pos x="connsiteX26" y="connsiteY26"/>
+                </a:cxn>
+                <a:cxn ang="0">
+                  <a:pos x="connsiteX27" y="connsiteY27"/>
+                </a:cxn>
+                <a:cxn ang="0">
+                  <a:pos x="connsiteX28" y="connsiteY28"/>
+                </a:cxn>
+                <a:cxn ang="0">
+                  <a:pos x="connsiteX29" y="connsiteY29"/>
+                </a:cxn>
+                <a:cxn ang="0">
+                  <a:pos x="connsiteX30" y="connsiteY30"/>
+                </a:cxn>
+                <a:cxn ang="0">
+                  <a:pos x="connsiteX31" y="connsiteY31"/>
+                </a:cxn>
+              </a:cxnLst>
+              <a:rect l="l" t="t" r="r" b="b"/>
+              <a:pathLst>
+                <a:path w="2514948" h="2170178">
+                  <a:moveTo>
+                    <a:pt x="2466091" y="0"/>
+                  </a:moveTo>
+                  <a:lnTo>
+                    <a:pt x="2514948" y="0"/>
+                  </a:lnTo>
+                  <a:lnTo>
+                    <a:pt x="2512286" y="12375"/>
+                  </a:lnTo>
+                  <a:cubicBezTo>
+                    <a:pt x="2481760" y="133161"/>
+                    <a:pt x="2442526" y="252239"/>
+                    <a:pt x="2394961" y="368660"/>
+                  </a:cubicBezTo>
+                  <a:cubicBezTo>
+                    <a:pt x="2363109" y="446208"/>
+                    <a:pt x="2328603" y="523039"/>
+                    <a:pt x="2289734" y="598078"/>
+                  </a:cubicBezTo>
+                  <a:cubicBezTo>
+                    <a:pt x="2251436" y="673387"/>
+                    <a:pt x="2209251" y="747083"/>
+                    <a:pt x="2163747" y="819078"/>
+                  </a:cubicBezTo>
+                  <a:cubicBezTo>
+                    <a:pt x="2072646" y="962979"/>
+                    <a:pt x="1968652" y="1100611"/>
+                    <a:pt x="1852241" y="1228932"/>
+                  </a:cubicBezTo>
+                  <a:cubicBezTo>
+                    <a:pt x="1793748" y="1292868"/>
+                    <a:pt x="1732698" y="1354923"/>
+                    <a:pt x="1668235" y="1413844"/>
+                  </a:cubicBezTo>
+                  <a:cubicBezTo>
+                    <a:pt x="1652214" y="1428709"/>
+                    <a:pt x="1636100" y="1443395"/>
+                    <a:pt x="1619510" y="1457722"/>
+                  </a:cubicBezTo>
+                  <a:cubicBezTo>
+                    <a:pt x="1603015" y="1472140"/>
+                    <a:pt x="1586805" y="1486825"/>
+                    <a:pt x="1569835" y="1500704"/>
+                  </a:cubicBezTo>
+                  <a:cubicBezTo>
+                    <a:pt x="1536276" y="1528911"/>
+                    <a:pt x="1501865" y="1556223"/>
+                    <a:pt x="1467169" y="1583266"/>
+                  </a:cubicBezTo>
+                  <a:cubicBezTo>
+                    <a:pt x="1327719" y="1690722"/>
+                    <a:pt x="1177085" y="1785910"/>
+                    <a:pt x="1018393" y="1867576"/>
+                  </a:cubicBezTo>
+                  <a:cubicBezTo>
+                    <a:pt x="780425" y="1990142"/>
+                    <a:pt x="522567" y="2080875"/>
+                    <a:pt x="255857" y="2133049"/>
+                  </a:cubicBezTo>
+                  <a:lnTo>
+                    <a:pt x="0" y="2170178"/>
+                  </a:lnTo>
+                  <a:lnTo>
+                    <a:pt x="0" y="1940056"/>
+                  </a:lnTo>
+                  <a:lnTo>
+                    <a:pt x="201609" y="1902856"/>
+                  </a:lnTo>
+                  <a:cubicBezTo>
+                    <a:pt x="282186" y="1884231"/>
+                    <a:pt x="362102" y="1863008"/>
+                    <a:pt x="440974" y="1838472"/>
+                  </a:cubicBezTo>
+                  <a:cubicBezTo>
+                    <a:pt x="519848" y="1814027"/>
+                    <a:pt x="597771" y="1786627"/>
+                    <a:pt x="674558" y="1756359"/>
+                  </a:cubicBezTo>
+                  <a:cubicBezTo>
+                    <a:pt x="751250" y="1726003"/>
+                    <a:pt x="826900" y="1692870"/>
+                    <a:pt x="901222" y="1657142"/>
+                  </a:cubicBezTo>
+                  <a:cubicBezTo>
+                    <a:pt x="1049865" y="1585774"/>
+                    <a:pt x="1193581" y="1504376"/>
+                    <a:pt x="1330943" y="1413396"/>
+                  </a:cubicBezTo>
+                  <a:cubicBezTo>
+                    <a:pt x="1365165" y="1390563"/>
+                    <a:pt x="1399293" y="1367370"/>
+                    <a:pt x="1432566" y="1343193"/>
+                  </a:cubicBezTo>
+                  <a:cubicBezTo>
+                    <a:pt x="1449441" y="1331373"/>
+                    <a:pt x="1465936" y="1319104"/>
+                    <a:pt x="1482527" y="1306926"/>
+                  </a:cubicBezTo>
+                  <a:cubicBezTo>
+                    <a:pt x="1499210" y="1294837"/>
+                    <a:pt x="1515611" y="1282391"/>
+                    <a:pt x="1531821" y="1269765"/>
+                  </a:cubicBezTo>
+                  <a:cubicBezTo>
+                    <a:pt x="1596947" y="1219350"/>
+                    <a:pt x="1660652" y="1167055"/>
+                    <a:pt x="1721986" y="1112073"/>
+                  </a:cubicBezTo>
+                  <a:cubicBezTo>
+                    <a:pt x="1844940" y="1002469"/>
+                    <a:pt x="1958983" y="882926"/>
+                    <a:pt x="2061460" y="754336"/>
+                  </a:cubicBezTo>
+                  <a:cubicBezTo>
+                    <a:pt x="2112652" y="690042"/>
+                    <a:pt x="2161094" y="623510"/>
+                    <a:pt x="2206218" y="554827"/>
+                  </a:cubicBezTo>
+                  <a:cubicBezTo>
+                    <a:pt x="2250583" y="485787"/>
+                    <a:pt x="2292484" y="415046"/>
+                    <a:pt x="2329455" y="341886"/>
+                  </a:cubicBezTo>
+                  <a:cubicBezTo>
+                    <a:pt x="2339030" y="323709"/>
+                    <a:pt x="2347941" y="305261"/>
+                    <a:pt x="2356757" y="286815"/>
+                  </a:cubicBezTo>
+                  <a:lnTo>
+                    <a:pt x="2370030" y="259056"/>
+                  </a:lnTo>
+                  <a:lnTo>
+                    <a:pt x="2382637" y="231028"/>
+                  </a:lnTo>
+                  <a:cubicBezTo>
+                    <a:pt x="2390885" y="212312"/>
+                    <a:pt x="2399227" y="193598"/>
+                    <a:pt x="2406716" y="174525"/>
+                  </a:cubicBezTo>
+                  <a:cubicBezTo>
+                    <a:pt x="2414206" y="155452"/>
+                    <a:pt x="2422453" y="136646"/>
+                    <a:pt x="2429278" y="117393"/>
+                  </a:cubicBezTo>
+                  <a:close/>
+                </a:path>
+              </a:pathLst>
+            </a:custGeom>
+            <a:gradFill>
+              <a:gsLst>
+                <a:gs pos="2000">
+                  <a:schemeClr val="bg1">
+                    <a:alpha val="10000"/>
+                  </a:schemeClr>
+                </a:gs>
+                <a:gs pos="16000">
+                  <a:schemeClr val="accent6">
+                    <a:alpha val="10000"/>
+                  </a:schemeClr>
+                </a:gs>
+                <a:gs pos="100000">
+                  <a:schemeClr val="bg1">
+                    <a:alpha val="10000"/>
+                  </a:schemeClr>
+                </a:gs>
+                <a:gs pos="85000">
+                  <a:schemeClr val="accent1">
+                    <a:alpha val="10000"/>
+                  </a:schemeClr>
+                </a:gs>
+              </a:gsLst>
+              <a:lin ang="12000000" scaled="0"/>
+            </a:gradFill>
+            <a:ln>
+              <a:noFill/>
+            </a:ln>
+          </p:spPr>
+          <p:style>
+            <a:lnRef idx="2">
+              <a:schemeClr val="accent1">
+                <a:shade val="50000"/>
+              </a:schemeClr>
+            </a:lnRef>
+            <a:fillRef idx="1">
+              <a:schemeClr val="accent1"/>
+            </a:fillRef>
+            <a:effectRef idx="0">
+              <a:schemeClr val="accent1"/>
+            </a:effectRef>
+            <a:fontRef idx="minor">
+              <a:schemeClr val="lt1"/>
+            </a:fontRef>
+          </p:style>
+          <p:txBody>
+            <a:bodyPr rtlCol="0" anchor="ctr"/>
+            <a:lstStyle/>
+            <a:p>
+              <a:pPr algn="ctr"/>
+              <a:endParaRPr lang="en-US"/>
+            </a:p>
+          </p:txBody>
+        </p:sp>
+        <p:sp>
+          <p:nvSpPr>
+            <p:cNvPr id="41" name="Freeform: Shape 34">
+              <a:extLst>
+                <a:ext uri="{FF2B5EF4-FFF2-40B4-BE49-F238E27FC236}">
+                  <a16:creationId xmlns:a16="http://schemas.microsoft.com/office/drawing/2014/main" id="{C4F77C62-9DDF-48D3-A074-159A32767AA1}"/>
+                </a:ext>
+                <a:ext uri="{C183D7F6-B498-43B3-948B-1728B52AA6E4}">
+                  <adec:decorative xmlns:adec="http://schemas.microsoft.com/office/drawing/2017/decorative" val="1"/>
+                </a:ext>
+              </a:extLst>
+            </p:cNvPr>
+            <p:cNvSpPr/>
+            <p:nvPr>
+              <p:extLst>
+                <p:ext uri="{386F3935-93C4-4BCD-93E2-E3B085C9AB24}">
+                  <p16:designElem xmlns:p16="http://schemas.microsoft.com/office/powerpoint/2015/main" val="1"/>
+                </p:ext>
+              </p:extLst>
+            </p:nvPr>
+          </p:nvSpPr>
+          <p:spPr>
+            <a:xfrm>
+              <a:off x="-305" y="-4155"/>
+              <a:ext cx="2493062" cy="1947896"/>
+            </a:xfrm>
+            <a:custGeom>
+              <a:avLst/>
+              <a:gdLst>
+                <a:gd name="connsiteX0" fmla="*/ 1896911 w 2493062"/>
+                <a:gd name="connsiteY0" fmla="*/ 0 h 1947896"/>
+                <a:gd name="connsiteX1" fmla="*/ 2493062 w 2493062"/>
+                <a:gd name="connsiteY1" fmla="*/ 0 h 1947896"/>
+                <a:gd name="connsiteX2" fmla="*/ 2435315 w 2493062"/>
+                <a:gd name="connsiteY2" fmla="*/ 178165 h 1947896"/>
+                <a:gd name="connsiteX3" fmla="*/ 93066 w 2493062"/>
+                <a:gd name="connsiteY3" fmla="*/ 1935859 h 1947896"/>
+                <a:gd name="connsiteX4" fmla="*/ 0 w 2493062"/>
+                <a:gd name="connsiteY4" fmla="*/ 1947896 h 1947896"/>
+                <a:gd name="connsiteX5" fmla="*/ 0 w 2493062"/>
+                <a:gd name="connsiteY5" fmla="*/ 1404756 h 1947896"/>
+                <a:gd name="connsiteX6" fmla="*/ 17392 w 2493062"/>
+                <a:gd name="connsiteY6" fmla="*/ 1402364 h 1947896"/>
+                <a:gd name="connsiteX7" fmla="*/ 464249 w 2493062"/>
+                <a:gd name="connsiteY7" fmla="*/ 1281208 h 1947896"/>
+                <a:gd name="connsiteX8" fmla="*/ 1260556 w 2493062"/>
+                <a:gd name="connsiteY8" fmla="*/ 833835 h 1947896"/>
+                <a:gd name="connsiteX9" fmla="*/ 1807924 w 2493062"/>
+                <a:gd name="connsiteY9" fmla="*/ 193222 h 1947896"/>
+                <a:gd name="connsiteX10" fmla="*/ 1874357 w 2493062"/>
+                <a:gd name="connsiteY10" fmla="*/ 58333 h 1947896"/>
+              </a:gdLst>
+              <a:ahLst/>
+              <a:cxnLst>
+                <a:cxn ang="0">
+                  <a:pos x="connsiteX0" y="connsiteY0"/>
+                </a:cxn>
+                <a:cxn ang="0">
+                  <a:pos x="connsiteX1" y="connsiteY1"/>
+                </a:cxn>
+                <a:cxn ang="0">
+                  <a:pos x="connsiteX2" y="connsiteY2"/>
+                </a:cxn>
+                <a:cxn ang="0">
+                  <a:pos x="connsiteX3" y="connsiteY3"/>
+                </a:cxn>
+                <a:cxn ang="0">
+                  <a:pos x="connsiteX4" y="connsiteY4"/>
+                </a:cxn>
+                <a:cxn ang="0">
+                  <a:pos x="connsiteX5" y="connsiteY5"/>
+                </a:cxn>
+                <a:cxn ang="0">
+                  <a:pos x="connsiteX6" y="connsiteY6"/>
+                </a:cxn>
+                <a:cxn ang="0">
+                  <a:pos x="connsiteX7" y="connsiteY7"/>
+                </a:cxn>
+                <a:cxn ang="0">
+                  <a:pos x="connsiteX8" y="connsiteY8"/>
+                </a:cxn>
+                <a:cxn ang="0">
+                  <a:pos x="connsiteX9" y="connsiteY9"/>
+                </a:cxn>
+                <a:cxn ang="0">
+                  <a:pos x="connsiteX10" y="connsiteY10"/>
+                </a:cxn>
+              </a:cxnLst>
+              <a:rect l="l" t="t" r="r" b="b"/>
+              <a:pathLst>
+                <a:path w="2493062" h="1947896">
+                  <a:moveTo>
+                    <a:pt x="1896911" y="0"/>
+                  </a:moveTo>
+                  <a:lnTo>
+                    <a:pt x="2493062" y="0"/>
+                  </a:lnTo>
+                  <a:lnTo>
+                    <a:pt x="2435315" y="178165"/>
+                  </a:lnTo>
+                  <a:cubicBezTo>
+                    <a:pt x="2088122" y="1071812"/>
+                    <a:pt x="1129732" y="1758033"/>
+                    <a:pt x="93066" y="1935859"/>
+                  </a:cubicBezTo>
+                  <a:lnTo>
+                    <a:pt x="0" y="1947896"/>
+                  </a:lnTo>
+                  <a:lnTo>
+                    <a:pt x="0" y="1404756"/>
+                  </a:lnTo>
+                  <a:lnTo>
+                    <a:pt x="17392" y="1402364"/>
+                  </a:lnTo>
+                  <a:cubicBezTo>
+                    <a:pt x="167719" y="1375030"/>
+                    <a:pt x="318070" y="1334398"/>
+                    <a:pt x="464249" y="1281208"/>
+                  </a:cubicBezTo>
+                  <a:cubicBezTo>
+                    <a:pt x="753480" y="1176081"/>
+                    <a:pt x="1028869" y="1021346"/>
+                    <a:pt x="1260556" y="833835"/>
+                  </a:cubicBezTo>
+                  <a:cubicBezTo>
+                    <a:pt x="1491960" y="646594"/>
+                    <a:pt x="1681177" y="425056"/>
+                    <a:pt x="1807924" y="193222"/>
+                  </a:cubicBezTo>
+                  <a:cubicBezTo>
+                    <a:pt x="1832328" y="148578"/>
+                    <a:pt x="1854477" y="103599"/>
+                    <a:pt x="1874357" y="58333"/>
+                  </a:cubicBezTo>
+                  <a:close/>
+                </a:path>
+              </a:pathLst>
+            </a:custGeom>
+            <a:gradFill>
+              <a:gsLst>
+                <a:gs pos="2000">
+                  <a:schemeClr val="bg1">
+                    <a:alpha val="10000"/>
+                  </a:schemeClr>
+                </a:gs>
+                <a:gs pos="16000">
+                  <a:schemeClr val="accent6">
+                    <a:alpha val="10000"/>
+                  </a:schemeClr>
+                </a:gs>
+                <a:gs pos="100000">
+                  <a:schemeClr val="bg1">
+                    <a:alpha val="10000"/>
+                  </a:schemeClr>
+                </a:gs>
+                <a:gs pos="85000">
+                  <a:schemeClr val="accent1">
+                    <a:alpha val="10000"/>
+                  </a:schemeClr>
+                </a:gs>
+              </a:gsLst>
+              <a:lin ang="12000000" scaled="0"/>
+            </a:gradFill>
+            <a:ln>
+              <a:noFill/>
+            </a:ln>
+          </p:spPr>
+          <p:style>
+            <a:lnRef idx="2">
+              <a:schemeClr val="accent1">
+                <a:shade val="50000"/>
+              </a:schemeClr>
+            </a:lnRef>
+            <a:fillRef idx="1">
+              <a:schemeClr val="accent1"/>
+            </a:fillRef>
+            <a:effectRef idx="0">
+              <a:schemeClr val="accent1"/>
+            </a:effectRef>
+            <a:fontRef idx="minor">
+              <a:schemeClr val="lt1"/>
+            </a:fontRef>
+          </p:style>
+          <p:txBody>
+            <a:bodyPr rtlCol="0" anchor="ctr"/>
+            <a:lstStyle/>
+            <a:p>
+              <a:pPr algn="ctr"/>
+              <a:endParaRPr lang="en-US"/>
+            </a:p>
+          </p:txBody>
+        </p:sp>
+        <p:sp>
+          <p:nvSpPr>
+            <p:cNvPr id="36" name="Freeform: Shape 35">
+              <a:extLst>
+                <a:ext uri="{FF2B5EF4-FFF2-40B4-BE49-F238E27FC236}">
+                  <a16:creationId xmlns:a16="http://schemas.microsoft.com/office/drawing/2014/main" id="{DEB07022-F30B-49CA-B1DD-A826815C4AC5}"/>
+                </a:ext>
+                <a:ext uri="{C183D7F6-B498-43B3-948B-1728B52AA6E4}">
+                  <adec:decorative xmlns:adec="http://schemas.microsoft.com/office/drawing/2017/decorative" val="1"/>
+                </a:ext>
+              </a:extLst>
+            </p:cNvPr>
+            <p:cNvSpPr/>
+            <p:nvPr>
+              <p:extLst>
+                <p:ext uri="{386F3935-93C4-4BCD-93E2-E3B085C9AB24}">
+                  <p16:designElem xmlns:p16="http://schemas.microsoft.com/office/powerpoint/2015/main" val="1"/>
+                </p:ext>
+              </p:extLst>
+            </p:nvPr>
+          </p:nvSpPr>
+          <p:spPr>
+            <a:xfrm>
+              <a:off x="-305" y="0"/>
+              <a:ext cx="2501089" cy="1972702"/>
+            </a:xfrm>
+            <a:custGeom>
+              <a:avLst/>
+              <a:gdLst>
+                <a:gd name="connsiteX0" fmla="*/ 2318728 w 2501089"/>
+                <a:gd name="connsiteY0" fmla="*/ 0 h 1972702"/>
+                <a:gd name="connsiteX1" fmla="*/ 2501089 w 2501089"/>
+                <a:gd name="connsiteY1" fmla="*/ 0 h 1972702"/>
+                <a:gd name="connsiteX2" fmla="*/ 2453909 w 2501089"/>
+                <a:gd name="connsiteY2" fmla="*/ 167837 h 1972702"/>
+                <a:gd name="connsiteX3" fmla="*/ 2361125 w 2501089"/>
+                <a:gd name="connsiteY3" fmla="*/ 392084 h 1972702"/>
+                <a:gd name="connsiteX4" fmla="*/ 1768255 w 2501089"/>
+                <a:gd name="connsiteY4" fmla="*/ 1167644 h 1972702"/>
+                <a:gd name="connsiteX5" fmla="*/ 1375125 w 2501089"/>
+                <a:gd name="connsiteY5" fmla="*/ 1471474 h 1972702"/>
+                <a:gd name="connsiteX6" fmla="*/ 935735 w 2501089"/>
+                <a:gd name="connsiteY6" fmla="*/ 1712713 h 1972702"/>
+                <a:gd name="connsiteX7" fmla="*/ 212353 w 2501089"/>
+                <a:gd name="connsiteY7" fmla="*/ 1940294 h 1972702"/>
+                <a:gd name="connsiteX8" fmla="*/ 0 w 2501089"/>
+                <a:gd name="connsiteY8" fmla="*/ 1972702 h 1972702"/>
+                <a:gd name="connsiteX9" fmla="*/ 0 w 2501089"/>
+                <a:gd name="connsiteY9" fmla="*/ 1732181 h 1972702"/>
+                <a:gd name="connsiteX10" fmla="*/ 161195 w 2501089"/>
+                <a:gd name="connsiteY10" fmla="*/ 1706590 h 1972702"/>
+                <a:gd name="connsiteX11" fmla="*/ 388463 w 2501089"/>
+                <a:gd name="connsiteY11" fmla="*/ 1652268 h 1972702"/>
+                <a:gd name="connsiteX12" fmla="*/ 826716 w 2501089"/>
+                <a:gd name="connsiteY12" fmla="*/ 1493950 h 1972702"/>
+                <a:gd name="connsiteX13" fmla="*/ 1609847 w 2501089"/>
+                <a:gd name="connsiteY13" fmla="*/ 1007535 h 1972702"/>
+                <a:gd name="connsiteX14" fmla="*/ 1929982 w 2501089"/>
+                <a:gd name="connsiteY14" fmla="*/ 682930 h 1972702"/>
+                <a:gd name="connsiteX15" fmla="*/ 2183093 w 2501089"/>
+                <a:gd name="connsiteY15" fmla="*/ 310149 h 1972702"/>
+                <a:gd name="connsiteX16" fmla="*/ 2280286 w 2501089"/>
+                <a:gd name="connsiteY16" fmla="*/ 108435 h 1972702"/>
+              </a:gdLst>
+              <a:ahLst/>
+              <a:cxnLst>
+                <a:cxn ang="0">
+                  <a:pos x="connsiteX0" y="connsiteY0"/>
+                </a:cxn>
+                <a:cxn ang="0">
+                  <a:pos x="connsiteX1" y="connsiteY1"/>
+                </a:cxn>
+                <a:cxn ang="0">
+                  <a:pos x="connsiteX2" y="connsiteY2"/>
+                </a:cxn>
+                <a:cxn ang="0">
+                  <a:pos x="connsiteX3" y="connsiteY3"/>
+                </a:cxn>
+                <a:cxn ang="0">
+                  <a:pos x="connsiteX4" y="connsiteY4"/>
+                </a:cxn>
+                <a:cxn ang="0">
+                  <a:pos x="connsiteX5" y="connsiteY5"/>
+                </a:cxn>
+                <a:cxn ang="0">
+                  <a:pos x="connsiteX6" y="connsiteY6"/>
+                </a:cxn>
+                <a:cxn ang="0">
+                  <a:pos x="connsiteX7" y="connsiteY7"/>
+                </a:cxn>
+                <a:cxn ang="0">
+                  <a:pos x="connsiteX8" y="connsiteY8"/>
+                </a:cxn>
+                <a:cxn ang="0">
+                  <a:pos x="connsiteX9" y="connsiteY9"/>
+                </a:cxn>
+                <a:cxn ang="0">
+                  <a:pos x="connsiteX10" y="connsiteY10"/>
+                </a:cxn>
+                <a:cxn ang="0">
+                  <a:pos x="connsiteX11" y="connsiteY11"/>
+                </a:cxn>
+                <a:cxn ang="0">
+                  <a:pos x="connsiteX12" y="connsiteY12"/>
+                </a:cxn>
+                <a:cxn ang="0">
+                  <a:pos x="connsiteX13" y="connsiteY13"/>
+                </a:cxn>
+                <a:cxn ang="0">
+                  <a:pos x="connsiteX14" y="connsiteY14"/>
+                </a:cxn>
+                <a:cxn ang="0">
+                  <a:pos x="connsiteX15" y="connsiteY15"/>
+                </a:cxn>
+                <a:cxn ang="0">
+                  <a:pos x="connsiteX16" y="connsiteY16"/>
+                </a:cxn>
+              </a:cxnLst>
+              <a:rect l="l" t="t" r="r" b="b"/>
+              <a:pathLst>
+                <a:path w="2501089" h="1972702">
+                  <a:moveTo>
+                    <a:pt x="2318728" y="0"/>
+                  </a:moveTo>
+                  <a:lnTo>
+                    <a:pt x="2501089" y="0"/>
+                  </a:lnTo>
+                  <a:lnTo>
+                    <a:pt x="2453909" y="167837"/>
+                  </a:lnTo>
+                  <a:cubicBezTo>
+                    <a:pt x="2427555" y="244153"/>
+                    <a:pt x="2396627" y="319103"/>
+                    <a:pt x="2361125" y="392084"/>
+                  </a:cubicBezTo>
+                  <a:cubicBezTo>
+                    <a:pt x="2218453" y="684005"/>
+                    <a:pt x="2011698" y="945211"/>
+                    <a:pt x="1768255" y="1167644"/>
+                  </a:cubicBezTo>
+                  <a:cubicBezTo>
+                    <a:pt x="1646250" y="1278860"/>
+                    <a:pt x="1514385" y="1380316"/>
+                    <a:pt x="1375125" y="1471474"/>
+                  </a:cubicBezTo>
+                  <a:cubicBezTo>
+                    <a:pt x="1235677" y="1562542"/>
+                    <a:pt x="1088928" y="1643672"/>
+                    <a:pt x="935735" y="1712713"/>
+                  </a:cubicBezTo>
+                  <a:cubicBezTo>
+                    <a:pt x="705659" y="1815533"/>
+                    <a:pt x="462359" y="1892212"/>
+                    <a:pt x="212353" y="1940294"/>
+                  </a:cubicBezTo>
+                  <a:lnTo>
+                    <a:pt x="0" y="1972702"/>
+                  </a:lnTo>
+                  <a:lnTo>
+                    <a:pt x="0" y="1732181"/>
+                  </a:lnTo>
+                  <a:lnTo>
+                    <a:pt x="161195" y="1706590"/>
+                  </a:lnTo>
+                  <a:cubicBezTo>
+                    <a:pt x="237638" y="1691378"/>
+                    <a:pt x="313477" y="1673222"/>
+                    <a:pt x="388463" y="1652268"/>
+                  </a:cubicBezTo>
+                  <a:cubicBezTo>
+                    <a:pt x="538529" y="1610539"/>
+                    <a:pt x="684898" y="1556543"/>
+                    <a:pt x="826716" y="1493950"/>
+                  </a:cubicBezTo>
+                  <a:cubicBezTo>
+                    <a:pt x="1111207" y="1370107"/>
+                    <a:pt x="1376832" y="1205881"/>
+                    <a:pt x="1609847" y="1007535"/>
+                  </a:cubicBezTo>
+                  <a:cubicBezTo>
+                    <a:pt x="1725975" y="908049"/>
+                    <a:pt x="1833571" y="799519"/>
+                    <a:pt x="1929982" y="682930"/>
+                  </a:cubicBezTo>
+                  <a:cubicBezTo>
+                    <a:pt x="2026581" y="566520"/>
+                    <a:pt x="2111806" y="441692"/>
+                    <a:pt x="2183093" y="310149"/>
+                  </a:cubicBezTo>
+                  <a:cubicBezTo>
+                    <a:pt x="2218738" y="244422"/>
+                    <a:pt x="2251396" y="177150"/>
+                    <a:pt x="2280286" y="108435"/>
+                  </a:cubicBezTo>
+                  <a:close/>
+                </a:path>
+              </a:pathLst>
+            </a:custGeom>
+            <a:gradFill>
+              <a:gsLst>
+                <a:gs pos="2000">
+                  <a:schemeClr val="bg1">
+                    <a:alpha val="10000"/>
+                  </a:schemeClr>
+                </a:gs>
+                <a:gs pos="16000">
+                  <a:schemeClr val="accent6">
+                    <a:alpha val="10000"/>
+                  </a:schemeClr>
+                </a:gs>
+                <a:gs pos="100000">
+                  <a:schemeClr val="bg1">
+                    <a:alpha val="10000"/>
+                  </a:schemeClr>
+                </a:gs>
+                <a:gs pos="85000">
+                  <a:schemeClr val="accent1">
+                    <a:alpha val="10000"/>
+                  </a:schemeClr>
+                </a:gs>
+              </a:gsLst>
+              <a:lin ang="12000000" scaled="0"/>
+            </a:gradFill>
+            <a:ln>
+              <a:noFill/>
+            </a:ln>
+          </p:spPr>
+          <p:style>
+            <a:lnRef idx="2">
+              <a:schemeClr val="accent1">
+                <a:shade val="50000"/>
+              </a:schemeClr>
+            </a:lnRef>
+            <a:fillRef idx="1">
+              <a:schemeClr val="accent1"/>
+            </a:fillRef>
+            <a:effectRef idx="0">
+              <a:schemeClr val="accent1"/>
+            </a:effectRef>
+            <a:fontRef idx="minor">
+              <a:schemeClr val="lt1"/>
+            </a:fontRef>
+          </p:style>
+          <p:txBody>
+            <a:bodyPr wrap="square" rtlCol="0" anchor="ctr">
+              <a:noAutofit/>
+            </a:bodyPr>
+            <a:lstStyle/>
+            <a:p>
+              <a:pPr algn="ctr"/>
+              <a:endParaRPr lang="en-US" sz="800"/>
+            </a:p>
+          </p:txBody>
+        </p:sp>
+        <p:sp>
+          <p:nvSpPr>
+            <p:cNvPr id="42" name="Freeform: Shape 36">
+              <a:extLst>
+                <a:ext uri="{FF2B5EF4-FFF2-40B4-BE49-F238E27FC236}">
+                  <a16:creationId xmlns:a16="http://schemas.microsoft.com/office/drawing/2014/main" id="{F7C47E16-167C-48BF-9FC9-08787D3489F7}"/>
+                </a:ext>
+                <a:ext uri="{C183D7F6-B498-43B3-948B-1728B52AA6E4}">
+                  <adec:decorative xmlns:adec="http://schemas.microsoft.com/office/drawing/2017/decorative" val="1"/>
+                </a:ext>
+              </a:extLst>
+            </p:cNvPr>
+            <p:cNvSpPr/>
+            <p:nvPr>
+              <p:extLst>
+                <p:ext uri="{386F3935-93C4-4BCD-93E2-E3B085C9AB24}">
+                  <p16:designElem xmlns:p16="http://schemas.microsoft.com/office/powerpoint/2015/main" val="1"/>
+                </p:ext>
+              </p:extLst>
+            </p:nvPr>
+          </p:nvSpPr>
+          <p:spPr>
+            <a:xfrm>
+              <a:off x="305" y="1"/>
+              <a:ext cx="2491105" cy="1943661"/>
+            </a:xfrm>
+            <a:custGeom>
+              <a:avLst/>
+              <a:gdLst>
+                <a:gd name="connsiteX0" fmla="*/ 1995408 w 2491105"/>
+                <a:gd name="connsiteY0" fmla="*/ 0 h 1943661"/>
+                <a:gd name="connsiteX1" fmla="*/ 2491105 w 2491105"/>
+                <a:gd name="connsiteY1" fmla="*/ 0 h 1943661"/>
+                <a:gd name="connsiteX2" fmla="*/ 2434705 w 2491105"/>
+                <a:gd name="connsiteY2" fmla="*/ 174009 h 1943661"/>
+                <a:gd name="connsiteX3" fmla="*/ 92457 w 2491105"/>
+                <a:gd name="connsiteY3" fmla="*/ 1931703 h 1943661"/>
+                <a:gd name="connsiteX4" fmla="*/ 0 w 2491105"/>
+                <a:gd name="connsiteY4" fmla="*/ 1943661 h 1943661"/>
+                <a:gd name="connsiteX5" fmla="*/ 0 w 2491105"/>
+                <a:gd name="connsiteY5" fmla="*/ 1491489 h 1943661"/>
+                <a:gd name="connsiteX6" fmla="*/ 34107 w 2491105"/>
+                <a:gd name="connsiteY6" fmla="*/ 1486836 h 1943661"/>
+                <a:gd name="connsiteX7" fmla="*/ 497577 w 2491105"/>
+                <a:gd name="connsiteY7" fmla="*/ 1360598 h 1943661"/>
+                <a:gd name="connsiteX8" fmla="*/ 1321566 w 2491105"/>
+                <a:gd name="connsiteY8" fmla="*/ 897645 h 1943661"/>
+                <a:gd name="connsiteX9" fmla="*/ 1891495 w 2491105"/>
+                <a:gd name="connsiteY9" fmla="*/ 230078 h 1943661"/>
+                <a:gd name="connsiteX10" fmla="*/ 1961469 w 2491105"/>
+                <a:gd name="connsiteY10" fmla="*/ 87885 h 1943661"/>
+              </a:gdLst>
+              <a:ahLst/>
+              <a:cxnLst>
+                <a:cxn ang="0">
+                  <a:pos x="connsiteX0" y="connsiteY0"/>
+                </a:cxn>
+                <a:cxn ang="0">
+                  <a:pos x="connsiteX1" y="connsiteY1"/>
+                </a:cxn>
+                <a:cxn ang="0">
+                  <a:pos x="connsiteX2" y="connsiteY2"/>
+                </a:cxn>
+                <a:cxn ang="0">
+                  <a:pos x="connsiteX3" y="connsiteY3"/>
+                </a:cxn>
+                <a:cxn ang="0">
+                  <a:pos x="connsiteX4" y="connsiteY4"/>
+                </a:cxn>
+                <a:cxn ang="0">
+                  <a:pos x="connsiteX5" y="connsiteY5"/>
+                </a:cxn>
+                <a:cxn ang="0">
+                  <a:pos x="connsiteX6" y="connsiteY6"/>
+                </a:cxn>
+                <a:cxn ang="0">
+                  <a:pos x="connsiteX7" y="connsiteY7"/>
+                </a:cxn>
+                <a:cxn ang="0">
+                  <a:pos x="connsiteX8" y="connsiteY8"/>
+                </a:cxn>
+                <a:cxn ang="0">
+                  <a:pos x="connsiteX9" y="connsiteY9"/>
+                </a:cxn>
+                <a:cxn ang="0">
+                  <a:pos x="connsiteX10" y="connsiteY10"/>
+                </a:cxn>
+              </a:cxnLst>
+              <a:rect l="l" t="t" r="r" b="b"/>
+              <a:pathLst>
+                <a:path w="2491105" h="1943661">
+                  <a:moveTo>
+                    <a:pt x="1995408" y="0"/>
+                  </a:moveTo>
+                  <a:lnTo>
+                    <a:pt x="2491105" y="0"/>
+                  </a:lnTo>
+                  <a:lnTo>
+                    <a:pt x="2434705" y="174009"/>
+                  </a:lnTo>
+                  <a:cubicBezTo>
+                    <a:pt x="2087512" y="1067655"/>
+                    <a:pt x="1129122" y="1753877"/>
+                    <a:pt x="92457" y="1931703"/>
+                  </a:cubicBezTo>
+                  <a:lnTo>
+                    <a:pt x="0" y="1943661"/>
+                  </a:lnTo>
+                  <a:lnTo>
+                    <a:pt x="0" y="1491489"/>
+                  </a:lnTo>
+                  <a:lnTo>
+                    <a:pt x="34107" y="1486836"/>
+                  </a:lnTo>
+                  <a:cubicBezTo>
+                    <a:pt x="189055" y="1458696"/>
+                    <a:pt x="343908" y="1416565"/>
+                    <a:pt x="497577" y="1360598"/>
+                  </a:cubicBezTo>
+                  <a:cubicBezTo>
+                    <a:pt x="796856" y="1251889"/>
+                    <a:pt x="1081725" y="1091781"/>
+                    <a:pt x="1321566" y="897645"/>
+                  </a:cubicBezTo>
+                  <a:cubicBezTo>
+                    <a:pt x="1565577" y="700195"/>
+                    <a:pt x="1757355" y="475523"/>
+                    <a:pt x="1891495" y="230078"/>
+                  </a:cubicBezTo>
+                  <a:cubicBezTo>
+                    <a:pt x="1917197" y="183033"/>
+                    <a:pt x="1940526" y="135619"/>
+                    <a:pt x="1961469" y="87885"/>
+                  </a:cubicBezTo>
+                  <a:close/>
+                </a:path>
+              </a:pathLst>
+            </a:custGeom>
+            <a:gradFill>
+              <a:gsLst>
+                <a:gs pos="2000">
+                  <a:schemeClr val="bg1">
+                    <a:alpha val="10000"/>
+                  </a:schemeClr>
+                </a:gs>
+                <a:gs pos="16000">
+                  <a:schemeClr val="accent6">
+                    <a:alpha val="10000"/>
+                  </a:schemeClr>
+                </a:gs>
+                <a:gs pos="100000">
+                  <a:schemeClr val="bg1">
+                    <a:alpha val="10000"/>
+                  </a:schemeClr>
+                </a:gs>
+                <a:gs pos="85000">
+                  <a:schemeClr val="accent1">
+                    <a:alpha val="10000"/>
+                  </a:schemeClr>
+                </a:gs>
+              </a:gsLst>
+              <a:lin ang="12000000" scaled="0"/>
+            </a:gradFill>
+            <a:ln>
+              <a:noFill/>
+            </a:ln>
+          </p:spPr>
+          <p:style>
+            <a:lnRef idx="2">
+              <a:schemeClr val="accent1">
+                <a:shade val="50000"/>
+              </a:schemeClr>
+            </a:lnRef>
+            <a:fillRef idx="1">
+              <a:schemeClr val="accent1"/>
+            </a:fillRef>
+            <a:effectRef idx="0">
+              <a:schemeClr val="accent1"/>
+            </a:effectRef>
+            <a:fontRef idx="minor">
+              <a:schemeClr val="lt1"/>
+            </a:fontRef>
+          </p:style>
+          <p:txBody>
+            <a:bodyPr rtlCol="0" anchor="ctr"/>
+            <a:lstStyle/>
+            <a:p>
+              <a:pPr algn="ctr"/>
+              <a:endParaRPr lang="en-US"/>
+            </a:p>
+          </p:txBody>
+        </p:sp>
+      </p:grpSp>
+      <p:pic>
+        <p:nvPicPr>
+          <p:cNvPr id="7" name="Picture 6" descr="A computer screen shot of a program code&#10;&#10;AI-generated content may be incorrect.">
+            <a:extLst>
+              <a:ext uri="{FF2B5EF4-FFF2-40B4-BE49-F238E27FC236}">
+                <a16:creationId xmlns:a16="http://schemas.microsoft.com/office/drawing/2014/main" id="{A7AAAA94-2E7D-C45B-F1E2-41E5E5F1073A}"/>
+              </a:ext>
+            </a:extLst>
+          </p:cNvPr>
+          <p:cNvPicPr>
+            <a:picLocks noChangeAspect="1"/>
+          </p:cNvPicPr>
+          <p:nvPr/>
+        </p:nvPicPr>
+        <p:blipFill>
+          <a:blip r:embed="rId3"/>
+          <a:stretch>
+            <a:fillRect/>
+          </a:stretch>
+        </p:blipFill>
+        <p:spPr>
+          <a:xfrm>
+            <a:off x="495455" y="3429068"/>
+            <a:ext cx="5581278" cy="1767775"/>
+          </a:xfrm>
+          <a:prstGeom prst="rect">
+            <a:avLst/>
+          </a:prstGeom>
+        </p:spPr>
+      </p:pic>
+      <p:sp>
+        <p:nvSpPr>
+          <p:cNvPr id="6" name="Content Placeholder 5">
+            <a:extLst>
+              <a:ext uri="{FF2B5EF4-FFF2-40B4-BE49-F238E27FC236}">
+                <a16:creationId xmlns:a16="http://schemas.microsoft.com/office/drawing/2014/main" id="{D97902F1-5A9D-0ACA-3A1D-22F105B53707}"/>
+              </a:ext>
+            </a:extLst>
+          </p:cNvPr>
+          <p:cNvSpPr>
+            <a:spLocks noGrp="1"/>
+          </p:cNvSpPr>
+          <p:nvPr>
+            <p:ph idx="1"/>
+          </p:nvPr>
+        </p:nvSpPr>
+        <p:spPr>
+          <a:xfrm>
+            <a:off x="6090574" y="1847422"/>
+            <a:ext cx="5850012" cy="4213549"/>
+          </a:xfrm>
+        </p:spPr>
+        <p:txBody>
+          <a:bodyPr vert="horz" lIns="91440" tIns="45720" rIns="91440" bIns="45720" rtlCol="0" anchor="ctr">
+            <a:normAutofit/>
+          </a:bodyPr>
+          <a:lstStyle/>
+          <a:p>
+            <a:r>
+              <a:rPr lang="en-GB" sz="2000">
+                <a:solidFill>
+                  <a:schemeClr val="tx2"/>
+                </a:solidFill>
+                <a:ea typeface="+mn-lt"/>
+                <a:cs typeface="+mn-lt"/>
+              </a:rPr>
+              <a:t>These variables are used to train the models, where x contains all the watches' characteristics, such as the price, and y is the variable used for predicting the price and the category.</a:t>
+            </a:r>
+          </a:p>
+          <a:p>
+            <a:endParaRPr lang="en-GB" sz="1800">
+              <a:solidFill>
+                <a:schemeClr val="tx2"/>
+              </a:solidFill>
+            </a:endParaRPr>
+          </a:p>
+        </p:txBody>
+      </p:sp>
+    </p:spTree>
+    <p:extLst>
+      <p:ext uri="{BB962C8B-B14F-4D97-AF65-F5344CB8AC3E}">
+        <p14:creationId xmlns:p14="http://schemas.microsoft.com/office/powerpoint/2010/main" val="3166724691"/>
+      </p:ext>
+    </p:extLst>
+  </p:cSld>
+  <p:clrMapOvr>
+    <a:masterClrMapping/>
+  </p:clrMapOvr>
+</p:sld>
+</file>
+
+<file path=ppt/slides/slide14.xml><?xml version="1.0" encoding="utf-8"?>
+<p:sld xmlns:a="http://schemas.openxmlformats.org/drawingml/2006/main" xmlns:r="http://schemas.openxmlformats.org/officeDocument/2006/relationships" xmlns:p="http://schemas.openxmlformats.org/presentationml/2006/main">
+  <p:cSld>
+    <p:bg>
+      <p:bgPr>
+        <a:solidFill>
+          <a:schemeClr val="bg1"/>
+        </a:solidFill>
+        <a:effectLst/>
+      </p:bgPr>
+    </p:bg>
+    <p:spTree>
+      <p:nvGrpSpPr>
+        <p:cNvPr id="1" name=""/>
+        <p:cNvGrpSpPr/>
+        <p:nvPr/>
+      </p:nvGrpSpPr>
+      <p:grpSpPr>
+        <a:xfrm>
+          <a:off x="0" y="0"/>
+          <a:ext cx="0" cy="0"/>
+          <a:chOff x="0" y="0"/>
+          <a:chExt cx="0" cy="0"/>
+        </a:xfrm>
+      </p:grpSpPr>
+      <p:sp useBgFill="1">
+        <p:nvSpPr>
+          <p:cNvPr id="23" name="Rectangle 22">
+            <a:extLst>
+              <a:ext uri="{FF2B5EF4-FFF2-40B4-BE49-F238E27FC236}">
+                <a16:creationId xmlns:a16="http://schemas.microsoft.com/office/drawing/2014/main" id="{2B97F24A-32CE-4C1C-A50D-3016B394DCFB}"/>
+              </a:ext>
+              <a:ext uri="{C183D7F6-B498-43B3-948B-1728B52AA6E4}">
+                <adec:decorative xmlns:adec="http://schemas.microsoft.com/office/drawing/2017/decorative" val="1"/>
+              </a:ext>
+            </a:extLst>
+          </p:cNvPr>
+          <p:cNvSpPr>
+            <a:spLocks noGrp="1" noRot="1" noChangeAspect="1" noMove="1" noResize="1" noEditPoints="1" noAdjustHandles="1" noChangeArrowheads="1" noChangeShapeType="1" noTextEdit="1"/>
+          </p:cNvSpPr>
+          <p:nvPr>
+            <p:extLst>
+              <p:ext uri="{386F3935-93C4-4BCD-93E2-E3B085C9AB24}">
+                <p16:designElem xmlns:p16="http://schemas.microsoft.com/office/powerpoint/2015/main" val="1"/>
+              </p:ext>
+            </p:extLst>
+          </p:nvPr>
+        </p:nvSpPr>
+        <p:spPr>
+          <a:xfrm>
+            <a:off x="0" y="0"/>
+            <a:ext cx="12192000" cy="6858000"/>
+          </a:xfrm>
+          <a:prstGeom prst="rect">
+            <a:avLst/>
+          </a:prstGeom>
+          <a:ln>
+            <a:noFill/>
+          </a:ln>
+        </p:spPr>
+        <p:style>
+          <a:lnRef idx="2">
+            <a:schemeClr val="accent1">
+              <a:shade val="50000"/>
+            </a:schemeClr>
+          </a:lnRef>
+          <a:fillRef idx="1">
+            <a:schemeClr val="accent1"/>
+          </a:fillRef>
+          <a:effectRef idx="0">
+            <a:schemeClr val="accent1"/>
+          </a:effectRef>
+          <a:fontRef idx="minor">
+            <a:schemeClr val="lt1"/>
+          </a:fontRef>
+        </p:style>
+        <p:txBody>
+          <a:bodyPr rtlCol="0" anchor="ctr"/>
+          <a:lstStyle/>
+          <a:p>
+            <a:pPr algn="ctr"/>
+            <a:endParaRPr lang="en-US"/>
+          </a:p>
+        </p:txBody>
+      </p:sp>
+      <p:sp>
+        <p:nvSpPr>
+          <p:cNvPr id="2" name="Title 1">
+            <a:extLst>
+              <a:ext uri="{FF2B5EF4-FFF2-40B4-BE49-F238E27FC236}">
+                <a16:creationId xmlns:a16="http://schemas.microsoft.com/office/drawing/2014/main" id="{0B5960C2-A261-D432-ECFE-6DF5856DC94B}"/>
+              </a:ext>
+            </a:extLst>
+          </p:cNvPr>
+          <p:cNvSpPr>
+            <a:spLocks noGrp="1"/>
+          </p:cNvSpPr>
+          <p:nvPr>
+            <p:ph type="title"/>
+          </p:nvPr>
+        </p:nvSpPr>
+        <p:spPr>
+          <a:xfrm>
+            <a:off x="630936" y="639520"/>
+            <a:ext cx="3429000" cy="1719072"/>
+          </a:xfrm>
+        </p:spPr>
+        <p:txBody>
+          <a:bodyPr anchor="b">
+            <a:normAutofit/>
+          </a:bodyPr>
+          <a:lstStyle/>
+          <a:p>
+            <a:r>
+              <a:rPr lang="en-GB" sz="5400"/>
+              <a:t>Random Forest</a:t>
+            </a:r>
+          </a:p>
+        </p:txBody>
+      </p:sp>
+      <p:sp>
+        <p:nvSpPr>
+          <p:cNvPr id="24" name="sketch line">
+            <a:extLst>
+              <a:ext uri="{FF2B5EF4-FFF2-40B4-BE49-F238E27FC236}">
+                <a16:creationId xmlns:a16="http://schemas.microsoft.com/office/drawing/2014/main" id="{6357EC4F-235E-4222-A36F-C7878ACE37F2}"/>
+              </a:ext>
+              <a:ext uri="{C183D7F6-B498-43B3-948B-1728B52AA6E4}">
+                <adec:decorative xmlns:adec="http://schemas.microsoft.com/office/drawing/2017/decorative" val="1"/>
+              </a:ext>
+            </a:extLst>
+          </p:cNvPr>
+          <p:cNvSpPr>
+            <a:spLocks noGrp="1" noRot="1" noChangeAspect="1" noMove="1" noResize="1" noEditPoints="1" noAdjustHandles="1" noChangeArrowheads="1" noChangeShapeType="1" noTextEdit="1"/>
+          </p:cNvSpPr>
+          <p:nvPr>
+            <p:extLst>
+              <p:ext uri="{386F3935-93C4-4BCD-93E2-E3B085C9AB24}">
+                <p16:designElem xmlns:p16="http://schemas.microsoft.com/office/powerpoint/2015/main" val="1"/>
+              </p:ext>
+            </p:extLst>
+          </p:nvPr>
+        </p:nvSpPr>
+        <p:spPr>
+          <a:xfrm>
+            <a:off x="643278" y="2573756"/>
+            <a:ext cx="3255095" cy="18288"/>
+          </a:xfrm>
+          <a:custGeom>
+            <a:avLst/>
+            <a:gdLst>
+              <a:gd name="csX0" fmla="*/ 0 w 3255095"/>
+              <a:gd name="csY0" fmla="*/ 0 h 18288"/>
+              <a:gd name="csX1" fmla="*/ 618468 w 3255095"/>
+              <a:gd name="csY1" fmla="*/ 0 h 18288"/>
+              <a:gd name="csX2" fmla="*/ 1269487 w 3255095"/>
+              <a:gd name="csY2" fmla="*/ 0 h 18288"/>
+              <a:gd name="csX3" fmla="*/ 1953057 w 3255095"/>
+              <a:gd name="csY3" fmla="*/ 0 h 18288"/>
+              <a:gd name="csX4" fmla="*/ 2636627 w 3255095"/>
+              <a:gd name="csY4" fmla="*/ 0 h 18288"/>
+              <a:gd name="csX5" fmla="*/ 3255095 w 3255095"/>
+              <a:gd name="csY5" fmla="*/ 0 h 18288"/>
+              <a:gd name="csX6" fmla="*/ 3255095 w 3255095"/>
+              <a:gd name="csY6" fmla="*/ 18288 h 18288"/>
+              <a:gd name="csX7" fmla="*/ 2538974 w 3255095"/>
+              <a:gd name="csY7" fmla="*/ 18288 h 18288"/>
+              <a:gd name="csX8" fmla="*/ 1822853 w 3255095"/>
+              <a:gd name="csY8" fmla="*/ 18288 h 18288"/>
+              <a:gd name="csX9" fmla="*/ 1171834 w 3255095"/>
+              <a:gd name="csY9" fmla="*/ 18288 h 18288"/>
+              <a:gd name="csX10" fmla="*/ 0 w 3255095"/>
+              <a:gd name="csY10" fmla="*/ 18288 h 18288"/>
+              <a:gd name="csX11" fmla="*/ 0 w 3255095"/>
+              <a:gd name="csY11" fmla="*/ 0 h 18288"/>
+            </a:gdLst>
+            <a:ahLst/>
+            <a:cxnLst>
+              <a:cxn ang="0">
+                <a:pos x="csX0" y="csY0"/>
+              </a:cxn>
+              <a:cxn ang="0">
+                <a:pos x="csX1" y="csY1"/>
+              </a:cxn>
+              <a:cxn ang="0">
+                <a:pos x="csX2" y="csY2"/>
+              </a:cxn>
+              <a:cxn ang="0">
+                <a:pos x="csX3" y="csY3"/>
+              </a:cxn>
+              <a:cxn ang="0">
+                <a:pos x="csX4" y="csY4"/>
+              </a:cxn>
+              <a:cxn ang="0">
+                <a:pos x="csX5" y="csY5"/>
+              </a:cxn>
+              <a:cxn ang="0">
+                <a:pos x="csX6" y="csY6"/>
+              </a:cxn>
+              <a:cxn ang="0">
+                <a:pos x="csX7" y="csY7"/>
+              </a:cxn>
+              <a:cxn ang="0">
+                <a:pos x="csX8" y="csY8"/>
+              </a:cxn>
+              <a:cxn ang="0">
+                <a:pos x="csX9" y="csY9"/>
+              </a:cxn>
+              <a:cxn ang="0">
+                <a:pos x="csX10" y="csY10"/>
+              </a:cxn>
+              <a:cxn ang="0">
+                <a:pos x="csX11" y="csY11"/>
+              </a:cxn>
+            </a:cxnLst>
+            <a:rect l="l" t="t" r="r" b="b"/>
+            <a:pathLst>
+              <a:path w="3255095" h="18288" fill="none" extrusionOk="0">
+                <a:moveTo>
+                  <a:pt x="0" y="0"/>
+                </a:moveTo>
+                <a:cubicBezTo>
+                  <a:pt x="240201" y="-22123"/>
+                  <a:pt x="462021" y="-19623"/>
+                  <a:pt x="618468" y="0"/>
+                </a:cubicBezTo>
+                <a:cubicBezTo>
+                  <a:pt x="774915" y="19623"/>
+                  <a:pt x="974734" y="2035"/>
+                  <a:pt x="1269487" y="0"/>
+                </a:cubicBezTo>
+                <a:cubicBezTo>
+                  <a:pt x="1564240" y="-2035"/>
+                  <a:pt x="1733579" y="10639"/>
+                  <a:pt x="1953057" y="0"/>
+                </a:cubicBezTo>
+                <a:cubicBezTo>
+                  <a:pt x="2172535" y="-10639"/>
+                  <a:pt x="2453962" y="14018"/>
+                  <a:pt x="2636627" y="0"/>
+                </a:cubicBezTo>
+                <a:cubicBezTo>
+                  <a:pt x="2819292" y="-14018"/>
+                  <a:pt x="3121375" y="5399"/>
+                  <a:pt x="3255095" y="0"/>
+                </a:cubicBezTo>
+                <a:cubicBezTo>
+                  <a:pt x="3254386" y="8157"/>
+                  <a:pt x="3254682" y="12125"/>
+                  <a:pt x="3255095" y="18288"/>
+                </a:cubicBezTo>
+                <a:cubicBezTo>
+                  <a:pt x="3088545" y="23203"/>
+                  <a:pt x="2687475" y="7419"/>
+                  <a:pt x="2538974" y="18288"/>
+                </a:cubicBezTo>
+                <a:cubicBezTo>
+                  <a:pt x="2390473" y="29157"/>
+                  <a:pt x="2137381" y="-8959"/>
+                  <a:pt x="1822853" y="18288"/>
+                </a:cubicBezTo>
+                <a:cubicBezTo>
+                  <a:pt x="1508325" y="45535"/>
+                  <a:pt x="1466437" y="20385"/>
+                  <a:pt x="1171834" y="18288"/>
+                </a:cubicBezTo>
+                <a:cubicBezTo>
+                  <a:pt x="877231" y="16191"/>
+                  <a:pt x="561097" y="37643"/>
+                  <a:pt x="0" y="18288"/>
+                </a:cubicBezTo>
+                <a:cubicBezTo>
+                  <a:pt x="-46" y="12483"/>
+                  <a:pt x="-203" y="6491"/>
+                  <a:pt x="0" y="0"/>
+                </a:cubicBezTo>
+                <a:close/>
+              </a:path>
+              <a:path w="3255095" h="18288" stroke="0" extrusionOk="0">
+                <a:moveTo>
+                  <a:pt x="0" y="0"/>
+                </a:moveTo>
+                <a:cubicBezTo>
+                  <a:pt x="291965" y="19429"/>
+                  <a:pt x="363155" y="8568"/>
+                  <a:pt x="618468" y="0"/>
+                </a:cubicBezTo>
+                <a:cubicBezTo>
+                  <a:pt x="873781" y="-8568"/>
+                  <a:pt x="904459" y="-19505"/>
+                  <a:pt x="1171834" y="0"/>
+                </a:cubicBezTo>
+                <a:cubicBezTo>
+                  <a:pt x="1439209" y="19505"/>
+                  <a:pt x="1744369" y="9790"/>
+                  <a:pt x="1887955" y="0"/>
+                </a:cubicBezTo>
+                <a:cubicBezTo>
+                  <a:pt x="2031541" y="-9790"/>
+                  <a:pt x="2346378" y="21240"/>
+                  <a:pt x="2506423" y="0"/>
+                </a:cubicBezTo>
+                <a:cubicBezTo>
+                  <a:pt x="2666468" y="-21240"/>
+                  <a:pt x="2990257" y="30414"/>
+                  <a:pt x="3255095" y="0"/>
+                </a:cubicBezTo>
+                <a:cubicBezTo>
+                  <a:pt x="3254831" y="4493"/>
+                  <a:pt x="3255479" y="9472"/>
+                  <a:pt x="3255095" y="18288"/>
+                </a:cubicBezTo>
+                <a:cubicBezTo>
+                  <a:pt x="3120743" y="16690"/>
+                  <a:pt x="2759628" y="42462"/>
+                  <a:pt x="2604076" y="18288"/>
+                </a:cubicBezTo>
+                <a:cubicBezTo>
+                  <a:pt x="2448524" y="-5886"/>
+                  <a:pt x="2184336" y="19599"/>
+                  <a:pt x="1887955" y="18288"/>
+                </a:cubicBezTo>
+                <a:cubicBezTo>
+                  <a:pt x="1591574" y="16977"/>
+                  <a:pt x="1548845" y="6870"/>
+                  <a:pt x="1334589" y="18288"/>
+                </a:cubicBezTo>
+                <a:cubicBezTo>
+                  <a:pt x="1120333" y="29706"/>
+                  <a:pt x="996014" y="9662"/>
+                  <a:pt x="683570" y="18288"/>
+                </a:cubicBezTo>
+                <a:cubicBezTo>
+                  <a:pt x="371126" y="26914"/>
+                  <a:pt x="198687" y="16167"/>
+                  <a:pt x="0" y="18288"/>
+                </a:cubicBezTo>
+                <a:cubicBezTo>
+                  <a:pt x="843" y="9577"/>
+                  <a:pt x="371" y="6900"/>
+                  <a:pt x="0" y="0"/>
+                </a:cubicBezTo>
+                <a:close/>
+              </a:path>
+            </a:pathLst>
+          </a:custGeom>
+          <a:solidFill>
+            <a:schemeClr val="accent2"/>
+          </a:solidFill>
+          <a:ln w="38100" cap="rnd">
+            <a:solidFill>
+              <a:schemeClr val="accent2"/>
+            </a:solidFill>
+            <a:round/>
+            <a:extLst>
+              <a:ext uri="{C807C97D-BFC1-408E-A445-0C87EB9F89A2}">
+                <ask:lineSketchStyleProps xmlns:ask="http://schemas.microsoft.com/office/drawing/2018/sketchyshapes" sd="1219033472">
+                  <a:prstGeom prst="rect">
+                    <a:avLst/>
+                  </a:prstGeom>
+                  <ask:type>
+                    <ask:lineSketchFreehand/>
+                  </ask:type>
+                </ask:lineSketchStyleProps>
+              </a:ext>
+            </a:extLst>
+          </a:ln>
+        </p:spPr>
+        <p:style>
+          <a:lnRef idx="2">
+            <a:schemeClr val="accent1">
+              <a:shade val="50000"/>
+            </a:schemeClr>
+          </a:lnRef>
+          <a:fillRef idx="1">
+            <a:schemeClr val="accent1"/>
+          </a:fillRef>
+          <a:effectRef idx="0">
+            <a:schemeClr val="accent1"/>
+          </a:effectRef>
+          <a:fontRef idx="minor">
+            <a:schemeClr val="lt1"/>
+          </a:fontRef>
+        </p:style>
+        <p:txBody>
+          <a:bodyPr rtlCol="0" anchor="ctr"/>
+          <a:lstStyle/>
+          <a:p>
+            <a:pPr algn="ctr"/>
+            <a:endParaRPr lang="en-US"/>
+          </a:p>
+        </p:txBody>
+      </p:sp>
+      <p:sp>
+        <p:nvSpPr>
+          <p:cNvPr id="3" name="Content Placeholder 2">
+            <a:extLst>
+              <a:ext uri="{FF2B5EF4-FFF2-40B4-BE49-F238E27FC236}">
+                <a16:creationId xmlns:a16="http://schemas.microsoft.com/office/drawing/2014/main" id="{CD6A48E8-C369-925A-85AD-BDB20F680AC4}"/>
+              </a:ext>
+            </a:extLst>
+          </p:cNvPr>
+          <p:cNvSpPr>
+            <a:spLocks noGrp="1"/>
+          </p:cNvSpPr>
+          <p:nvPr>
+            <p:ph idx="1"/>
+          </p:nvPr>
+        </p:nvSpPr>
+        <p:spPr>
+          <a:xfrm>
+            <a:off x="630936" y="2807208"/>
+            <a:ext cx="3429000" cy="3410712"/>
+          </a:xfrm>
+        </p:spPr>
+        <p:txBody>
+          <a:bodyPr vert="horz" lIns="91440" tIns="45720" rIns="91440" bIns="45720" rtlCol="0" anchor="t">
+            <a:normAutofit/>
+          </a:bodyPr>
+          <a:lstStyle/>
+          <a:p>
+            <a:endParaRPr lang="en-GB" sz="2200">
+              <a:highlight>
+                <a:srgbClr val="1F1F1F"/>
+              </a:highlight>
+              <a:latin typeface="Consolas"/>
+            </a:endParaRPr>
+          </a:p>
+          <a:p>
+            <a:r>
+              <a:rPr lang="en-GB" sz="2200">
+                <a:ea typeface="+mn-lt"/>
+                <a:cs typeface="+mn-lt"/>
+              </a:rPr>
+              <a:t>We use random forest to predict the watches' price. This model builds decision trees on random subsets of the data.</a:t>
+            </a:r>
+          </a:p>
+          <a:p>
+            <a:endParaRPr lang="en-GB" sz="2200"/>
+          </a:p>
+        </p:txBody>
+      </p:sp>
+      <p:pic>
+        <p:nvPicPr>
+          <p:cNvPr id="4" name="Picture 3" descr="A screen shot of a graph&#10;&#10;AI-generated content may be incorrect.">
+            <a:extLst>
+              <a:ext uri="{FF2B5EF4-FFF2-40B4-BE49-F238E27FC236}">
+                <a16:creationId xmlns:a16="http://schemas.microsoft.com/office/drawing/2014/main" id="{6537825A-07A8-C34F-F2E2-A808DD542940}"/>
+              </a:ext>
+            </a:extLst>
+          </p:cNvPr>
+          <p:cNvPicPr>
+            <a:picLocks noChangeAspect="1"/>
+          </p:cNvPicPr>
+          <p:nvPr/>
+        </p:nvPicPr>
+        <p:blipFill>
+          <a:blip r:embed="rId2"/>
+          <a:srcRect r="36273" b="-273"/>
+          <a:stretch>
+            <a:fillRect/>
+          </a:stretch>
+        </p:blipFill>
+        <p:spPr>
+          <a:xfrm>
+            <a:off x="5537775" y="964184"/>
+            <a:ext cx="5986551" cy="4929646"/>
+          </a:xfrm>
+          <a:prstGeom prst="rect">
+            <a:avLst/>
+          </a:prstGeom>
+        </p:spPr>
+      </p:pic>
+    </p:spTree>
+    <p:extLst>
+      <p:ext uri="{BB962C8B-B14F-4D97-AF65-F5344CB8AC3E}">
+        <p14:creationId xmlns:p14="http://schemas.microsoft.com/office/powerpoint/2010/main" val="4044989683"/>
+      </p:ext>
+    </p:extLst>
+  </p:cSld>
+  <p:clrMapOvr>
+    <a:masterClrMapping/>
+  </p:clrMapOvr>
+</p:sld>
+</file>
+
+<file path=ppt/slides/slide15.xml><?xml version="1.0" encoding="utf-8"?>
+<p:sld xmlns:a="http://schemas.openxmlformats.org/drawingml/2006/main" xmlns:r="http://schemas.openxmlformats.org/officeDocument/2006/relationships" xmlns:p="http://schemas.openxmlformats.org/presentationml/2006/main">
+  <p:cSld>
+    <p:bg>
+      <p:bgPr>
+        <a:solidFill>
+          <a:schemeClr val="bg1"/>
+        </a:solidFill>
+        <a:effectLst/>
+      </p:bgPr>
+    </p:bg>
+    <p:spTree>
+      <p:nvGrpSpPr>
+        <p:cNvPr id="1" name=""/>
+        <p:cNvGrpSpPr/>
+        <p:nvPr/>
+      </p:nvGrpSpPr>
+      <p:grpSpPr>
+        <a:xfrm>
+          <a:off x="0" y="0"/>
+          <a:ext cx="0" cy="0"/>
+          <a:chOff x="0" y="0"/>
+          <a:chExt cx="0" cy="0"/>
+        </a:xfrm>
+      </p:grpSpPr>
+      <p:sp useBgFill="1">
+        <p:nvSpPr>
+          <p:cNvPr id="18" name="Rectangle 17">
+            <a:extLst>
+              <a:ext uri="{FF2B5EF4-FFF2-40B4-BE49-F238E27FC236}">
+                <a16:creationId xmlns:a16="http://schemas.microsoft.com/office/drawing/2014/main" id="{743AA782-23D1-4521-8CAD-47662984AA08}"/>
+              </a:ext>
+              <a:ext uri="{C183D7F6-B498-43B3-948B-1728B52AA6E4}">
+                <adec:decorative xmlns:adec="http://schemas.microsoft.com/office/drawing/2017/decorative" val="1"/>
+              </a:ext>
+            </a:extLst>
+          </p:cNvPr>
+          <p:cNvSpPr>
+            <a:spLocks noGrp="1" noRot="1" noChangeAspect="1" noMove="1" noResize="1" noEditPoints="1" noAdjustHandles="1" noChangeArrowheads="1" noChangeShapeType="1" noTextEdit="1"/>
+          </p:cNvSpPr>
+          <p:nvPr>
+            <p:extLst>
+              <p:ext uri="{386F3935-93C4-4BCD-93E2-E3B085C9AB24}">
+                <p16:designElem xmlns:p16="http://schemas.microsoft.com/office/powerpoint/2015/main" val="1"/>
+              </p:ext>
+            </p:extLst>
+          </p:nvPr>
+        </p:nvSpPr>
+        <p:spPr>
+          <a:xfrm>
+            <a:off x="0" y="0"/>
+            <a:ext cx="12192000" cy="6858000"/>
+          </a:xfrm>
+          <a:prstGeom prst="rect">
+            <a:avLst/>
+          </a:prstGeom>
+          <a:ln>
+            <a:noFill/>
+          </a:ln>
+        </p:spPr>
+        <p:style>
+          <a:lnRef idx="2">
+            <a:schemeClr val="accent1">
+              <a:shade val="50000"/>
+            </a:schemeClr>
+          </a:lnRef>
+          <a:fillRef idx="1">
+            <a:schemeClr val="accent1"/>
+          </a:fillRef>
+          <a:effectRef idx="0">
+            <a:schemeClr val="accent1"/>
+          </a:effectRef>
+          <a:fontRef idx="minor">
+            <a:schemeClr val="lt1"/>
+          </a:fontRef>
+        </p:style>
+        <p:txBody>
+          <a:bodyPr rtlCol="0" anchor="ctr"/>
+          <a:lstStyle/>
+          <a:p>
+            <a:pPr algn="ctr"/>
+            <a:endParaRPr lang="en-US"/>
+          </a:p>
+        </p:txBody>
+      </p:sp>
+      <p:sp>
+        <p:nvSpPr>
+          <p:cNvPr id="2" name="Title 1">
+            <a:extLst>
+              <a:ext uri="{FF2B5EF4-FFF2-40B4-BE49-F238E27FC236}">
+                <a16:creationId xmlns:a16="http://schemas.microsoft.com/office/drawing/2014/main" id="{A33F0C41-4BEE-4613-C1B0-600DAE411C96}"/>
+              </a:ext>
+            </a:extLst>
+          </p:cNvPr>
+          <p:cNvSpPr>
+            <a:spLocks noGrp="1"/>
+          </p:cNvSpPr>
+          <p:nvPr>
+            <p:ph type="title"/>
+          </p:nvPr>
+        </p:nvSpPr>
+        <p:spPr>
+          <a:xfrm>
+            <a:off x="630936" y="640080"/>
+            <a:ext cx="4818888" cy="1481328"/>
+          </a:xfrm>
+        </p:spPr>
+        <p:txBody>
+          <a:bodyPr anchor="b">
+            <a:normAutofit/>
+          </a:bodyPr>
+          <a:lstStyle/>
+          <a:p>
+            <a:r>
+              <a:rPr lang="en-GB" sz="5000"/>
+              <a:t>Logistic Regression</a:t>
+            </a:r>
+          </a:p>
+        </p:txBody>
+      </p:sp>
+      <p:sp>
+        <p:nvSpPr>
+          <p:cNvPr id="19" name="sketch line">
+            <a:extLst>
+              <a:ext uri="{FF2B5EF4-FFF2-40B4-BE49-F238E27FC236}">
+                <a16:creationId xmlns:a16="http://schemas.microsoft.com/office/drawing/2014/main" id="{71877DBC-BB60-40F0-AC93-2ACDBAAE60CE}"/>
+              </a:ext>
+              <a:ext uri="{C183D7F6-B498-43B3-948B-1728B52AA6E4}">
+                <adec:decorative xmlns:adec="http://schemas.microsoft.com/office/drawing/2017/decorative" val="1"/>
+              </a:ext>
+            </a:extLst>
+          </p:cNvPr>
+          <p:cNvSpPr>
+            <a:spLocks noGrp="1" noRot="1" noChangeAspect="1" noMove="1" noResize="1" noEditPoints="1" noAdjustHandles="1" noChangeArrowheads="1" noChangeShapeType="1" noTextEdit="1"/>
+          </p:cNvSpPr>
+          <p:nvPr>
+            <p:extLst>
+              <p:ext uri="{386F3935-93C4-4BCD-93E2-E3B085C9AB24}">
+                <p16:designElem xmlns:p16="http://schemas.microsoft.com/office/powerpoint/2015/main" val="1"/>
+              </p:ext>
+            </p:extLst>
+          </p:nvPr>
+        </p:nvSpPr>
+        <p:spPr>
+          <a:xfrm>
+            <a:off x="643278" y="2372868"/>
+            <a:ext cx="3255095" cy="18288"/>
+          </a:xfrm>
+          <a:custGeom>
+            <a:avLst/>
+            <a:gdLst>
+              <a:gd name="csX0" fmla="*/ 0 w 3255095"/>
+              <a:gd name="csY0" fmla="*/ 0 h 18288"/>
+              <a:gd name="csX1" fmla="*/ 618468 w 3255095"/>
+              <a:gd name="csY1" fmla="*/ 0 h 18288"/>
+              <a:gd name="csX2" fmla="*/ 1269487 w 3255095"/>
+              <a:gd name="csY2" fmla="*/ 0 h 18288"/>
+              <a:gd name="csX3" fmla="*/ 1953057 w 3255095"/>
+              <a:gd name="csY3" fmla="*/ 0 h 18288"/>
+              <a:gd name="csX4" fmla="*/ 2636627 w 3255095"/>
+              <a:gd name="csY4" fmla="*/ 0 h 18288"/>
+              <a:gd name="csX5" fmla="*/ 3255095 w 3255095"/>
+              <a:gd name="csY5" fmla="*/ 0 h 18288"/>
+              <a:gd name="csX6" fmla="*/ 3255095 w 3255095"/>
+              <a:gd name="csY6" fmla="*/ 18288 h 18288"/>
+              <a:gd name="csX7" fmla="*/ 2538974 w 3255095"/>
+              <a:gd name="csY7" fmla="*/ 18288 h 18288"/>
+              <a:gd name="csX8" fmla="*/ 1822853 w 3255095"/>
+              <a:gd name="csY8" fmla="*/ 18288 h 18288"/>
+              <a:gd name="csX9" fmla="*/ 1171834 w 3255095"/>
+              <a:gd name="csY9" fmla="*/ 18288 h 18288"/>
+              <a:gd name="csX10" fmla="*/ 0 w 3255095"/>
+              <a:gd name="csY10" fmla="*/ 18288 h 18288"/>
+              <a:gd name="csX11" fmla="*/ 0 w 3255095"/>
+              <a:gd name="csY11" fmla="*/ 0 h 18288"/>
+            </a:gdLst>
+            <a:ahLst/>
+            <a:cxnLst>
+              <a:cxn ang="0">
+                <a:pos x="csX0" y="csY0"/>
+              </a:cxn>
+              <a:cxn ang="0">
+                <a:pos x="csX1" y="csY1"/>
+              </a:cxn>
+              <a:cxn ang="0">
+                <a:pos x="csX2" y="csY2"/>
+              </a:cxn>
+              <a:cxn ang="0">
+                <a:pos x="csX3" y="csY3"/>
+              </a:cxn>
+              <a:cxn ang="0">
+                <a:pos x="csX4" y="csY4"/>
+              </a:cxn>
+              <a:cxn ang="0">
+                <a:pos x="csX5" y="csY5"/>
+              </a:cxn>
+              <a:cxn ang="0">
+                <a:pos x="csX6" y="csY6"/>
+              </a:cxn>
+              <a:cxn ang="0">
+                <a:pos x="csX7" y="csY7"/>
+              </a:cxn>
+              <a:cxn ang="0">
+                <a:pos x="csX8" y="csY8"/>
+              </a:cxn>
+              <a:cxn ang="0">
+                <a:pos x="csX9" y="csY9"/>
+              </a:cxn>
+              <a:cxn ang="0">
+                <a:pos x="csX10" y="csY10"/>
+              </a:cxn>
+              <a:cxn ang="0">
+                <a:pos x="csX11" y="csY11"/>
+              </a:cxn>
+            </a:cxnLst>
+            <a:rect l="l" t="t" r="r" b="b"/>
+            <a:pathLst>
+              <a:path w="3255095" h="18288" fill="none" extrusionOk="0">
+                <a:moveTo>
+                  <a:pt x="0" y="0"/>
+                </a:moveTo>
+                <a:cubicBezTo>
+                  <a:pt x="240201" y="-22123"/>
+                  <a:pt x="462021" y="-19623"/>
+                  <a:pt x="618468" y="0"/>
+                </a:cubicBezTo>
+                <a:cubicBezTo>
+                  <a:pt x="774915" y="19623"/>
+                  <a:pt x="974734" y="2035"/>
+                  <a:pt x="1269487" y="0"/>
+                </a:cubicBezTo>
+                <a:cubicBezTo>
+                  <a:pt x="1564240" y="-2035"/>
+                  <a:pt x="1733579" y="10639"/>
+                  <a:pt x="1953057" y="0"/>
+                </a:cubicBezTo>
+                <a:cubicBezTo>
+                  <a:pt x="2172535" y="-10639"/>
+                  <a:pt x="2453962" y="14018"/>
+                  <a:pt x="2636627" y="0"/>
+                </a:cubicBezTo>
+                <a:cubicBezTo>
+                  <a:pt x="2819292" y="-14018"/>
+                  <a:pt x="3121375" y="5399"/>
+                  <a:pt x="3255095" y="0"/>
+                </a:cubicBezTo>
+                <a:cubicBezTo>
+                  <a:pt x="3254386" y="8157"/>
+                  <a:pt x="3254682" y="12125"/>
+                  <a:pt x="3255095" y="18288"/>
+                </a:cubicBezTo>
+                <a:cubicBezTo>
+                  <a:pt x="3088545" y="23203"/>
+                  <a:pt x="2687475" y="7419"/>
+                  <a:pt x="2538974" y="18288"/>
+                </a:cubicBezTo>
+                <a:cubicBezTo>
+                  <a:pt x="2390473" y="29157"/>
+                  <a:pt x="2137381" y="-8959"/>
+                  <a:pt x="1822853" y="18288"/>
+                </a:cubicBezTo>
+                <a:cubicBezTo>
+                  <a:pt x="1508325" y="45535"/>
+                  <a:pt x="1466437" y="20385"/>
+                  <a:pt x="1171834" y="18288"/>
+                </a:cubicBezTo>
+                <a:cubicBezTo>
+                  <a:pt x="877231" y="16191"/>
+                  <a:pt x="561097" y="37643"/>
+                  <a:pt x="0" y="18288"/>
+                </a:cubicBezTo>
+                <a:cubicBezTo>
+                  <a:pt x="-46" y="12483"/>
+                  <a:pt x="-203" y="6491"/>
+                  <a:pt x="0" y="0"/>
+                </a:cubicBezTo>
+                <a:close/>
+              </a:path>
+              <a:path w="3255095" h="18288" stroke="0" extrusionOk="0">
+                <a:moveTo>
+                  <a:pt x="0" y="0"/>
+                </a:moveTo>
+                <a:cubicBezTo>
+                  <a:pt x="291965" y="19429"/>
+                  <a:pt x="363155" y="8568"/>
+                  <a:pt x="618468" y="0"/>
+                </a:cubicBezTo>
+                <a:cubicBezTo>
+                  <a:pt x="873781" y="-8568"/>
+                  <a:pt x="904459" y="-19505"/>
+                  <a:pt x="1171834" y="0"/>
+                </a:cubicBezTo>
+                <a:cubicBezTo>
+                  <a:pt x="1439209" y="19505"/>
+                  <a:pt x="1744369" y="9790"/>
+                  <a:pt x="1887955" y="0"/>
+                </a:cubicBezTo>
+                <a:cubicBezTo>
+                  <a:pt x="2031541" y="-9790"/>
+                  <a:pt x="2346378" y="21240"/>
+                  <a:pt x="2506423" y="0"/>
+                </a:cubicBezTo>
+                <a:cubicBezTo>
+                  <a:pt x="2666468" y="-21240"/>
+                  <a:pt x="2990257" y="30414"/>
+                  <a:pt x="3255095" y="0"/>
+                </a:cubicBezTo>
+                <a:cubicBezTo>
+                  <a:pt x="3254831" y="4493"/>
+                  <a:pt x="3255479" y="9472"/>
+                  <a:pt x="3255095" y="18288"/>
+                </a:cubicBezTo>
+                <a:cubicBezTo>
+                  <a:pt x="3120743" y="16690"/>
+                  <a:pt x="2759628" y="42462"/>
+                  <a:pt x="2604076" y="18288"/>
+                </a:cubicBezTo>
+                <a:cubicBezTo>
+                  <a:pt x="2448524" y="-5886"/>
+                  <a:pt x="2184336" y="19599"/>
+                  <a:pt x="1887955" y="18288"/>
+                </a:cubicBezTo>
+                <a:cubicBezTo>
+                  <a:pt x="1591574" y="16977"/>
+                  <a:pt x="1548845" y="6870"/>
+                  <a:pt x="1334589" y="18288"/>
+                </a:cubicBezTo>
+                <a:cubicBezTo>
+                  <a:pt x="1120333" y="29706"/>
+                  <a:pt x="996014" y="9662"/>
+                  <a:pt x="683570" y="18288"/>
+                </a:cubicBezTo>
+                <a:cubicBezTo>
+                  <a:pt x="371126" y="26914"/>
+                  <a:pt x="198687" y="16167"/>
+                  <a:pt x="0" y="18288"/>
+                </a:cubicBezTo>
+                <a:cubicBezTo>
+                  <a:pt x="843" y="9577"/>
+                  <a:pt x="371" y="6900"/>
+                  <a:pt x="0" y="0"/>
+                </a:cubicBezTo>
+                <a:close/>
+              </a:path>
+            </a:pathLst>
+          </a:custGeom>
+          <a:solidFill>
+            <a:schemeClr val="accent2"/>
+          </a:solidFill>
+          <a:ln w="38100" cap="rnd">
+            <a:solidFill>
+              <a:schemeClr val="accent2"/>
+            </a:solidFill>
+            <a:round/>
+            <a:extLst>
+              <a:ext uri="{C807C97D-BFC1-408E-A445-0C87EB9F89A2}">
+                <ask:lineSketchStyleProps xmlns:ask="http://schemas.microsoft.com/office/drawing/2018/sketchyshapes" sd="1219033472">
+                  <a:prstGeom prst="rect">
+                    <a:avLst/>
+                  </a:prstGeom>
+                  <ask:type>
+                    <ask:lineSketchFreehand/>
+                  </ask:type>
+                </ask:lineSketchStyleProps>
+              </a:ext>
+            </a:extLst>
+          </a:ln>
+        </p:spPr>
+        <p:style>
+          <a:lnRef idx="2">
+            <a:schemeClr val="accent1">
+              <a:shade val="50000"/>
+            </a:schemeClr>
+          </a:lnRef>
+          <a:fillRef idx="1">
+            <a:schemeClr val="accent1"/>
+          </a:fillRef>
+          <a:effectRef idx="0">
+            <a:schemeClr val="accent1"/>
+          </a:effectRef>
+          <a:fontRef idx="minor">
+            <a:schemeClr val="lt1"/>
+          </a:fontRef>
+        </p:style>
+        <p:txBody>
+          <a:bodyPr rtlCol="0" anchor="ctr"/>
+          <a:lstStyle/>
+          <a:p>
+            <a:pPr algn="ctr"/>
+            <a:endParaRPr lang="en-US"/>
+          </a:p>
+        </p:txBody>
+      </p:sp>
+      <p:sp>
+        <p:nvSpPr>
+          <p:cNvPr id="3" name="Content Placeholder 2">
+            <a:extLst>
+              <a:ext uri="{FF2B5EF4-FFF2-40B4-BE49-F238E27FC236}">
+                <a16:creationId xmlns:a16="http://schemas.microsoft.com/office/drawing/2014/main" id="{A3A7D74C-8E66-32DF-1415-6358E9746E84}"/>
+              </a:ext>
+            </a:extLst>
+          </p:cNvPr>
+          <p:cNvSpPr>
+            <a:spLocks noGrp="1"/>
+          </p:cNvSpPr>
+          <p:nvPr>
+            <p:ph idx="1"/>
+          </p:nvPr>
+        </p:nvSpPr>
+        <p:spPr>
+          <a:xfrm>
+            <a:off x="630936" y="2660904"/>
+            <a:ext cx="4818888" cy="3547872"/>
+          </a:xfrm>
+        </p:spPr>
+        <p:txBody>
+          <a:bodyPr vert="horz" lIns="91440" tIns="45720" rIns="91440" bIns="45720" rtlCol="0" anchor="t">
+            <a:normAutofit/>
+          </a:bodyPr>
+          <a:lstStyle/>
+          <a:p>
+            <a:endParaRPr lang="en-GB" sz="2200">
+              <a:highlight>
+                <a:srgbClr val="1F1F1F"/>
+              </a:highlight>
+              <a:latin typeface="Consolas"/>
+            </a:endParaRPr>
+          </a:p>
+          <a:p>
+            <a:r>
+              <a:rPr lang="en-GB" sz="2200">
+                <a:ea typeface="+mn-lt"/>
+                <a:cs typeface="+mn-lt"/>
+              </a:rPr>
+              <a:t>The Logistic Regression is a linear model for binary classification that estimates probabilities. Outputs probabilities and let us know how it classifies each category.</a:t>
+            </a:r>
+          </a:p>
+          <a:p>
+            <a:endParaRPr lang="en-GB" sz="2200"/>
+          </a:p>
+        </p:txBody>
+      </p:sp>
+      <p:pic>
+        <p:nvPicPr>
+          <p:cNvPr id="4" name="Picture 3" descr="A screenshot of a graph&#10;&#10;AI-generated content may be incorrect.">
+            <a:extLst>
+              <a:ext uri="{FF2B5EF4-FFF2-40B4-BE49-F238E27FC236}">
+                <a16:creationId xmlns:a16="http://schemas.microsoft.com/office/drawing/2014/main" id="{0AFB1A68-0EA5-E744-F470-25053EF088C3}"/>
+              </a:ext>
+            </a:extLst>
+          </p:cNvPr>
+          <p:cNvPicPr>
+            <a:picLocks noChangeAspect="1"/>
+          </p:cNvPicPr>
+          <p:nvPr/>
+        </p:nvPicPr>
+        <p:blipFill>
+          <a:blip r:embed="rId2"/>
+          <a:srcRect t="-83" r="31498" b="229"/>
+          <a:stretch>
+            <a:fillRect/>
+          </a:stretch>
+        </p:blipFill>
+        <p:spPr>
+          <a:xfrm>
+            <a:off x="6275745" y="865149"/>
+            <a:ext cx="5502048" cy="5344600"/>
+          </a:xfrm>
+          <a:prstGeom prst="rect">
+            <a:avLst/>
+          </a:prstGeom>
+        </p:spPr>
+      </p:pic>
+    </p:spTree>
+    <p:extLst>
+      <p:ext uri="{BB962C8B-B14F-4D97-AF65-F5344CB8AC3E}">
+        <p14:creationId xmlns:p14="http://schemas.microsoft.com/office/powerpoint/2010/main" val="4166608348"/>
+      </p:ext>
+    </p:extLst>
+  </p:cSld>
+  <p:clrMapOvr>
+    <a:masterClrMapping/>
+  </p:clrMapOvr>
+</p:sld>
+</file>
+
+<file path=ppt/slides/slide16.xml><?xml version="1.0" encoding="utf-8"?>
+<p:sld xmlns:a="http://schemas.openxmlformats.org/drawingml/2006/main" xmlns:r="http://schemas.openxmlformats.org/officeDocument/2006/relationships" xmlns:p="http://schemas.openxmlformats.org/presentationml/2006/main">
+  <p:cSld>
+    <p:bg>
+      <p:bgPr>
+        <a:solidFill>
+          <a:schemeClr val="bg1"/>
+        </a:solidFill>
+        <a:effectLst/>
+      </p:bgPr>
+    </p:bg>
+    <p:spTree>
+      <p:nvGrpSpPr>
+        <p:cNvPr id="1" name=""/>
+        <p:cNvGrpSpPr/>
+        <p:nvPr/>
+      </p:nvGrpSpPr>
+      <p:grpSpPr>
+        <a:xfrm>
+          <a:off x="0" y="0"/>
+          <a:ext cx="0" cy="0"/>
+          <a:chOff x="0" y="0"/>
+          <a:chExt cx="0" cy="0"/>
+        </a:xfrm>
+      </p:grpSpPr>
       <p:sp>
         <p:nvSpPr>
           <p:cNvPr id="9" name="Rectangle 8">
@@ -18450,10 +21643,10 @@
       </p:sp>
       <p:pic>
         <p:nvPicPr>
-          <p:cNvPr id="4" name="Content Placeholder 3" descr="A screenshot of a computer program&#10;&#10;AI-generated content may be incorrect.">
+          <p:cNvPr id="3" name="Content Placeholder 2" descr="A screenshot of a computer&#10;&#10;AI-generated content may be incorrect.">
             <a:extLst>
               <a:ext uri="{FF2B5EF4-FFF2-40B4-BE49-F238E27FC236}">
-                <a16:creationId xmlns:a16="http://schemas.microsoft.com/office/drawing/2014/main" id="{A7D7EFDB-D360-B8EE-EC22-438EA716D656}"/>
+                <a16:creationId xmlns:a16="http://schemas.microsoft.com/office/drawing/2014/main" id="{E4F4FF65-220F-8034-B8B9-112A46667752}"/>
               </a:ext>
             </a:extLst>
           </p:cNvPr>
@@ -18466,20 +21659,71 @@
         </p:nvPicPr>
         <p:blipFill>
           <a:blip r:embed="rId2"/>
+          <a:srcRect l="3140" r="18411" b="221"/>
           <a:stretch>
             <a:fillRect/>
           </a:stretch>
         </p:blipFill>
         <p:spPr>
           <a:xfrm>
-            <a:off x="2291497" y="1675227"/>
-            <a:ext cx="7609005" cy="4394199"/>
+            <a:off x="540314" y="1401788"/>
+            <a:ext cx="7337308" cy="5457313"/>
           </a:xfrm>
           <a:prstGeom prst="rect">
             <a:avLst/>
           </a:prstGeom>
         </p:spPr>
       </p:pic>
+      <p:sp>
+        <p:nvSpPr>
+          <p:cNvPr id="4" name="TextBox 3">
+            <a:extLst>
+              <a:ext uri="{FF2B5EF4-FFF2-40B4-BE49-F238E27FC236}">
+                <a16:creationId xmlns:a16="http://schemas.microsoft.com/office/drawing/2014/main" id="{0C544EEA-28DE-7897-0A2E-8BBB449A267D}"/>
+              </a:ext>
+            </a:extLst>
+          </p:cNvPr>
+          <p:cNvSpPr txBox="1"/>
+          <p:nvPr/>
+        </p:nvSpPr>
+        <p:spPr>
+          <a:xfrm>
+            <a:off x="8545975" y="1986987"/>
+            <a:ext cx="3366302" cy="923330"/>
+          </a:xfrm>
+          <a:prstGeom prst="rect">
+            <a:avLst/>
+          </a:prstGeom>
+          <a:noFill/>
+        </p:spPr>
+        <p:txBody>
+          <a:bodyPr rot="0" spcFirstLastPara="0" vertOverflow="overflow" horzOverflow="overflow" vert="horz" wrap="square" lIns="91440" tIns="45720" rIns="91440" bIns="45720" numCol="1" spcCol="0" rtlCol="0" fromWordArt="0" anchor="t" anchorCtr="0" forceAA="0" compatLnSpc="1">
+            <a:prstTxWarp prst="textNoShape">
+              <a:avLst/>
+            </a:prstTxWarp>
+            <a:spAutoFit/>
+          </a:bodyPr>
+          <a:lstStyle/>
+          <a:p>
+            <a:pPr marL="285750" indent="-285750">
+              <a:buFont typeface="Arial"/>
+              <a:buChar char="•"/>
+            </a:pPr>
+            <a:r>
+              <a:rPr lang="en-US"/>
+              <a:t>Demo moved to HTML file as too big to show within a </a:t>
+            </a:r>
+            <a:r>
+              <a:rPr lang="en-US" err="1"/>
+              <a:t>jupyter</a:t>
+            </a:r>
+            <a:r>
+              <a:rPr lang="en-US"/>
+              <a:t> notebook</a:t>
+            </a:r>
+          </a:p>
+        </p:txBody>
+      </p:sp>
     </p:spTree>
     <p:extLst>
       <p:ext uri="{BB962C8B-B14F-4D97-AF65-F5344CB8AC3E}">
@@ -18493,7 +21737,7 @@
 </p:sld>
 </file>
 
-<file path=ppt/slides/slide13.xml><?xml version="1.0" encoding="utf-8"?>
+<file path=ppt/slides/slide17.xml><?xml version="1.0" encoding="utf-8"?>
 <p:sld xmlns:a="http://schemas.openxmlformats.org/drawingml/2006/main" xmlns:r="http://schemas.openxmlformats.org/officeDocument/2006/relationships" xmlns:p="http://schemas.openxmlformats.org/presentationml/2006/main">
   <p:cSld>
     <p:bg>
@@ -18817,7 +22061,7 @@
           <a:lstStyle/>
           <a:p>
             <a:pPr algn="ctr"/>
-            <a:endParaRPr lang="en-US" dirty="0"/>
+            <a:endParaRPr lang="en-US"/>
           </a:p>
         </p:txBody>
       </p:sp>
@@ -18850,7 +22094,7 @@
           <a:lstStyle/>
           <a:p>
             <a:r>
-              <a:rPr lang="en-US" sz="4000" dirty="0">
+              <a:rPr lang="en-US" sz="4000">
                 <a:solidFill>
                   <a:srgbClr val="FFFFFF"/>
                 </a:solidFill>
@@ -18904,7 +22148,7 @@
 </p:sld>
 </file>
 
-<file path=ppt/slides/slide14.xml><?xml version="1.0" encoding="utf-8"?>
+<file path=ppt/slides/slide18.xml><?xml version="1.0" encoding="utf-8"?>
 <p:sld xmlns:a="http://schemas.openxmlformats.org/drawingml/2006/main" xmlns:r="http://schemas.openxmlformats.org/officeDocument/2006/relationships" xmlns:p="http://schemas.openxmlformats.org/presentationml/2006/main">
   <p:cSld>
     <p:bg>
@@ -22198,7 +25442,7 @@
                   <a:schemeClr val="tx2"/>
                 </a:solidFill>
               </a:rPr>
-              <a:t>We could develop on the current project to be more specific</a:t>
+              <a:t>We could develop on the current project to be more specific (Age, Retail vs Resell, Availability)</a:t>
             </a:r>
           </a:p>
           <a:p>
@@ -22213,20 +25457,22 @@
           </a:p>
           <a:p>
             <a:r>
-              <a:rPr lang="en-US" sz="1800" dirty="0">
+              <a:rPr lang="en-US" sz="1800">
                 <a:solidFill>
                   <a:schemeClr val="tx2"/>
                 </a:solidFill>
               </a:rPr>
-              <a:t>We now understand the importance of communication and teamwork while working </a:t>
+              <a:t>We now understand the importance of communication and teamwork while working with AI applications.</a:t>
             </a:r>
+          </a:p>
+          <a:p>
             <a:r>
               <a:rPr lang="en-US" sz="1800">
                 <a:solidFill>
                   <a:schemeClr val="tx2"/>
                 </a:solidFill>
               </a:rPr>
-              <a:t>with AI applications.</a:t>
+              <a:t>We could have inspected the workload before selecting a dataset(Relatively small)</a:t>
             </a:r>
           </a:p>
         </p:txBody>
@@ -22244,7 +25490,7 @@
 </p:sld>
 </file>
 
-<file path=ppt/slides/slide15.xml><?xml version="1.0" encoding="utf-8"?>
+<file path=ppt/slides/slide19.xml><?xml version="1.0" encoding="utf-8"?>
 <p:sld xmlns:a="http://schemas.openxmlformats.org/drawingml/2006/main" xmlns:r="http://schemas.openxmlformats.org/officeDocument/2006/relationships" xmlns:p="http://schemas.openxmlformats.org/presentationml/2006/main">
   <p:cSld>
     <p:bg>
@@ -22567,7 +25813,7 @@
           <a:lstStyle/>
           <a:p>
             <a:pPr algn="ctr"/>
-            <a:endParaRPr lang="en-US" dirty="0"/>
+            <a:endParaRPr lang="en-US"/>
           </a:p>
         </p:txBody>
       </p:sp>
@@ -22600,7 +25846,7 @@
           <a:lstStyle/>
           <a:p>
             <a:r>
-              <a:rPr lang="en-US" sz="4000" kern="1200" dirty="0">
+              <a:rPr lang="en-US" sz="4000" kern="1200">
                 <a:solidFill>
                   <a:srgbClr val="FFFFFF"/>
                 </a:solidFill>
@@ -22629,14 +25875,14 @@
             <p:ph idx="1"/>
             <p:extLst>
               <p:ext uri="{D42A27DB-BD31-4B8C-83A1-F6EECF244321}">
-                <p14:modId xmlns:p14="http://schemas.microsoft.com/office/powerpoint/2010/main" val="2544759564"/>
+                <p14:modId xmlns:p14="http://schemas.microsoft.com/office/powerpoint/2010/main" val="3878119077"/>
               </p:ext>
             </p:extLst>
           </p:nvPr>
         </p:nvGraphicFramePr>
         <p:xfrm>
           <a:off x="132841" y="2356040"/>
-          <a:ext cx="11651246" cy="3667304"/>
+          <a:ext cx="11651246" cy="4048300"/>
         </p:xfrm>
         <a:graphic>
           <a:graphicData uri="http://schemas.openxmlformats.org/drawingml/2006/table">
@@ -22674,7 +25920,7 @@
                     <a:lstStyle/>
                     <a:p>
                       <a:r>
-                        <a:rPr lang="en-US" sz="3000" dirty="0"/>
+                        <a:rPr lang="en-US" sz="3000"/>
                         <a:t>Seán</a:t>
                       </a:r>
                     </a:p>
@@ -22687,7 +25933,7 @@
                     <a:lstStyle/>
                     <a:p>
                       <a:r>
-                        <a:rPr lang="en-US" sz="3000" dirty="0"/>
+                        <a:rPr lang="en-US" sz="3000"/>
                         <a:t>Dani</a:t>
                       </a:r>
                     </a:p>
@@ -22700,7 +25946,7 @@
                     <a:lstStyle/>
                     <a:p>
                       <a:r>
-                        <a:rPr lang="en-US" sz="3000" dirty="0"/>
+                        <a:rPr lang="en-US" sz="3000"/>
                         <a:t>David</a:t>
                       </a:r>
                     </a:p>
@@ -22720,7 +25966,7 @@
                     <a:lstStyle/>
                     <a:p>
                       <a:r>
-                        <a:rPr lang="en-US" sz="3000" dirty="0"/>
+                        <a:rPr lang="en-US" sz="3000"/>
                         <a:t>Presentation</a:t>
                       </a:r>
                     </a:p>
@@ -22733,7 +25979,7 @@
                     <a:lstStyle/>
                     <a:p>
                       <a:r>
-                        <a:rPr lang="en-US" sz="3000" dirty="0"/>
+                        <a:rPr lang="en-US" sz="3000"/>
                         <a:t>Model Development</a:t>
                       </a:r>
                     </a:p>
@@ -22746,7 +25992,7 @@
                     <a:lstStyle/>
                     <a:p>
                       <a:r>
-                        <a:rPr lang="en-US" sz="3000" dirty="0"/>
+                        <a:rPr lang="en-US" sz="3000"/>
                         <a:t>Dataset Selection</a:t>
                       </a:r>
                     </a:p>
@@ -22766,7 +26012,7 @@
                     <a:lstStyle/>
                     <a:p>
                       <a:r>
-                        <a:rPr lang="en-US" sz="3000" dirty="0"/>
+                        <a:rPr lang="en-US" sz="3000"/>
                         <a:t>Test set &amp; Data Cleaning</a:t>
                       </a:r>
                     </a:p>
@@ -22779,7 +26025,7 @@
                     <a:lstStyle/>
                     <a:p>
                       <a:r>
-                        <a:rPr lang="en-US" sz="3000" dirty="0"/>
+                        <a:rPr lang="en-US" sz="3000"/>
                         <a:t>Feature Selection</a:t>
                       </a:r>
                     </a:p>
@@ -22792,7 +26038,7 @@
                     <a:lstStyle/>
                     <a:p>
                       <a:r>
-                        <a:rPr lang="en-US" sz="3000" dirty="0"/>
+                        <a:rPr lang="en-US" sz="3000"/>
                         <a:t>Model Development</a:t>
                       </a:r>
                     </a:p>
@@ -22812,21 +26058,8 @@
                     <a:lstStyle/>
                     <a:p>
                       <a:r>
-                        <a:rPr lang="en-US" sz="3000" dirty="0"/>
-                        <a:t>AI Demo Application</a:t>
-                      </a:r>
-                    </a:p>
-                  </a:txBody>
-                  <a:tcPr marL="151507" marR="151507" marT="75754" marB="75754"/>
-                </a:tc>
-                <a:tc>
-                  <a:txBody>
-                    <a:bodyPr/>
-                    <a:lstStyle/>
-                    <a:p>
-                      <a:r>
-                        <a:rPr lang="en-US" sz="3000" dirty="0"/>
-                        <a:t>Data Shape &amp; Table</a:t>
+                        <a:rPr lang="en-US" sz="3000"/>
+                        <a:t>Feature Selection &amp; Visualizing Data</a:t>
                       </a:r>
                     </a:p>
                   </a:txBody>
@@ -22839,7 +26072,20 @@
                     <a:p>
                       <a:r>
                         <a:rPr lang="en-US" sz="3000"/>
-                        <a:t>Evaluation</a:t>
+                        <a:t>Data Loading</a:t>
+                      </a:r>
+                    </a:p>
+                  </a:txBody>
+                  <a:tcPr marL="151507" marR="151507" marT="75754" marB="75754"/>
+                </a:tc>
+                <a:tc>
+                  <a:txBody>
+                    <a:bodyPr/>
+                    <a:lstStyle/>
+                    <a:p>
+                      <a:r>
+                        <a:rPr lang="en-US" sz="3000"/>
+                        <a:t>Random Forest &amp; Logistic Regression</a:t>
                       </a:r>
                     </a:p>
                   </a:txBody>
@@ -23191,7 +26437,7 @@
           <a:lstStyle/>
           <a:p>
             <a:pPr algn="ctr"/>
-            <a:endParaRPr lang="en-US" dirty="0"/>
+            <a:endParaRPr lang="en-US"/>
           </a:p>
         </p:txBody>
       </p:sp>
@@ -23602,7 +26848,7 @@
           <a:lstStyle/>
           <a:p>
             <a:pPr algn="ctr"/>
-            <a:endParaRPr lang="en-US" dirty="0"/>
+            <a:endParaRPr lang="en-US"/>
           </a:p>
         </p:txBody>
       </p:sp>
